--- a/ArchExtractor/doc/Presentation.pptx
+++ b/ArchExtractor/doc/Presentation.pptx
@@ -253,7 +253,7 @@
           <a:p>
             <a:fld id="{5F981C07-B402-4A91-A2F9-238AB9347237}" type="datetimeFigureOut">
               <a:rPr lang="en-US" smtClean="0"/>
-              <a:t>3/3/2015</a:t>
+              <a:t>3/4/2015</a:t>
             </a:fld>
             <a:endParaRPr lang="en-US"/>
           </a:p>
@@ -566,7 +566,7 @@
           <a:p>
             <a:fld id="{5F981C07-B402-4A91-A2F9-238AB9347237}" type="datetimeFigureOut">
               <a:rPr lang="en-US" smtClean="0"/>
-              <a:t>3/3/2015</a:t>
+              <a:t>3/4/2015</a:t>
             </a:fld>
             <a:endParaRPr lang="en-US"/>
           </a:p>
@@ -751,7 +751,7 @@
           <a:p>
             <a:fld id="{5F981C07-B402-4A91-A2F9-238AB9347237}" type="datetimeFigureOut">
               <a:rPr lang="en-US" smtClean="0"/>
-              <a:t>3/3/2015</a:t>
+              <a:t>3/4/2015</a:t>
             </a:fld>
             <a:endParaRPr lang="en-US"/>
           </a:p>
@@ -926,7 +926,7 @@
           <a:p>
             <a:fld id="{5F981C07-B402-4A91-A2F9-238AB9347237}" type="datetimeFigureOut">
               <a:rPr lang="en-US" smtClean="0"/>
-              <a:t>3/3/2015</a:t>
+              <a:t>3/4/2015</a:t>
             </a:fld>
             <a:endParaRPr lang="en-US"/>
           </a:p>
@@ -1194,7 +1194,7 @@
           <a:p>
             <a:fld id="{5F981C07-B402-4A91-A2F9-238AB9347237}" type="datetimeFigureOut">
               <a:rPr lang="en-US" smtClean="0"/>
-              <a:t>3/3/2015</a:t>
+              <a:t>3/4/2015</a:t>
             </a:fld>
             <a:endParaRPr lang="en-US"/>
           </a:p>
@@ -1662,7 +1662,7 @@
           <a:p>
             <a:fld id="{5F981C07-B402-4A91-A2F9-238AB9347237}" type="datetimeFigureOut">
               <a:rPr lang="en-US" smtClean="0"/>
-              <a:t>3/3/2015</a:t>
+              <a:t>3/4/2015</a:t>
             </a:fld>
             <a:endParaRPr lang="en-US"/>
           </a:p>
@@ -2151,7 +2151,7 @@
           <a:p>
             <a:fld id="{5F981C07-B402-4A91-A2F9-238AB9347237}" type="datetimeFigureOut">
               <a:rPr lang="en-US" smtClean="0"/>
-              <a:t>3/3/2015</a:t>
+              <a:t>3/4/2015</a:t>
             </a:fld>
             <a:endParaRPr lang="en-US"/>
           </a:p>
@@ -2277,7 +2277,7 @@
           <a:p>
             <a:fld id="{5F981C07-B402-4A91-A2F9-238AB9347237}" type="datetimeFigureOut">
               <a:rPr lang="en-US" smtClean="0"/>
-              <a:t>3/3/2015</a:t>
+              <a:t>3/4/2015</a:t>
             </a:fld>
             <a:endParaRPr lang="en-US"/>
           </a:p>
@@ -2421,7 +2421,7 @@
           <a:p>
             <a:fld id="{5F981C07-B402-4A91-A2F9-238AB9347237}" type="datetimeFigureOut">
               <a:rPr lang="en-US" smtClean="0"/>
-              <a:t>3/3/2015</a:t>
+              <a:t>3/4/2015</a:t>
             </a:fld>
             <a:endParaRPr lang="en-US"/>
           </a:p>
@@ -2743,7 +2743,7 @@
           <a:p>
             <a:fld id="{5F981C07-B402-4A91-A2F9-238AB9347237}" type="datetimeFigureOut">
               <a:rPr lang="en-US" smtClean="0"/>
-              <a:t>3/3/2015</a:t>
+              <a:t>3/4/2015</a:t>
             </a:fld>
             <a:endParaRPr lang="en-US"/>
           </a:p>
@@ -2877,7 +2877,7 @@
           <a:p>
             <a:fld id="{5F981C07-B402-4A91-A2F9-238AB9347237}" type="datetimeFigureOut">
               <a:rPr lang="en-US" smtClean="0"/>
-              <a:t>3/3/2015</a:t>
+              <a:t>3/4/2015</a:t>
             </a:fld>
             <a:endParaRPr lang="en-US"/>
           </a:p>
@@ -3658,7 +3658,7 @@
           <a:p>
             <a:fld id="{5F981C07-B402-4A91-A2F9-238AB9347237}" type="datetimeFigureOut">
               <a:rPr lang="en-US" smtClean="0"/>
-              <a:t>3/3/2015</a:t>
+              <a:t>3/4/2015</a:t>
             </a:fld>
             <a:endParaRPr lang="en-US"/>
           </a:p>
@@ -4355,7 +4355,7 @@
           <a:graphicData uri="http://schemas.openxmlformats.org/presentationml/2006/ole">
             <mc:AlternateContent xmlns:mc="http://schemas.openxmlformats.org/markup-compatibility/2006">
               <mc:Choice xmlns:v="urn:schemas-microsoft-com:vml" Requires="v">
-                <p:oleObj spid="_x0000_s1057" name="Microsoft Word Picture" r:id="rId3" imgW="1991868" imgH="2458212" progId="Word.Picture.8">
+                <p:oleObj spid="_x0000_s1058" name="Microsoft Word Picture" r:id="rId3" imgW="1991868" imgH="2458212" progId="Word.Picture.8">
                   <p:embed/>
                 </p:oleObj>
               </mc:Choice>
@@ -4558,7 +4558,6 @@
               <a:rPr lang="bg-BG" dirty="0"/>
               <a:t>основно правило за слоевете, е че само два съседни слоя могат да комуникират по между си</a:t>
             </a:r>
-            <a:endParaRPr lang="bg-BG" dirty="0"/>
           </a:p>
         </p:txBody>
       </p:sp>
@@ -5180,55 +5179,39 @@
         </p:spPr>
         <p:txBody>
           <a:bodyPr>
-            <a:normAutofit fontScale="92500"/>
+            <a:normAutofit fontScale="85000" lnSpcReduction="10000"/>
           </a:bodyPr>
           <a:lstStyle/>
           <a:p>
             <a:r>
-              <a:rPr lang="bg-BG" sz="2000" i="1" dirty="0"/>
+              <a:rPr lang="bg-BG" sz="2000" i="1" dirty="0" smtClean="0"/>
               <a:t>Софтуерът за вградени системи</a:t>
             </a:r>
             <a:r>
-              <a:rPr lang="bg-BG" sz="2000" dirty="0"/>
+              <a:rPr lang="bg-BG" sz="2000" dirty="0" smtClean="0"/>
               <a:t> или накратко казано </a:t>
             </a:r>
             <a:r>
-              <a:rPr lang="bg-BG" sz="2000" i="1" dirty="0"/>
+              <a:rPr lang="bg-BG" sz="2000" i="1" dirty="0" smtClean="0"/>
               <a:t>вграден софтуер</a:t>
             </a:r>
             <a:r>
-              <a:rPr lang="bg-BG" sz="2000" dirty="0"/>
-              <a:t>, е компютърен софтуер, който управлява машини или устройства, които обикновено не се считат за </a:t>
-            </a:r>
-            <a:r>
               <a:rPr lang="bg-BG" sz="2000" dirty="0" smtClean="0"/>
-              <a:t>компютри</a:t>
+              <a:t>, е компютърен софтуер, който управлява машини или устройства, които обикновено не се считат за компютри</a:t>
             </a:r>
             <a:endParaRPr lang="en-US" sz="2000" dirty="0" smtClean="0"/>
           </a:p>
           <a:p>
             <a:r>
-              <a:rPr lang="bg-BG" sz="2000" dirty="0"/>
-              <a:t>Вградените системи продължават да навлизат все повече и повече в нашия живот, като растежа на разпространението им е </a:t>
-            </a:r>
-            <a:r>
               <a:rPr lang="bg-BG" sz="2000" dirty="0" smtClean="0"/>
-              <a:t>огромен</a:t>
+              <a:t>Вградените системи продължават да навлизат все повече и повече в нашия живот, като растежа на разпространението им е огромен</a:t>
             </a:r>
             <a:endParaRPr lang="en-US" sz="2000" dirty="0" smtClean="0"/>
           </a:p>
           <a:p>
             <a:r>
               <a:rPr lang="bg-BG" sz="2000" dirty="0" smtClean="0"/>
-              <a:t>трябва </a:t>
-            </a:r>
-            <a:r>
-              <a:rPr lang="bg-BG" sz="2000" dirty="0"/>
-              <a:t>да отговарят на нарастващ брой изисквания за функционалност, време за реагиране, ограничения към процесорно време и памет, консумация на енергия, цена и т.н</a:t>
-            </a:r>
-            <a:r>
-              <a:rPr lang="bg-BG" sz="2000" dirty="0" smtClean="0"/>
-              <a:t>.</a:t>
+              <a:t>трябва да отговарят на нарастващ брой изисквания за функционалност, време за реагиране, ограничения към процесорно време и памет, консумация на енергия, цена и т.н.</a:t>
             </a:r>
             <a:endParaRPr lang="en-US" sz="2000" dirty="0" smtClean="0"/>
           </a:p>
@@ -5240,27 +5223,19 @@
               <a:t>SOA</a:t>
             </a:r>
             <a:r>
-              <a:rPr lang="en-US" sz="2000" dirty="0"/>
+              <a:rPr lang="en-US" sz="2000" dirty="0" smtClean="0"/>
               <a:t>, </a:t>
             </a:r>
             <a:r>
-              <a:rPr lang="bg-BG" sz="2000" dirty="0"/>
-              <a:t>CORBA, DCOM/COM, Enterprise JavaBeans и т.н. не са подходящи за вградените системи, тъй като компонентите създадени от тях, не отговарят на голяма част от гореспоменатите изисквания</a:t>
-            </a:r>
-            <a:r>
               <a:rPr lang="bg-BG" sz="2000" dirty="0" smtClean="0"/>
-              <a:t>.</a:t>
+              <a:t>CORBA, DCOM/COM, Enterprise JavaBeans и т.н. не са подходящи за вградените системи, тъй като компонентите създадени от тях, не отговарят на голяма част от гореспоменатите изисквания.</a:t>
             </a:r>
             <a:endParaRPr lang="en-US" sz="2000" dirty="0" smtClean="0"/>
           </a:p>
           <a:p>
             <a:r>
-              <a:rPr lang="bg-BG" sz="2000" dirty="0"/>
-              <a:t>най-често езика за разработка е „C</a:t>
-            </a:r>
-            <a:r>
               <a:rPr lang="bg-BG" sz="2000" dirty="0" smtClean="0"/>
-              <a:t>”</a:t>
+              <a:t>най-често езика за разработка е „C”</a:t>
             </a:r>
             <a:r>
               <a:rPr lang="en-US" sz="2000" dirty="0" smtClean="0"/>
@@ -5284,23 +5259,26 @@
             </a:r>
             <a:r>
               <a:rPr lang="bg-BG" sz="2000" dirty="0" smtClean="0"/>
-              <a:t> </a:t>
-            </a:r>
+              <a:t> почти невъзможно да се прилагат и способностите на инструментите за моделиране, особено </a:t>
+            </a:r>
+            <a:r>
+              <a:rPr lang="bg-BG" sz="2000" b="1" dirty="0" smtClean="0"/>
+              <a:t>извличане на моделна информация</a:t>
+            </a:r>
+            <a:r>
+              <a:rPr lang="bg-BG" sz="2000" dirty="0" smtClean="0"/>
+              <a:t> и </a:t>
+            </a:r>
+            <a:r>
+              <a:rPr lang="bg-BG" sz="2000" b="1" dirty="0" smtClean="0"/>
+              <a:t>генериране на код</a:t>
+            </a:r>
+            <a:endParaRPr lang="en-US" sz="2000" b="1" dirty="0" smtClean="0"/>
+          </a:p>
+          <a:p>
             <a:r>
               <a:rPr lang="bg-BG" sz="2000" dirty="0"/>
-              <a:t>почти невъзможно да се прилагат и способностите на инструментите за моделиране, особено </a:t>
-            </a:r>
-            <a:r>
-              <a:rPr lang="bg-BG" sz="2000" b="1" dirty="0"/>
-              <a:t>извличане на моделна информация</a:t>
-            </a:r>
-            <a:r>
-              <a:rPr lang="bg-BG" sz="2000" dirty="0"/>
-              <a:t> и </a:t>
-            </a:r>
-            <a:r>
-              <a:rPr lang="bg-BG" sz="2000" b="1" dirty="0"/>
-              <a:t>генериране на код</a:t>
+              <a:t>Това налага нестандартен подход към анализа на тези системи, тъй като за разлика от съвременните обектни езици за програмиране (като C++, C#, JAVA и т.н), езикът „C” е слабо поддържан от инструментите за UML обработка и дизайн</a:t>
             </a:r>
             <a:endParaRPr lang="en-US" sz="2000" dirty="0"/>
           </a:p>

--- a/ArchExtractor/doc/Presentation.pptx
+++ b/ArchExtractor/doc/Presentation.pptx
@@ -16,8 +16,16 @@
     <p:sldId id="264" r:id="rId10"/>
     <p:sldId id="265" r:id="rId11"/>
     <p:sldId id="266" r:id="rId12"/>
-    <p:sldId id="267" r:id="rId13"/>
-    <p:sldId id="268" r:id="rId14"/>
+    <p:sldId id="269" r:id="rId13"/>
+    <p:sldId id="267" r:id="rId14"/>
+    <p:sldId id="270" r:id="rId15"/>
+    <p:sldId id="271" r:id="rId16"/>
+    <p:sldId id="272" r:id="rId17"/>
+    <p:sldId id="273" r:id="rId18"/>
+    <p:sldId id="274" r:id="rId19"/>
+    <p:sldId id="275" r:id="rId20"/>
+    <p:sldId id="276" r:id="rId21"/>
+    <p:sldId id="268" r:id="rId22"/>
   </p:sldIdLst>
   <p:sldSz cx="9144000" cy="6858000" type="screen4x3"/>
   <p:notesSz cx="6858000" cy="9144000"/>
@@ -253,7 +261,7 @@
           <a:p>
             <a:fld id="{5F981C07-B402-4A91-A2F9-238AB9347237}" type="datetimeFigureOut">
               <a:rPr lang="en-US" smtClean="0"/>
-              <a:t>3/4/2015</a:t>
+              <a:t>3/8/2015</a:t>
             </a:fld>
             <a:endParaRPr lang="en-US"/>
           </a:p>
@@ -566,7 +574,7 @@
           <a:p>
             <a:fld id="{5F981C07-B402-4A91-A2F9-238AB9347237}" type="datetimeFigureOut">
               <a:rPr lang="en-US" smtClean="0"/>
-              <a:t>3/4/2015</a:t>
+              <a:t>3/8/2015</a:t>
             </a:fld>
             <a:endParaRPr lang="en-US"/>
           </a:p>
@@ -751,7 +759,7 @@
           <a:p>
             <a:fld id="{5F981C07-B402-4A91-A2F9-238AB9347237}" type="datetimeFigureOut">
               <a:rPr lang="en-US" smtClean="0"/>
-              <a:t>3/4/2015</a:t>
+              <a:t>3/8/2015</a:t>
             </a:fld>
             <a:endParaRPr lang="en-US"/>
           </a:p>
@@ -926,7 +934,7 @@
           <a:p>
             <a:fld id="{5F981C07-B402-4A91-A2F9-238AB9347237}" type="datetimeFigureOut">
               <a:rPr lang="en-US" smtClean="0"/>
-              <a:t>3/4/2015</a:t>
+              <a:t>3/8/2015</a:t>
             </a:fld>
             <a:endParaRPr lang="en-US"/>
           </a:p>
@@ -1194,7 +1202,7 @@
           <a:p>
             <a:fld id="{5F981C07-B402-4A91-A2F9-238AB9347237}" type="datetimeFigureOut">
               <a:rPr lang="en-US" smtClean="0"/>
-              <a:t>3/4/2015</a:t>
+              <a:t>3/8/2015</a:t>
             </a:fld>
             <a:endParaRPr lang="en-US"/>
           </a:p>
@@ -1662,7 +1670,7 @@
           <a:p>
             <a:fld id="{5F981C07-B402-4A91-A2F9-238AB9347237}" type="datetimeFigureOut">
               <a:rPr lang="en-US" smtClean="0"/>
-              <a:t>3/4/2015</a:t>
+              <a:t>3/8/2015</a:t>
             </a:fld>
             <a:endParaRPr lang="en-US"/>
           </a:p>
@@ -2151,7 +2159,7 @@
           <a:p>
             <a:fld id="{5F981C07-B402-4A91-A2F9-238AB9347237}" type="datetimeFigureOut">
               <a:rPr lang="en-US" smtClean="0"/>
-              <a:t>3/4/2015</a:t>
+              <a:t>3/8/2015</a:t>
             </a:fld>
             <a:endParaRPr lang="en-US"/>
           </a:p>
@@ -2277,7 +2285,7 @@
           <a:p>
             <a:fld id="{5F981C07-B402-4A91-A2F9-238AB9347237}" type="datetimeFigureOut">
               <a:rPr lang="en-US" smtClean="0"/>
-              <a:t>3/4/2015</a:t>
+              <a:t>3/8/2015</a:t>
             </a:fld>
             <a:endParaRPr lang="en-US"/>
           </a:p>
@@ -2421,7 +2429,7 @@
           <a:p>
             <a:fld id="{5F981C07-B402-4A91-A2F9-238AB9347237}" type="datetimeFigureOut">
               <a:rPr lang="en-US" smtClean="0"/>
-              <a:t>3/4/2015</a:t>
+              <a:t>3/8/2015</a:t>
             </a:fld>
             <a:endParaRPr lang="en-US"/>
           </a:p>
@@ -2743,7 +2751,7 @@
           <a:p>
             <a:fld id="{5F981C07-B402-4A91-A2F9-238AB9347237}" type="datetimeFigureOut">
               <a:rPr lang="en-US" smtClean="0"/>
-              <a:t>3/4/2015</a:t>
+              <a:t>3/8/2015</a:t>
             </a:fld>
             <a:endParaRPr lang="en-US"/>
           </a:p>
@@ -2877,7 +2885,7 @@
           <a:p>
             <a:fld id="{5F981C07-B402-4A91-A2F9-238AB9347237}" type="datetimeFigureOut">
               <a:rPr lang="en-US" smtClean="0"/>
-              <a:t>3/4/2015</a:t>
+              <a:t>3/8/2015</a:t>
             </a:fld>
             <a:endParaRPr lang="en-US"/>
           </a:p>
@@ -3658,7 +3666,7 @@
           <a:p>
             <a:fld id="{5F981C07-B402-4A91-A2F9-238AB9347237}" type="datetimeFigureOut">
               <a:rPr lang="en-US" smtClean="0"/>
-              <a:t>3/4/2015</a:t>
+              <a:t>3/8/2015</a:t>
             </a:fld>
             <a:endParaRPr lang="en-US"/>
           </a:p>
@@ -4355,7 +4363,7 @@
           <a:graphicData uri="http://schemas.openxmlformats.org/presentationml/2006/ole">
             <mc:AlternateContent xmlns:mc="http://schemas.openxmlformats.org/markup-compatibility/2006">
               <mc:Choice xmlns:v="urn:schemas-microsoft-com:vml" Requires="v">
-                <p:oleObj spid="_x0000_s1058" name="Microsoft Word Picture" r:id="rId3" imgW="1991868" imgH="2458212" progId="Word.Picture.8">
+                <p:oleObj spid="_x0000_s1090" name="Microsoft Word Picture" r:id="rId3" imgW="1991868" imgH="2458212" progId="Word.Picture.8">
                   <p:embed/>
                 </p:oleObj>
               </mc:Choice>
@@ -4518,17 +4526,42 @@
         </p:nvSpPr>
         <p:spPr/>
         <p:txBody>
-          <a:bodyPr/>
+          <a:bodyPr>
+            <a:normAutofit fontScale="90000"/>
+          </a:bodyPr>
           <a:lstStyle/>
           <a:p>
             <a:r>
               <a:rPr lang="bg-BG" dirty="0" smtClean="0"/>
-              <a:t>Архитектура (</a:t>
-            </a:r>
-            <a:r>
-              <a:rPr lang="bg-BG" dirty="0"/>
-              <a:t>слоеве)</a:t>
-            </a:r>
+              <a:t>Архитектура </a:t>
+            </a:r>
+            <a:r>
+              <a:rPr lang="bg-BG" dirty="0">
+                <a:latin typeface="Corbel" panose="020B0503020204020204" pitchFamily="34" charset="0"/>
+              </a:rPr>
+              <a:t>на </a:t>
+            </a:r>
+            <a:r>
+              <a:rPr lang="bg-BG" dirty="0" smtClean="0">
+                <a:latin typeface="Corbel" panose="020B0503020204020204" pitchFamily="34" charset="0"/>
+              </a:rPr>
+              <a:t>ArchExtractor</a:t>
+            </a:r>
+            <a:r>
+              <a:rPr lang="en-US" dirty="0" smtClean="0">
+                <a:latin typeface="Corbel" panose="020B0503020204020204" pitchFamily="34" charset="0"/>
+              </a:rPr>
+              <a:t> </a:t>
+            </a:r>
+            <a:r>
+              <a:rPr lang="bg-BG" dirty="0" smtClean="0"/>
+              <a:t>(слоеве)</a:t>
+            </a:r>
+            <a:r>
+              <a:rPr lang="en-US" dirty="0" smtClean="0"/>
+              <a:t> 2</a:t>
+            </a:r>
+            <a:endParaRPr lang="bg-BG" dirty="0"/>
           </a:p>
         </p:txBody>
       </p:sp>
@@ -4642,6 +4675,24 @@
               <a:t>Архитектура </a:t>
             </a:r>
             <a:r>
+              <a:rPr lang="bg-BG" dirty="0">
+                <a:latin typeface="Corbel" panose="020B0503020204020204" pitchFamily="34" charset="0"/>
+              </a:rPr>
+              <a:t>на </a:t>
+            </a:r>
+            <a:r>
+              <a:rPr lang="bg-BG" dirty="0" smtClean="0">
+                <a:latin typeface="Corbel" panose="020B0503020204020204" pitchFamily="34" charset="0"/>
+              </a:rPr>
+              <a:t>ArchExtractor</a:t>
+            </a:r>
+            <a:r>
+              <a:rPr lang="en-US" dirty="0" smtClean="0">
+                <a:latin typeface="Corbel" panose="020B0503020204020204" pitchFamily="34" charset="0"/>
+              </a:rPr>
+              <a:t> </a:t>
+            </a:r>
+            <a:r>
               <a:rPr lang="bg-BG" dirty="0" smtClean="0"/>
               <a:t>(</a:t>
             </a:r>
@@ -4654,6 +4705,10 @@
             <a:r>
               <a:rPr lang="bg-BG" dirty="0" smtClean="0"/>
               <a:t>)</a:t>
+            </a:r>
+            <a:r>
+              <a:rPr lang="en-US" dirty="0" smtClean="0"/>
+              <a:t> 3</a:t>
             </a:r>
             <a:endParaRPr lang="bg-BG" dirty="0"/>
           </a:p>
@@ -4679,12 +4734,17 @@
         </p:blipFill>
         <p:spPr>
           <a:xfrm>
-            <a:off x="1066800" y="1447800"/>
-            <a:ext cx="7832090" cy="4840606"/>
+            <a:off x="533400" y="1524000"/>
+            <a:ext cx="8365490" cy="5181600"/>
           </a:xfrm>
           <a:prstGeom prst="rect">
             <a:avLst/>
           </a:prstGeom>
+          <a:ln>
+            <a:solidFill>
+              <a:schemeClr val="accent1"/>
+            </a:solidFill>
+          </a:ln>
         </p:spPr>
       </p:pic>
     </p:spTree>
@@ -4736,6 +4796,667 @@
         </p:nvSpPr>
         <p:spPr>
           <a:xfrm>
+            <a:off x="1143000" y="152400"/>
+            <a:ext cx="7790688" cy="685800"/>
+          </a:xfrm>
+        </p:spPr>
+        <p:txBody>
+          <a:bodyPr anchor="t">
+            <a:normAutofit/>
+          </a:bodyPr>
+          <a:lstStyle/>
+          <a:p>
+            <a:r>
+              <a:rPr lang="bg-BG" sz="3600" dirty="0">
+                <a:latin typeface="Corbel" panose="020B0503020204020204" pitchFamily="34" charset="0"/>
+              </a:rPr>
+              <a:t>Метод на разработка</a:t>
+            </a:r>
+            <a:r>
+              <a:rPr lang="en-US" sz="3600" dirty="0">
+                <a:latin typeface="Corbel" panose="020B0503020204020204" pitchFamily="34" charset="0"/>
+              </a:rPr>
+              <a:t> </a:t>
+            </a:r>
+            <a:r>
+              <a:rPr lang="bg-BG" sz="3600" dirty="0" smtClean="0">
+                <a:latin typeface="Corbel" panose="020B0503020204020204" pitchFamily="34" charset="0"/>
+              </a:rPr>
+              <a:t>на</a:t>
+            </a:r>
+            <a:r>
+              <a:rPr lang="en-US" sz="3600" dirty="0" smtClean="0">
+                <a:latin typeface="Corbel" panose="020B0503020204020204" pitchFamily="34" charset="0"/>
+              </a:rPr>
+              <a:t> </a:t>
+            </a:r>
+            <a:r>
+              <a:rPr lang="bg-BG" sz="3600" dirty="0" smtClean="0">
+                <a:latin typeface="Corbel" panose="020B0503020204020204" pitchFamily="34" charset="0"/>
+              </a:rPr>
+              <a:t>ArchExtractor</a:t>
+            </a:r>
+            <a:endParaRPr lang="bg-BG" sz="3600" dirty="0">
+              <a:latin typeface="Corbel" panose="020B0503020204020204" pitchFamily="34" charset="0"/>
+            </a:endParaRPr>
+          </a:p>
+        </p:txBody>
+      </p:sp>
+      <p:pic>
+        <p:nvPicPr>
+          <p:cNvPr id="2050" name="Picture 2"/>
+          <p:cNvPicPr>
+            <a:picLocks noChangeAspect="1" noChangeArrowheads="1"/>
+          </p:cNvPicPr>
+          <p:nvPr/>
+        </p:nvPicPr>
+        <p:blipFill>
+          <a:blip r:embed="rId2" cstate="print">
+            <a:extLst>
+              <a:ext uri="{28A0092B-C50C-407E-A947-70E740481C1C}">
+                <a14:useLocalDpi xmlns:a14="http://schemas.microsoft.com/office/drawing/2010/main" val="0"/>
+              </a:ext>
+            </a:extLst>
+          </a:blip>
+          <a:srcRect/>
+          <a:stretch>
+            <a:fillRect/>
+          </a:stretch>
+        </p:blipFill>
+        <p:spPr bwMode="auto">
+          <a:xfrm>
+            <a:off x="173854" y="1436132"/>
+            <a:ext cx="3338283" cy="1848938"/>
+          </a:xfrm>
+          <a:prstGeom prst="rect">
+            <a:avLst/>
+          </a:prstGeom>
+          <a:noFill/>
+          <a:ln w="9525">
+            <a:solidFill>
+              <a:schemeClr val="tx1"/>
+            </a:solidFill>
+            <a:miter lim="800000"/>
+            <a:headEnd/>
+            <a:tailEnd/>
+          </a:ln>
+          <a:effectLst/>
+          <a:extLst>
+            <a:ext uri="{909E8E84-426E-40DD-AFC4-6F175D3DCCD1}">
+              <a14:hiddenFill xmlns:a14="http://schemas.microsoft.com/office/drawing/2010/main">
+                <a:solidFill>
+                  <a:schemeClr val="accent1"/>
+                </a:solidFill>
+              </a14:hiddenFill>
+            </a:ext>
+            <a:ext uri="{AF507438-7753-43E0-B8FC-AC1667EBCBE1}">
+              <a14:hiddenEffects xmlns:a14="http://schemas.microsoft.com/office/drawing/2010/main">
+                <a:effectLst>
+                  <a:outerShdw dist="35921" dir="2700000" algn="ctr" rotWithShape="0">
+                    <a:schemeClr val="bg2"/>
+                  </a:outerShdw>
+                </a:effectLst>
+              </a14:hiddenEffects>
+            </a:ext>
+          </a:extLst>
+        </p:spPr>
+      </p:pic>
+      <p:pic>
+        <p:nvPicPr>
+          <p:cNvPr id="5" name="Picture 2"/>
+          <p:cNvPicPr>
+            <a:picLocks noChangeAspect="1" noChangeArrowheads="1"/>
+          </p:cNvPicPr>
+          <p:nvPr/>
+        </p:nvPicPr>
+        <p:blipFill>
+          <a:blip r:embed="rId3" cstate="print">
+            <a:extLst>
+              <a:ext uri="{28A0092B-C50C-407E-A947-70E740481C1C}">
+                <a14:useLocalDpi xmlns:a14="http://schemas.microsoft.com/office/drawing/2010/main" val="0"/>
+              </a:ext>
+            </a:extLst>
+          </a:blip>
+          <a:srcRect/>
+          <a:stretch>
+            <a:fillRect/>
+          </a:stretch>
+        </p:blipFill>
+        <p:spPr bwMode="auto">
+          <a:xfrm>
+            <a:off x="2315034" y="1447800"/>
+            <a:ext cx="1037766" cy="384111"/>
+          </a:xfrm>
+          <a:prstGeom prst="rect">
+            <a:avLst/>
+          </a:prstGeom>
+          <a:noFill/>
+          <a:ln>
+            <a:noFill/>
+          </a:ln>
+          <a:effectLst/>
+          <a:extLst>
+            <a:ext uri="{909E8E84-426E-40DD-AFC4-6F175D3DCCD1}">
+              <a14:hiddenFill xmlns:a14="http://schemas.microsoft.com/office/drawing/2010/main">
+                <a:solidFill>
+                  <a:schemeClr val="accent1"/>
+                </a:solidFill>
+              </a14:hiddenFill>
+            </a:ext>
+            <a:ext uri="{91240B29-F687-4F45-9708-019B960494DF}">
+              <a14:hiddenLine xmlns:a14="http://schemas.microsoft.com/office/drawing/2010/main" w="9525">
+                <a:solidFill>
+                  <a:schemeClr val="tx1"/>
+                </a:solidFill>
+                <a:miter lim="800000"/>
+                <a:headEnd/>
+                <a:tailEnd/>
+              </a14:hiddenLine>
+            </a:ext>
+            <a:ext uri="{AF507438-7753-43E0-B8FC-AC1667EBCBE1}">
+              <a14:hiddenEffects xmlns:a14="http://schemas.microsoft.com/office/drawing/2010/main">
+                <a:effectLst>
+                  <a:outerShdw dist="35921" dir="2700000" algn="ctr" rotWithShape="0">
+                    <a:schemeClr val="bg2"/>
+                  </a:outerShdw>
+                </a:effectLst>
+              </a14:hiddenEffects>
+            </a:ext>
+          </a:extLst>
+        </p:spPr>
+      </p:pic>
+      <p:pic>
+        <p:nvPicPr>
+          <p:cNvPr id="2051" name="Picture 3"/>
+          <p:cNvPicPr>
+            <a:picLocks noChangeAspect="1" noChangeArrowheads="1"/>
+          </p:cNvPicPr>
+          <p:nvPr/>
+        </p:nvPicPr>
+        <p:blipFill>
+          <a:blip r:embed="rId4" cstate="print">
+            <a:extLst>
+              <a:ext uri="{28A0092B-C50C-407E-A947-70E740481C1C}">
+                <a14:useLocalDpi xmlns:a14="http://schemas.microsoft.com/office/drawing/2010/main" val="0"/>
+              </a:ext>
+            </a:extLst>
+          </a:blip>
+          <a:srcRect/>
+          <a:stretch>
+            <a:fillRect/>
+          </a:stretch>
+        </p:blipFill>
+        <p:spPr bwMode="auto">
+          <a:xfrm>
+            <a:off x="4724399" y="1161152"/>
+            <a:ext cx="4315325" cy="2725048"/>
+          </a:xfrm>
+          <a:prstGeom prst="rect">
+            <a:avLst/>
+          </a:prstGeom>
+          <a:noFill/>
+          <a:ln w="9525">
+            <a:solidFill>
+              <a:schemeClr val="tx1"/>
+            </a:solidFill>
+            <a:miter lim="800000"/>
+            <a:headEnd/>
+            <a:tailEnd/>
+          </a:ln>
+          <a:effectLst/>
+          <a:extLst>
+            <a:ext uri="{909E8E84-426E-40DD-AFC4-6F175D3DCCD1}">
+              <a14:hiddenFill xmlns:a14="http://schemas.microsoft.com/office/drawing/2010/main">
+                <a:solidFill>
+                  <a:schemeClr val="accent1"/>
+                </a:solidFill>
+              </a14:hiddenFill>
+            </a:ext>
+            <a:ext uri="{AF507438-7753-43E0-B8FC-AC1667EBCBE1}">
+              <a14:hiddenEffects xmlns:a14="http://schemas.microsoft.com/office/drawing/2010/main">
+                <a:effectLst>
+                  <a:outerShdw dist="35921" dir="2700000" algn="ctr" rotWithShape="0">
+                    <a:schemeClr val="bg2"/>
+                  </a:outerShdw>
+                </a:effectLst>
+              </a14:hiddenEffects>
+            </a:ext>
+          </a:extLst>
+        </p:spPr>
+      </p:pic>
+      <p:sp>
+        <p:nvSpPr>
+          <p:cNvPr id="4" name="Right Arrow 3"/>
+          <p:cNvSpPr/>
+          <p:nvPr/>
+        </p:nvSpPr>
+        <p:spPr>
+          <a:xfrm>
+            <a:off x="3733800" y="2667000"/>
+            <a:ext cx="914400" cy="304800"/>
+          </a:xfrm>
+          <a:prstGeom prst="rightArrow">
+            <a:avLst/>
+          </a:prstGeom>
+        </p:spPr>
+        <p:style>
+          <a:lnRef idx="2">
+            <a:schemeClr val="accent1">
+              <a:shade val="50000"/>
+            </a:schemeClr>
+          </a:lnRef>
+          <a:fillRef idx="1">
+            <a:schemeClr val="accent1"/>
+          </a:fillRef>
+          <a:effectRef idx="0">
+            <a:schemeClr val="accent1"/>
+          </a:effectRef>
+          <a:fontRef idx="minor">
+            <a:schemeClr val="lt1"/>
+          </a:fontRef>
+        </p:style>
+        <p:txBody>
+          <a:bodyPr rtlCol="0" anchor="ctr"/>
+          <a:lstStyle/>
+          <a:p>
+            <a:pPr algn="ctr"/>
+            <a:endParaRPr lang="bg-BG"/>
+          </a:p>
+        </p:txBody>
+      </p:sp>
+      <p:sp>
+        <p:nvSpPr>
+          <p:cNvPr id="6" name="TextBox 5"/>
+          <p:cNvSpPr txBox="1"/>
+          <p:nvPr/>
+        </p:nvSpPr>
+        <p:spPr>
+          <a:xfrm>
+            <a:off x="3476646" y="2050067"/>
+            <a:ext cx="1239185" cy="646331"/>
+          </a:xfrm>
+          <a:prstGeom prst="rect">
+            <a:avLst/>
+          </a:prstGeom>
+          <a:noFill/>
+        </p:spPr>
+        <p:txBody>
+          <a:bodyPr wrap="none" rtlCol="0">
+            <a:spAutoFit/>
+          </a:bodyPr>
+          <a:lstStyle/>
+          <a:p>
+            <a:pPr algn="ctr"/>
+            <a:r>
+              <a:rPr lang="bg-BG" dirty="0" smtClean="0"/>
+              <a:t>код</a:t>
+            </a:r>
+          </a:p>
+          <a:p>
+            <a:pPr algn="ctr"/>
+            <a:r>
+              <a:rPr lang="bg-BG" dirty="0" smtClean="0"/>
+              <a:t>генерация</a:t>
+            </a:r>
+            <a:endParaRPr lang="bg-BG" dirty="0"/>
+          </a:p>
+        </p:txBody>
+      </p:sp>
+      <p:sp>
+        <p:nvSpPr>
+          <p:cNvPr id="7" name="TextBox 6"/>
+          <p:cNvSpPr txBox="1"/>
+          <p:nvPr/>
+        </p:nvSpPr>
+        <p:spPr>
+          <a:xfrm>
+            <a:off x="469627" y="1066800"/>
+            <a:ext cx="2693943" cy="369332"/>
+          </a:xfrm>
+          <a:prstGeom prst="rect">
+            <a:avLst/>
+          </a:prstGeom>
+          <a:noFill/>
+        </p:spPr>
+        <p:txBody>
+          <a:bodyPr wrap="none" rtlCol="0">
+            <a:spAutoFit/>
+          </a:bodyPr>
+          <a:lstStyle/>
+          <a:p>
+            <a:r>
+              <a:rPr lang="bg-BG" dirty="0" smtClean="0"/>
+              <a:t>ArchExtractor UML модел</a:t>
+            </a:r>
+            <a:endParaRPr lang="bg-BG" dirty="0"/>
+          </a:p>
+        </p:txBody>
+      </p:sp>
+      <p:sp>
+        <p:nvSpPr>
+          <p:cNvPr id="8" name="TextBox 7"/>
+          <p:cNvSpPr txBox="1"/>
+          <p:nvPr/>
+        </p:nvSpPr>
+        <p:spPr>
+          <a:xfrm>
+            <a:off x="5370761" y="791820"/>
+            <a:ext cx="3087439" cy="369332"/>
+          </a:xfrm>
+          <a:prstGeom prst="rect">
+            <a:avLst/>
+          </a:prstGeom>
+          <a:noFill/>
+        </p:spPr>
+        <p:txBody>
+          <a:bodyPr wrap="square" rtlCol="0">
+            <a:spAutoFit/>
+          </a:bodyPr>
+          <a:lstStyle/>
+          <a:p>
+            <a:r>
+              <a:rPr lang="bg-BG" dirty="0" smtClean="0"/>
+              <a:t>изходен код на ArchExtractor</a:t>
+            </a:r>
+            <a:endParaRPr lang="bg-BG" dirty="0"/>
+          </a:p>
+        </p:txBody>
+      </p:sp>
+      <p:pic>
+        <p:nvPicPr>
+          <p:cNvPr id="2052" name="Picture 4"/>
+          <p:cNvPicPr>
+            <a:picLocks noChangeAspect="1" noChangeArrowheads="1"/>
+          </p:cNvPicPr>
+          <p:nvPr/>
+        </p:nvPicPr>
+        <p:blipFill>
+          <a:blip r:embed="rId5" cstate="print">
+            <a:extLst>
+              <a:ext uri="{28A0092B-C50C-407E-A947-70E740481C1C}">
+                <a14:useLocalDpi xmlns:a14="http://schemas.microsoft.com/office/drawing/2010/main" val="0"/>
+              </a:ext>
+            </a:extLst>
+          </a:blip>
+          <a:srcRect/>
+          <a:stretch>
+            <a:fillRect/>
+          </a:stretch>
+        </p:blipFill>
+        <p:spPr bwMode="auto">
+          <a:xfrm>
+            <a:off x="2122503" y="4114800"/>
+            <a:ext cx="4002866" cy="2590800"/>
+          </a:xfrm>
+          <a:prstGeom prst="rect">
+            <a:avLst/>
+          </a:prstGeom>
+          <a:noFill/>
+          <a:ln w="9525">
+            <a:solidFill>
+              <a:schemeClr val="tx1"/>
+            </a:solidFill>
+            <a:miter lim="800000"/>
+            <a:headEnd/>
+            <a:tailEnd/>
+          </a:ln>
+          <a:effectLst/>
+          <a:extLst>
+            <a:ext uri="{909E8E84-426E-40DD-AFC4-6F175D3DCCD1}">
+              <a14:hiddenFill xmlns:a14="http://schemas.microsoft.com/office/drawing/2010/main">
+                <a:solidFill>
+                  <a:schemeClr val="accent1"/>
+                </a:solidFill>
+              </a14:hiddenFill>
+            </a:ext>
+            <a:ext uri="{AF507438-7753-43E0-B8FC-AC1667EBCBE1}">
+              <a14:hiddenEffects xmlns:a14="http://schemas.microsoft.com/office/drawing/2010/main">
+                <a:effectLst>
+                  <a:outerShdw dist="35921" dir="2700000" algn="ctr" rotWithShape="0">
+                    <a:schemeClr val="bg2"/>
+                  </a:outerShdw>
+                </a:effectLst>
+              </a14:hiddenEffects>
+            </a:ext>
+          </a:extLst>
+        </p:spPr>
+      </p:pic>
+      <p:sp>
+        <p:nvSpPr>
+          <p:cNvPr id="9" name="Down Arrow 8"/>
+          <p:cNvSpPr/>
+          <p:nvPr/>
+        </p:nvSpPr>
+        <p:spPr>
+          <a:xfrm>
+            <a:off x="2514600" y="3429000"/>
+            <a:ext cx="381000" cy="609600"/>
+          </a:xfrm>
+          <a:prstGeom prst="downArrow">
+            <a:avLst/>
+          </a:prstGeom>
+        </p:spPr>
+        <p:style>
+          <a:lnRef idx="2">
+            <a:schemeClr val="accent1">
+              <a:shade val="50000"/>
+            </a:schemeClr>
+          </a:lnRef>
+          <a:fillRef idx="1">
+            <a:schemeClr val="accent1"/>
+          </a:fillRef>
+          <a:effectRef idx="0">
+            <a:schemeClr val="accent1"/>
+          </a:effectRef>
+          <a:fontRef idx="minor">
+            <a:schemeClr val="lt1"/>
+          </a:fontRef>
+        </p:style>
+        <p:txBody>
+          <a:bodyPr rtlCol="0" anchor="ctr"/>
+          <a:lstStyle/>
+          <a:p>
+            <a:pPr algn="ctr"/>
+            <a:endParaRPr lang="bg-BG"/>
+          </a:p>
+        </p:txBody>
+      </p:sp>
+      <p:pic>
+        <p:nvPicPr>
+          <p:cNvPr id="13" name="Picture 6"/>
+          <p:cNvPicPr>
+            <a:picLocks noChangeAspect="1" noChangeArrowheads="1"/>
+          </p:cNvPicPr>
+          <p:nvPr/>
+        </p:nvPicPr>
+        <p:blipFill>
+          <a:blip r:embed="rId6" cstate="print">
+            <a:extLst>
+              <a:ext uri="{28A0092B-C50C-407E-A947-70E740481C1C}">
+                <a14:useLocalDpi xmlns:a14="http://schemas.microsoft.com/office/drawing/2010/main" val="0"/>
+              </a:ext>
+            </a:extLst>
+          </a:blip>
+          <a:srcRect/>
+          <a:stretch>
+            <a:fillRect/>
+          </a:stretch>
+        </p:blipFill>
+        <p:spPr bwMode="auto">
+          <a:xfrm>
+            <a:off x="381001" y="3490372"/>
+            <a:ext cx="1981199" cy="526774"/>
+          </a:xfrm>
+          <a:prstGeom prst="rect">
+            <a:avLst/>
+          </a:prstGeom>
+          <a:noFill/>
+          <a:ln>
+            <a:noFill/>
+          </a:ln>
+          <a:effectLst/>
+          <a:extLst>
+            <a:ext uri="{909E8E84-426E-40DD-AFC4-6F175D3DCCD1}">
+              <a14:hiddenFill xmlns:a14="http://schemas.microsoft.com/office/drawing/2010/main">
+                <a:solidFill>
+                  <a:schemeClr val="accent1"/>
+                </a:solidFill>
+              </a14:hiddenFill>
+            </a:ext>
+            <a:ext uri="{91240B29-F687-4F45-9708-019B960494DF}">
+              <a14:hiddenLine xmlns:a14="http://schemas.microsoft.com/office/drawing/2010/main" w="9525">
+                <a:solidFill>
+                  <a:schemeClr val="tx1"/>
+                </a:solidFill>
+                <a:miter lim="800000"/>
+                <a:headEnd/>
+                <a:tailEnd/>
+              </a14:hiddenLine>
+            </a:ext>
+            <a:ext uri="{AF507438-7753-43E0-B8FC-AC1667EBCBE1}">
+              <a14:hiddenEffects xmlns:a14="http://schemas.microsoft.com/office/drawing/2010/main">
+                <a:effectLst>
+                  <a:outerShdw dist="35921" dir="2700000" algn="ctr" rotWithShape="0">
+                    <a:schemeClr val="bg2"/>
+                  </a:outerShdw>
+                </a:effectLst>
+              </a14:hiddenEffects>
+            </a:ext>
+          </a:extLst>
+        </p:spPr>
+      </p:pic>
+      <p:sp>
+        <p:nvSpPr>
+          <p:cNvPr id="10" name="TextBox 9"/>
+          <p:cNvSpPr txBox="1"/>
+          <p:nvPr/>
+        </p:nvSpPr>
+        <p:spPr>
+          <a:xfrm>
+            <a:off x="2951815" y="3352800"/>
+            <a:ext cx="1239185" cy="646331"/>
+          </a:xfrm>
+          <a:prstGeom prst="rect">
+            <a:avLst/>
+          </a:prstGeom>
+          <a:noFill/>
+        </p:spPr>
+        <p:txBody>
+          <a:bodyPr wrap="none" rtlCol="0">
+            <a:spAutoFit/>
+          </a:bodyPr>
+          <a:lstStyle/>
+          <a:p>
+            <a:r>
+              <a:rPr lang="bg-BG" dirty="0" smtClean="0"/>
+              <a:t>код </a:t>
+            </a:r>
+          </a:p>
+          <a:p>
+            <a:r>
+              <a:rPr lang="bg-BG" dirty="0" smtClean="0"/>
+              <a:t>генерация</a:t>
+            </a:r>
+            <a:endParaRPr lang="bg-BG" dirty="0"/>
+          </a:p>
+        </p:txBody>
+      </p:sp>
+      <p:sp>
+        <p:nvSpPr>
+          <p:cNvPr id="11" name="TextBox 10"/>
+          <p:cNvSpPr txBox="1"/>
+          <p:nvPr/>
+        </p:nvSpPr>
+        <p:spPr>
+          <a:xfrm>
+            <a:off x="6172200" y="4864483"/>
+            <a:ext cx="1790234" cy="646331"/>
+          </a:xfrm>
+          <a:prstGeom prst="rect">
+            <a:avLst/>
+          </a:prstGeom>
+          <a:noFill/>
+        </p:spPr>
+        <p:txBody>
+          <a:bodyPr wrap="none" rtlCol="0">
+            <a:spAutoFit/>
+          </a:bodyPr>
+          <a:lstStyle/>
+          <a:p>
+            <a:r>
+              <a:rPr lang="bg-BG" dirty="0" smtClean="0">
+                <a:latin typeface="Corbel" panose="020B0503020204020204" pitchFamily="34" charset="0"/>
+              </a:rPr>
+              <a:t>тестов</a:t>
+            </a:r>
+            <a:r>
+              <a:rPr lang="en-US" dirty="0" smtClean="0"/>
+              <a:t> </a:t>
+            </a:r>
+            <a:r>
+              <a:rPr lang="bg-BG" dirty="0" smtClean="0"/>
+              <a:t>код </a:t>
+            </a:r>
+            <a:endParaRPr lang="en-US" dirty="0" smtClean="0"/>
+          </a:p>
+          <a:p>
+            <a:r>
+              <a:rPr lang="bg-BG" dirty="0" smtClean="0"/>
+              <a:t>на ArchExtractor</a:t>
+            </a:r>
+            <a:endParaRPr lang="bg-BG" dirty="0"/>
+          </a:p>
+        </p:txBody>
+      </p:sp>
+    </p:spTree>
+    <p:extLst>
+      <p:ext uri="{BB962C8B-B14F-4D97-AF65-F5344CB8AC3E}">
+        <p14:creationId xmlns:p14="http://schemas.microsoft.com/office/powerpoint/2010/main" val="2834006011"/>
+      </p:ext>
+    </p:extLst>
+  </p:cSld>
+  <p:clrMapOvr>
+    <a:masterClrMapping/>
+  </p:clrMapOvr>
+  <p:timing>
+    <p:tnLst>
+      <p:par>
+        <p:cTn id="1" dur="indefinite" restart="never" nodeType="tmRoot"/>
+      </p:par>
+    </p:tnLst>
+  </p:timing>
+</p:sld>
+</file>
+
+<file path=ppt/slides/slide13.xml><?xml version="1.0" encoding="utf-8"?>
+<p:sld xmlns:a="http://schemas.openxmlformats.org/drawingml/2006/main" xmlns:r="http://schemas.openxmlformats.org/officeDocument/2006/relationships" xmlns:p="http://schemas.openxmlformats.org/presentationml/2006/main">
+  <p:cSld>
+    <p:spTree>
+      <p:nvGrpSpPr>
+        <p:cNvPr id="1" name=""/>
+        <p:cNvGrpSpPr/>
+        <p:nvPr/>
+      </p:nvGrpSpPr>
+      <p:grpSpPr>
+        <a:xfrm>
+          <a:off x="0" y="0"/>
+          <a:ext cx="0" cy="0"/>
+          <a:chOff x="0" y="0"/>
+          <a:chExt cx="0" cy="0"/>
+        </a:xfrm>
+      </p:grpSpPr>
+      <p:sp>
+        <p:nvSpPr>
+          <p:cNvPr id="2" name="Title 1"/>
+          <p:cNvSpPr>
+            <a:spLocks noGrp="1"/>
+          </p:cNvSpPr>
+          <p:nvPr>
+            <p:ph type="title"/>
+          </p:nvPr>
+        </p:nvSpPr>
+        <p:spPr>
+          <a:xfrm>
             <a:off x="2667000" y="2743200"/>
             <a:ext cx="4111989" cy="1143000"/>
           </a:xfrm>
@@ -4774,7 +5495,1281 @@
 </p:sld>
 </file>
 
-<file path=ppt/slides/slide13.xml><?xml version="1.0" encoding="utf-8"?>
+<file path=ppt/slides/slide14.xml><?xml version="1.0" encoding="utf-8"?>
+<p:sld xmlns:a="http://schemas.openxmlformats.org/drawingml/2006/main" xmlns:r="http://schemas.openxmlformats.org/officeDocument/2006/relationships" xmlns:p="http://schemas.openxmlformats.org/presentationml/2006/main">
+  <p:cSld>
+    <p:spTree>
+      <p:nvGrpSpPr>
+        <p:cNvPr id="1" name=""/>
+        <p:cNvGrpSpPr/>
+        <p:nvPr/>
+      </p:nvGrpSpPr>
+      <p:grpSpPr>
+        <a:xfrm>
+          <a:off x="0" y="0"/>
+          <a:ext cx="0" cy="0"/>
+          <a:chOff x="0" y="0"/>
+          <a:chExt cx="0" cy="0"/>
+        </a:xfrm>
+      </p:grpSpPr>
+      <p:sp>
+        <p:nvSpPr>
+          <p:cNvPr id="2" name="Title 1"/>
+          <p:cNvSpPr>
+            <a:spLocks noGrp="1"/>
+          </p:cNvSpPr>
+          <p:nvPr>
+            <p:ph type="title"/>
+          </p:nvPr>
+        </p:nvSpPr>
+        <p:spPr/>
+        <p:txBody>
+          <a:bodyPr>
+            <a:normAutofit/>
+          </a:bodyPr>
+          <a:lstStyle/>
+          <a:p>
+            <a:r>
+              <a:rPr lang="bg-BG" dirty="0" smtClean="0">
+                <a:latin typeface="Corbel" panose="020B0503020204020204" pitchFamily="34" charset="0"/>
+              </a:rPr>
+              <a:t>Обобщение</a:t>
+            </a:r>
+            <a:endParaRPr lang="bg-BG" dirty="0"/>
+          </a:p>
+        </p:txBody>
+      </p:sp>
+      <p:sp>
+        <p:nvSpPr>
+          <p:cNvPr id="3" name="Content Placeholder 2"/>
+          <p:cNvSpPr>
+            <a:spLocks noGrp="1"/>
+          </p:cNvSpPr>
+          <p:nvPr>
+            <p:ph idx="1"/>
+          </p:nvPr>
+        </p:nvSpPr>
+        <p:spPr>
+          <a:xfrm>
+            <a:off x="1143000" y="1371600"/>
+            <a:ext cx="7790688" cy="4876800"/>
+          </a:xfrm>
+        </p:spPr>
+        <p:txBody>
+          <a:bodyPr>
+            <a:normAutofit fontScale="85000" lnSpcReduction="10000"/>
+          </a:bodyPr>
+          <a:lstStyle/>
+          <a:p>
+            <a:pPr marL="82296" indent="0">
+              <a:buNone/>
+            </a:pPr>
+            <a:r>
+              <a:rPr lang="bg-BG" dirty="0" smtClean="0">
+                <a:latin typeface="Corbel" panose="020B0503020204020204" pitchFamily="34" charset="0"/>
+              </a:rPr>
+              <a:t>В дипломната работа е направено:</a:t>
+            </a:r>
+          </a:p>
+          <a:p>
+            <a:r>
+              <a:rPr lang="bg-BG" dirty="0" smtClean="0">
+                <a:latin typeface="Corbel" panose="020B0503020204020204" pitchFamily="34" charset="0"/>
+              </a:rPr>
+              <a:t>Проучване и анализ на подобни инструменти за извличане на архитектурна информация, както и теоретична обосновка</a:t>
+            </a:r>
+          </a:p>
+          <a:p>
+            <a:r>
+              <a:rPr lang="bg-BG" dirty="0" smtClean="0">
+                <a:latin typeface="Corbel" panose="020B0503020204020204" pitchFamily="34" charset="0"/>
+              </a:rPr>
+              <a:t>Представяне на възможните формати за представяне на UML и избор на подходящ </a:t>
+            </a:r>
+            <a:r>
+              <a:rPr lang="bg-BG" dirty="0" smtClean="0">
+                <a:latin typeface="Corbel" panose="020B0503020204020204" pitchFamily="34" charset="0"/>
+              </a:rPr>
+              <a:t>такъв</a:t>
+            </a:r>
+            <a:endParaRPr lang="bg-BG" dirty="0" smtClean="0">
+              <a:latin typeface="Corbel" panose="020B0503020204020204" pitchFamily="34" charset="0"/>
+            </a:endParaRPr>
+          </a:p>
+          <a:p>
+            <a:r>
+              <a:rPr lang="bg-BG" dirty="0" smtClean="0">
+                <a:latin typeface="Corbel" panose="020B0503020204020204" pitchFamily="34" charset="0"/>
+              </a:rPr>
+              <a:t>Концепцията за софтуерен инструмент, който анализира софтуерен код, генерира UML и генерира базов код </a:t>
+            </a:r>
+          </a:p>
+          <a:p>
+            <a:r>
+              <a:rPr lang="bg-BG" dirty="0" smtClean="0">
+                <a:latin typeface="Corbel" panose="020B0503020204020204" pitchFamily="34" charset="0"/>
+              </a:rPr>
+              <a:t>Дизайн, разработката и тестване на модули за анализиране на софтуерен код, генериране на UML и генериране на базов код </a:t>
+            </a:r>
+          </a:p>
+        </p:txBody>
+      </p:sp>
+    </p:spTree>
+    <p:extLst>
+      <p:ext uri="{BB962C8B-B14F-4D97-AF65-F5344CB8AC3E}">
+        <p14:creationId xmlns:p14="http://schemas.microsoft.com/office/powerpoint/2010/main" val="101300329"/>
+      </p:ext>
+    </p:extLst>
+  </p:cSld>
+  <p:clrMapOvr>
+    <a:masterClrMapping/>
+  </p:clrMapOvr>
+  <p:timing>
+    <p:tnLst>
+      <p:par>
+        <p:cTn id="1" dur="indefinite" restart="never" nodeType="tmRoot"/>
+      </p:par>
+    </p:tnLst>
+  </p:timing>
+</p:sld>
+</file>
+
+<file path=ppt/slides/slide15.xml><?xml version="1.0" encoding="utf-8"?>
+<p:sld xmlns:a="http://schemas.openxmlformats.org/drawingml/2006/main" xmlns:r="http://schemas.openxmlformats.org/officeDocument/2006/relationships" xmlns:p="http://schemas.openxmlformats.org/presentationml/2006/main">
+  <p:cSld>
+    <p:spTree>
+      <p:nvGrpSpPr>
+        <p:cNvPr id="1" name=""/>
+        <p:cNvGrpSpPr/>
+        <p:nvPr/>
+      </p:nvGrpSpPr>
+      <p:grpSpPr>
+        <a:xfrm>
+          <a:off x="0" y="0"/>
+          <a:ext cx="0" cy="0"/>
+          <a:chOff x="0" y="0"/>
+          <a:chExt cx="0" cy="0"/>
+        </a:xfrm>
+      </p:grpSpPr>
+      <p:sp>
+        <p:nvSpPr>
+          <p:cNvPr id="2" name="Title 1"/>
+          <p:cNvSpPr>
+            <a:spLocks noGrp="1"/>
+          </p:cNvSpPr>
+          <p:nvPr>
+            <p:ph type="title"/>
+          </p:nvPr>
+        </p:nvSpPr>
+        <p:spPr/>
+        <p:txBody>
+          <a:bodyPr/>
+          <a:lstStyle/>
+          <a:p>
+            <a:r>
+              <a:rPr lang="en-US" dirty="0" smtClean="0">
+                <a:latin typeface="Corbel" panose="020B0503020204020204" pitchFamily="34" charset="0"/>
+              </a:rPr>
+              <a:t>Б</a:t>
+            </a:r>
+            <a:r>
+              <a:rPr lang="bg-BG" dirty="0" smtClean="0">
+                <a:latin typeface="Corbel" panose="020B0503020204020204" pitchFamily="34" charset="0"/>
+              </a:rPr>
+              <a:t>ъдещи </a:t>
+            </a:r>
+            <a:r>
+              <a:rPr lang="bg-BG" dirty="0">
+                <a:latin typeface="Corbel" panose="020B0503020204020204" pitchFamily="34" charset="0"/>
+              </a:rPr>
+              <a:t>насоки</a:t>
+            </a:r>
+            <a:endParaRPr lang="bg-BG" dirty="0"/>
+          </a:p>
+        </p:txBody>
+      </p:sp>
+      <p:sp>
+        <p:nvSpPr>
+          <p:cNvPr id="3" name="Content Placeholder 2"/>
+          <p:cNvSpPr>
+            <a:spLocks noGrp="1"/>
+          </p:cNvSpPr>
+          <p:nvPr>
+            <p:ph idx="1"/>
+          </p:nvPr>
+        </p:nvSpPr>
+        <p:spPr>
+          <a:xfrm>
+            <a:off x="1143000" y="1447800"/>
+            <a:ext cx="7790688" cy="4800600"/>
+          </a:xfrm>
+        </p:spPr>
+        <p:txBody>
+          <a:bodyPr>
+            <a:normAutofit fontScale="92500" lnSpcReduction="20000"/>
+          </a:bodyPr>
+          <a:lstStyle/>
+          <a:p>
+            <a:r>
+              <a:rPr lang="bg-BG" dirty="0"/>
+              <a:t>Подобряване на</a:t>
+            </a:r>
+            <a:r>
+              <a:rPr lang="bg-BG" b="1" dirty="0"/>
+              <a:t> потребителския интерфейс </a:t>
+            </a:r>
+            <a:endParaRPr lang="en-US" b="1" dirty="0" smtClean="0"/>
+          </a:p>
+          <a:p>
+            <a:r>
+              <a:rPr lang="bg-BG" b="1" dirty="0"/>
+              <a:t>Добавяне на нови критерии за стандартни архитектури</a:t>
+            </a:r>
+            <a:r>
+              <a:rPr lang="bg-BG" dirty="0"/>
+              <a:t>. </a:t>
+            </a:r>
+            <a:r>
+              <a:rPr lang="bg-BG" dirty="0" smtClean="0">
+                <a:latin typeface="Corbel" panose="020B0503020204020204" pitchFamily="34" charset="0"/>
+              </a:rPr>
+              <a:t>Например</a:t>
+            </a:r>
+            <a:r>
+              <a:rPr lang="bg-BG" dirty="0" smtClean="0"/>
+              <a:t> AUTOSAR</a:t>
+            </a:r>
+            <a:endParaRPr lang="en-US" dirty="0" smtClean="0"/>
+          </a:p>
+          <a:p>
+            <a:r>
+              <a:rPr lang="bg-BG" dirty="0"/>
+              <a:t>Да се използва </a:t>
+            </a:r>
+            <a:r>
+              <a:rPr lang="bg-BG" b="1" i="1" dirty="0"/>
+              <a:t>Acceleo</a:t>
+            </a:r>
+            <a:r>
+              <a:rPr lang="bg-BG" b="1" dirty="0"/>
+              <a:t> базиран </a:t>
+            </a:r>
+            <a:r>
+              <a:rPr lang="bg-BG" b="1" i="1" dirty="0"/>
+              <a:t>Python</a:t>
+            </a:r>
+            <a:r>
+              <a:rPr lang="bg-BG" b="1" dirty="0"/>
+              <a:t> генератор на код</a:t>
+            </a:r>
+            <a:r>
+              <a:rPr lang="bg-BG" dirty="0"/>
+              <a:t> </a:t>
+            </a:r>
+            <a:r>
+              <a:rPr lang="bg-BG" dirty="0" smtClean="0">
+                <a:latin typeface="Corbel" panose="020B0503020204020204" pitchFamily="34" charset="0"/>
+              </a:rPr>
+              <a:t>за изходния код на ArchExtractor</a:t>
+            </a:r>
+            <a:endParaRPr lang="en-US" dirty="0" smtClean="0">
+              <a:latin typeface="Corbel" panose="020B0503020204020204" pitchFamily="34" charset="0"/>
+            </a:endParaRPr>
+          </a:p>
+          <a:p>
+            <a:r>
+              <a:rPr lang="bg-BG" b="1" dirty="0"/>
+              <a:t>трансформация на анализирания компонентен модел</a:t>
+            </a:r>
+            <a:r>
+              <a:rPr lang="bg-BG" dirty="0"/>
+              <a:t> </a:t>
+            </a:r>
+            <a:r>
+              <a:rPr lang="bg-BG" dirty="0" smtClean="0"/>
+              <a:t>към </a:t>
+            </a:r>
+            <a:r>
+              <a:rPr lang="bg-BG" dirty="0"/>
+              <a:t>UML </a:t>
+            </a:r>
+            <a:r>
+              <a:rPr lang="bg-BG" dirty="0" smtClean="0"/>
+              <a:t>с</a:t>
+            </a:r>
+            <a:r>
+              <a:rPr lang="en-US" dirty="0" smtClean="0"/>
+              <a:t> </a:t>
+            </a:r>
+            <a:r>
+              <a:rPr lang="bg-BG" dirty="0" smtClean="0">
+                <a:latin typeface="Corbel" panose="020B0503020204020204" pitchFamily="34" charset="0"/>
+              </a:rPr>
+              <a:t>евентуално</a:t>
+            </a:r>
+            <a:r>
+              <a:rPr lang="bg-BG" dirty="0" smtClean="0"/>
+              <a:t> </a:t>
+            </a:r>
+            <a:r>
+              <a:rPr lang="bg-BG" dirty="0"/>
+              <a:t>използване на </a:t>
+            </a:r>
+            <a:r>
+              <a:rPr lang="bg-BG" i="1" dirty="0"/>
+              <a:t>Eclipse EMF</a:t>
+            </a:r>
+            <a:r>
+              <a:rPr lang="bg-BG" dirty="0"/>
+              <a:t> инструментите за трансформация</a:t>
+            </a:r>
+            <a:endParaRPr lang="bg-BG" dirty="0">
+              <a:latin typeface="Corbel" panose="020B0503020204020204" pitchFamily="34" charset="0"/>
+            </a:endParaRPr>
+          </a:p>
+        </p:txBody>
+      </p:sp>
+    </p:spTree>
+    <p:extLst>
+      <p:ext uri="{BB962C8B-B14F-4D97-AF65-F5344CB8AC3E}">
+        <p14:creationId xmlns:p14="http://schemas.microsoft.com/office/powerpoint/2010/main" val="2369652191"/>
+      </p:ext>
+    </p:extLst>
+  </p:cSld>
+  <p:clrMapOvr>
+    <a:masterClrMapping/>
+  </p:clrMapOvr>
+  <p:timing>
+    <p:tnLst>
+      <p:par>
+        <p:cTn id="1" dur="indefinite" restart="never" nodeType="tmRoot"/>
+      </p:par>
+    </p:tnLst>
+  </p:timing>
+</p:sld>
+</file>
+
+<file path=ppt/slides/slide16.xml><?xml version="1.0" encoding="utf-8"?>
+<p:sld xmlns:a="http://schemas.openxmlformats.org/drawingml/2006/main" xmlns:r="http://schemas.openxmlformats.org/officeDocument/2006/relationships" xmlns:p="http://schemas.openxmlformats.org/presentationml/2006/main">
+  <p:cSld>
+    <p:spTree>
+      <p:nvGrpSpPr>
+        <p:cNvPr id="1" name=""/>
+        <p:cNvGrpSpPr/>
+        <p:nvPr/>
+      </p:nvGrpSpPr>
+      <p:grpSpPr>
+        <a:xfrm>
+          <a:off x="0" y="0"/>
+          <a:ext cx="0" cy="0"/>
+          <a:chOff x="0" y="0"/>
+          <a:chExt cx="0" cy="0"/>
+        </a:xfrm>
+      </p:grpSpPr>
+      <p:pic>
+        <p:nvPicPr>
+          <p:cNvPr id="9" name="Picture 8"/>
+          <p:cNvPicPr/>
+          <p:nvPr/>
+        </p:nvPicPr>
+        <p:blipFill>
+          <a:blip r:embed="rId2">
+            <a:extLst>
+              <a:ext uri="{28A0092B-C50C-407E-A947-70E740481C1C}">
+                <a14:useLocalDpi xmlns:a14="http://schemas.microsoft.com/office/drawing/2010/main" val="0"/>
+              </a:ext>
+            </a:extLst>
+          </a:blip>
+          <a:stretch>
+            <a:fillRect/>
+          </a:stretch>
+        </p:blipFill>
+        <p:spPr>
+          <a:xfrm>
+            <a:off x="1219200" y="1143000"/>
+            <a:ext cx="7239000" cy="5410200"/>
+          </a:xfrm>
+          <a:prstGeom prst="rect">
+            <a:avLst/>
+          </a:prstGeom>
+        </p:spPr>
+      </p:pic>
+      <p:sp>
+        <p:nvSpPr>
+          <p:cNvPr id="2" name="Title 1"/>
+          <p:cNvSpPr>
+            <a:spLocks noGrp="1"/>
+          </p:cNvSpPr>
+          <p:nvPr>
+            <p:ph type="title"/>
+          </p:nvPr>
+        </p:nvSpPr>
+        <p:spPr>
+          <a:xfrm>
+            <a:off x="1143000" y="152400"/>
+            <a:ext cx="7790688" cy="1143000"/>
+          </a:xfrm>
+        </p:spPr>
+        <p:txBody>
+          <a:bodyPr>
+            <a:noAutofit/>
+          </a:bodyPr>
+          <a:lstStyle/>
+          <a:p>
+            <a:r>
+              <a:rPr lang="ru-RU" sz="2400" dirty="0"/>
+              <a:t>Как са определени специфичните критерии за </a:t>
+            </a:r>
+            <a:r>
+              <a:rPr lang="ru-RU" sz="2400" dirty="0" smtClean="0"/>
+              <a:t>стандартна архитектура </a:t>
+            </a:r>
+            <a:r>
+              <a:rPr lang="ru-RU" sz="2400" dirty="0"/>
+              <a:t>(по диаграмата на внедряване на фиг. 64</a:t>
+            </a:r>
+            <a:r>
+              <a:rPr lang="ru-RU" sz="2400" dirty="0" smtClean="0"/>
+              <a:t>)?</a:t>
+            </a:r>
+            <a:r>
+              <a:rPr lang="en-US" sz="2400" dirty="0" smtClean="0"/>
+              <a:t> (1)</a:t>
+            </a:r>
+            <a:endParaRPr lang="bg-BG" sz="2400" dirty="0"/>
+          </a:p>
+        </p:txBody>
+      </p:sp>
+    </p:spTree>
+    <p:extLst>
+      <p:ext uri="{BB962C8B-B14F-4D97-AF65-F5344CB8AC3E}">
+        <p14:creationId xmlns:p14="http://schemas.microsoft.com/office/powerpoint/2010/main" val="438435912"/>
+      </p:ext>
+    </p:extLst>
+  </p:cSld>
+  <p:clrMapOvr>
+    <a:masterClrMapping/>
+  </p:clrMapOvr>
+  <p:timing>
+    <p:tnLst>
+      <p:par>
+        <p:cTn id="1" dur="indefinite" restart="never" nodeType="tmRoot"/>
+      </p:par>
+    </p:tnLst>
+  </p:timing>
+</p:sld>
+</file>
+
+<file path=ppt/slides/slide17.xml><?xml version="1.0" encoding="utf-8"?>
+<p:sld xmlns:a="http://schemas.openxmlformats.org/drawingml/2006/main" xmlns:r="http://schemas.openxmlformats.org/officeDocument/2006/relationships" xmlns:p="http://schemas.openxmlformats.org/presentationml/2006/main">
+  <p:cSld>
+    <p:spTree>
+      <p:nvGrpSpPr>
+        <p:cNvPr id="1" name=""/>
+        <p:cNvGrpSpPr/>
+        <p:nvPr/>
+      </p:nvGrpSpPr>
+      <p:grpSpPr>
+        <a:xfrm>
+          <a:off x="0" y="0"/>
+          <a:ext cx="0" cy="0"/>
+          <a:chOff x="0" y="0"/>
+          <a:chExt cx="0" cy="0"/>
+        </a:xfrm>
+      </p:grpSpPr>
+      <p:sp>
+        <p:nvSpPr>
+          <p:cNvPr id="2" name="Title 1"/>
+          <p:cNvSpPr>
+            <a:spLocks noGrp="1"/>
+          </p:cNvSpPr>
+          <p:nvPr>
+            <p:ph type="title"/>
+          </p:nvPr>
+        </p:nvSpPr>
+        <p:spPr>
+          <a:xfrm>
+            <a:off x="1143000" y="152400"/>
+            <a:ext cx="7498080" cy="1143000"/>
+          </a:xfrm>
+        </p:spPr>
+        <p:txBody>
+          <a:bodyPr>
+            <a:noAutofit/>
+          </a:bodyPr>
+          <a:lstStyle/>
+          <a:p>
+            <a:r>
+              <a:rPr lang="ru-RU" sz="2400" dirty="0"/>
+              <a:t>Как са определени специфичните критерии за стандартна архитектура (по диаграмата на внедряване на фиг. 64</a:t>
+            </a:r>
+            <a:r>
+              <a:rPr lang="ru-RU" sz="2400" dirty="0" smtClean="0"/>
+              <a:t>)?</a:t>
+            </a:r>
+            <a:r>
+              <a:rPr lang="en-US" sz="2400" dirty="0" smtClean="0"/>
+              <a:t> (2)</a:t>
+            </a:r>
+            <a:endParaRPr lang="bg-BG" sz="2400" dirty="0"/>
+          </a:p>
+        </p:txBody>
+      </p:sp>
+      <p:sp>
+        <p:nvSpPr>
+          <p:cNvPr id="5" name="Content Placeholder 2"/>
+          <p:cNvSpPr>
+            <a:spLocks noGrp="1"/>
+          </p:cNvSpPr>
+          <p:nvPr>
+            <p:ph idx="1"/>
+          </p:nvPr>
+        </p:nvSpPr>
+        <p:spPr>
+          <a:xfrm>
+            <a:off x="1143000" y="1447800"/>
+            <a:ext cx="7790688" cy="4800600"/>
+          </a:xfrm>
+        </p:spPr>
+        <p:txBody>
+          <a:bodyPr>
+            <a:normAutofit/>
+          </a:bodyPr>
+          <a:lstStyle/>
+          <a:p>
+            <a:r>
+              <a:rPr lang="bg-BG" dirty="0" smtClean="0">
+                <a:latin typeface="Corbel" panose="020B0503020204020204" pitchFamily="34" charset="0"/>
+              </a:rPr>
+              <a:t>Те са имплементация на функционалните изиксвания дефинирани в Глава 3</a:t>
+            </a:r>
+          </a:p>
+          <a:p>
+            <a:r>
+              <a:rPr lang="bg-BG" dirty="0" smtClean="0">
+                <a:latin typeface="Corbel" panose="020B0503020204020204" pitchFamily="34" charset="0"/>
+              </a:rPr>
+              <a:t>Дизайна им е реализиран в UML модела на ArchExtractor</a:t>
+            </a:r>
+          </a:p>
+          <a:p>
+            <a:r>
+              <a:rPr lang="bg-BG" dirty="0" smtClean="0">
+                <a:latin typeface="Corbel" panose="020B0503020204020204" pitchFamily="34" charset="0"/>
+              </a:rPr>
+              <a:t>Самите изисквания от Глава 3 са на базата на документация за стандартната архитектура и експертен опит.  </a:t>
+            </a:r>
+            <a:endParaRPr lang="bg-BG" dirty="0">
+              <a:latin typeface="Corbel" panose="020B0503020204020204" pitchFamily="34" charset="0"/>
+            </a:endParaRPr>
+          </a:p>
+        </p:txBody>
+      </p:sp>
+    </p:spTree>
+    <p:extLst>
+      <p:ext uri="{BB962C8B-B14F-4D97-AF65-F5344CB8AC3E}">
+        <p14:creationId xmlns:p14="http://schemas.microsoft.com/office/powerpoint/2010/main" val="2128101165"/>
+      </p:ext>
+    </p:extLst>
+  </p:cSld>
+  <p:clrMapOvr>
+    <a:masterClrMapping/>
+  </p:clrMapOvr>
+  <p:timing>
+    <p:tnLst>
+      <p:par>
+        <p:cTn id="1" dur="indefinite" restart="never" nodeType="tmRoot"/>
+      </p:par>
+    </p:tnLst>
+  </p:timing>
+</p:sld>
+</file>
+
+<file path=ppt/slides/slide18.xml><?xml version="1.0" encoding="utf-8"?>
+<p:sld xmlns:a="http://schemas.openxmlformats.org/drawingml/2006/main" xmlns:r="http://schemas.openxmlformats.org/officeDocument/2006/relationships" xmlns:p="http://schemas.openxmlformats.org/presentationml/2006/main">
+  <p:cSld>
+    <p:spTree>
+      <p:nvGrpSpPr>
+        <p:cNvPr id="1" name=""/>
+        <p:cNvGrpSpPr/>
+        <p:nvPr/>
+      </p:nvGrpSpPr>
+      <p:grpSpPr>
+        <a:xfrm>
+          <a:off x="0" y="0"/>
+          <a:ext cx="0" cy="0"/>
+          <a:chOff x="0" y="0"/>
+          <a:chExt cx="0" cy="0"/>
+        </a:xfrm>
+      </p:grpSpPr>
+      <p:sp>
+        <p:nvSpPr>
+          <p:cNvPr id="2" name="Title 1"/>
+          <p:cNvSpPr>
+            <a:spLocks noGrp="1"/>
+          </p:cNvSpPr>
+          <p:nvPr>
+            <p:ph type="title"/>
+          </p:nvPr>
+        </p:nvSpPr>
+        <p:spPr>
+          <a:xfrm>
+            <a:off x="1219200" y="152400"/>
+            <a:ext cx="7498080" cy="1143000"/>
+          </a:xfrm>
+        </p:spPr>
+        <p:txBody>
+          <a:bodyPr>
+            <a:noAutofit/>
+          </a:bodyPr>
+          <a:lstStyle/>
+          <a:p>
+            <a:r>
+              <a:rPr lang="ru-RU" sz="3200" dirty="0"/>
+              <a:t>Съществуват ли и други код генератори от UML модел, освен описания (Acceleo)?</a:t>
+            </a:r>
+            <a:endParaRPr lang="bg-BG" sz="3200" dirty="0"/>
+          </a:p>
+        </p:txBody>
+      </p:sp>
+      <p:sp>
+        <p:nvSpPr>
+          <p:cNvPr id="3" name="Content Placeholder 2"/>
+          <p:cNvSpPr>
+            <a:spLocks noGrp="1"/>
+          </p:cNvSpPr>
+          <p:nvPr>
+            <p:ph idx="1"/>
+          </p:nvPr>
+        </p:nvSpPr>
+        <p:spPr>
+          <a:xfrm>
+            <a:off x="1143000" y="1447800"/>
+            <a:ext cx="7790688" cy="4800600"/>
+          </a:xfrm>
+        </p:spPr>
+        <p:txBody>
+          <a:bodyPr/>
+          <a:lstStyle/>
+          <a:p>
+            <a:r>
+              <a:rPr lang="bg-BG" dirty="0" smtClean="0">
+                <a:latin typeface="Corbel" panose="020B0503020204020204" pitchFamily="34" charset="0"/>
+              </a:rPr>
+              <a:t>Да, в дипломната работа е използван още един, този на BoUML (слайд 12)</a:t>
+            </a:r>
+          </a:p>
+          <a:p>
+            <a:r>
+              <a:rPr lang="bg-BG" dirty="0" smtClean="0">
+                <a:latin typeface="Corbel" panose="020B0503020204020204" pitchFamily="34" charset="0"/>
+              </a:rPr>
+              <a:t>Повечето UML редактори като: </a:t>
+            </a:r>
+            <a:r>
+              <a:rPr lang="bg-BG" i="1" dirty="0" smtClean="0">
+                <a:latin typeface="Corbel" panose="020B0503020204020204" pitchFamily="34" charset="0"/>
+              </a:rPr>
+              <a:t>BoUML</a:t>
+            </a:r>
+            <a:r>
+              <a:rPr lang="bg-BG" dirty="0" smtClean="0">
+                <a:latin typeface="Corbel" panose="020B0503020204020204" pitchFamily="34" charset="0"/>
+              </a:rPr>
+              <a:t>, </a:t>
+            </a:r>
+            <a:r>
+              <a:rPr lang="bg-BG" i="1" dirty="0" smtClean="0">
+                <a:latin typeface="Corbel" panose="020B0503020204020204" pitchFamily="34" charset="0"/>
+              </a:rPr>
+              <a:t>Enterprise Architect</a:t>
+            </a:r>
+            <a:r>
+              <a:rPr lang="bg-BG" dirty="0" smtClean="0">
+                <a:latin typeface="Corbel" panose="020B0503020204020204" pitchFamily="34" charset="0"/>
+              </a:rPr>
+              <a:t>, </a:t>
+            </a:r>
+            <a:r>
+              <a:rPr lang="bg-BG" i="1" dirty="0" smtClean="0">
+                <a:latin typeface="Corbel" panose="020B0503020204020204" pitchFamily="34" charset="0"/>
+              </a:rPr>
+              <a:t>Visual-Paradigm, Altova Umodel, IBM Rational Rhapsody</a:t>
+            </a:r>
+            <a:r>
+              <a:rPr lang="bg-BG" dirty="0" smtClean="0">
+                <a:latin typeface="Corbel" panose="020B0503020204020204" pitchFamily="34" charset="0"/>
+              </a:rPr>
+              <a:t> и т.н. предлагат код генерация</a:t>
+            </a:r>
+          </a:p>
+          <a:p>
+            <a:r>
+              <a:rPr lang="bg-BG" dirty="0" smtClean="0">
+                <a:latin typeface="Corbel" panose="020B0503020204020204" pitchFamily="34" charset="0"/>
+              </a:rPr>
+              <a:t>Някой от тях предлагат богати възможности за разширение</a:t>
+            </a:r>
+            <a:endParaRPr lang="bg-BG" dirty="0">
+              <a:latin typeface="Corbel" panose="020B0503020204020204" pitchFamily="34" charset="0"/>
+            </a:endParaRPr>
+          </a:p>
+        </p:txBody>
+      </p:sp>
+    </p:spTree>
+    <p:extLst>
+      <p:ext uri="{BB962C8B-B14F-4D97-AF65-F5344CB8AC3E}">
+        <p14:creationId xmlns:p14="http://schemas.microsoft.com/office/powerpoint/2010/main" val="3782025733"/>
+      </p:ext>
+    </p:extLst>
+  </p:cSld>
+  <p:clrMapOvr>
+    <a:masterClrMapping/>
+  </p:clrMapOvr>
+  <p:timing>
+    <p:tnLst>
+      <p:par>
+        <p:cTn id="1" dur="indefinite" restart="never" nodeType="tmRoot"/>
+      </p:par>
+    </p:tnLst>
+  </p:timing>
+</p:sld>
+</file>
+
+<file path=ppt/slides/slide19.xml><?xml version="1.0" encoding="utf-8"?>
+<p:sld xmlns:a="http://schemas.openxmlformats.org/drawingml/2006/main" xmlns:r="http://schemas.openxmlformats.org/officeDocument/2006/relationships" xmlns:p="http://schemas.openxmlformats.org/presentationml/2006/main">
+  <p:cSld>
+    <p:spTree>
+      <p:nvGrpSpPr>
+        <p:cNvPr id="1" name=""/>
+        <p:cNvGrpSpPr/>
+        <p:nvPr/>
+      </p:nvGrpSpPr>
+      <p:grpSpPr>
+        <a:xfrm>
+          <a:off x="0" y="0"/>
+          <a:ext cx="0" cy="0"/>
+          <a:chOff x="0" y="0"/>
+          <a:chExt cx="0" cy="0"/>
+        </a:xfrm>
+      </p:grpSpPr>
+      <p:sp>
+        <p:nvSpPr>
+          <p:cNvPr id="2" name="Title 1"/>
+          <p:cNvSpPr>
+            <a:spLocks noGrp="1"/>
+          </p:cNvSpPr>
+          <p:nvPr>
+            <p:ph type="title"/>
+          </p:nvPr>
+        </p:nvSpPr>
+        <p:spPr>
+          <a:xfrm>
+            <a:off x="1219200" y="221370"/>
+            <a:ext cx="7714488" cy="1143000"/>
+          </a:xfrm>
+        </p:spPr>
+        <p:txBody>
+          <a:bodyPr>
+            <a:noAutofit/>
+          </a:bodyPr>
+          <a:lstStyle/>
+          <a:p>
+            <a:r>
+              <a:rPr lang="ru-RU" sz="2800" dirty="0"/>
+              <a:t>Сравнение на Eclipse EMF инструментите за трансформация с използвания </a:t>
+            </a:r>
+            <a:r>
+              <a:rPr lang="ru-RU" sz="2800" dirty="0" smtClean="0"/>
+              <a:t>клас</a:t>
+            </a:r>
+            <a:r>
+              <a:rPr lang="en-US" sz="2800" dirty="0" smtClean="0"/>
+              <a:t> </a:t>
+            </a:r>
+            <a:r>
+              <a:rPr lang="ru-RU" sz="2800" dirty="0" smtClean="0"/>
+              <a:t>XMIConverter?</a:t>
+            </a:r>
+            <a:r>
+              <a:rPr lang="en-US" sz="2800" dirty="0" smtClean="0"/>
+              <a:t> (1)</a:t>
+            </a:r>
+            <a:endParaRPr lang="bg-BG" sz="2800" dirty="0"/>
+          </a:p>
+        </p:txBody>
+      </p:sp>
+      <p:sp>
+        <p:nvSpPr>
+          <p:cNvPr id="3" name="Content Placeholder 2"/>
+          <p:cNvSpPr>
+            <a:spLocks noGrp="1"/>
+          </p:cNvSpPr>
+          <p:nvPr>
+            <p:ph idx="1"/>
+          </p:nvPr>
+        </p:nvSpPr>
+        <p:spPr>
+          <a:xfrm>
+            <a:off x="1219200" y="1524000"/>
+            <a:ext cx="7714488" cy="5105400"/>
+          </a:xfrm>
+        </p:spPr>
+        <p:txBody>
+          <a:bodyPr>
+            <a:normAutofit/>
+          </a:bodyPr>
+          <a:lstStyle/>
+          <a:p>
+            <a:r>
+              <a:rPr lang="bg-BG" sz="1800" dirty="0" smtClean="0">
+                <a:latin typeface="Corbel" panose="020B0503020204020204" pitchFamily="34" charset="0"/>
+              </a:rPr>
+              <a:t>XMIConverter </a:t>
+            </a:r>
+            <a:r>
+              <a:rPr lang="en-US" sz="1800" dirty="0" smtClean="0">
+                <a:latin typeface="Corbel" panose="020B0503020204020204" pitchFamily="34" charset="0"/>
+              </a:rPr>
+              <a:t>е к</a:t>
+            </a:r>
+            <a:r>
+              <a:rPr lang="bg-BG" sz="1800" dirty="0" smtClean="0"/>
+              <a:t>лас </a:t>
+            </a:r>
+            <a:r>
+              <a:rPr lang="bg-BG" sz="1800" dirty="0"/>
+              <a:t>отговорен за конвертирането на архитектурното хранилище на системата към UML модел съхранен в XMI формат.</a:t>
+            </a:r>
+          </a:p>
+        </p:txBody>
+      </p:sp>
+      <p:pic>
+        <p:nvPicPr>
+          <p:cNvPr id="4" name="Picture 3"/>
+          <p:cNvPicPr/>
+          <p:nvPr/>
+        </p:nvPicPr>
+        <p:blipFill>
+          <a:blip r:embed="rId2">
+            <a:extLst>
+              <a:ext uri="{28A0092B-C50C-407E-A947-70E740481C1C}">
+                <a14:useLocalDpi xmlns:a14="http://schemas.microsoft.com/office/drawing/2010/main" val="0"/>
+              </a:ext>
+            </a:extLst>
+          </a:blip>
+          <a:stretch>
+            <a:fillRect/>
+          </a:stretch>
+        </p:blipFill>
+        <p:spPr>
+          <a:xfrm>
+            <a:off x="1371600" y="2133600"/>
+            <a:ext cx="7086600" cy="4114800"/>
+          </a:xfrm>
+          <a:prstGeom prst="rect">
+            <a:avLst/>
+          </a:prstGeom>
+        </p:spPr>
+      </p:pic>
+    </p:spTree>
+    <p:extLst>
+      <p:ext uri="{BB962C8B-B14F-4D97-AF65-F5344CB8AC3E}">
+        <p14:creationId xmlns:p14="http://schemas.microsoft.com/office/powerpoint/2010/main" val="356671770"/>
+      </p:ext>
+    </p:extLst>
+  </p:cSld>
+  <p:clrMapOvr>
+    <a:masterClrMapping/>
+  </p:clrMapOvr>
+  <p:timing>
+    <p:tnLst>
+      <p:par>
+        <p:cTn id="1" dur="indefinite" restart="never" nodeType="tmRoot"/>
+      </p:par>
+    </p:tnLst>
+  </p:timing>
+</p:sld>
+</file>
+
+<file path=ppt/slides/slide2.xml><?xml version="1.0" encoding="utf-8"?>
+<p:sld xmlns:a="http://schemas.openxmlformats.org/drawingml/2006/main" xmlns:r="http://schemas.openxmlformats.org/officeDocument/2006/relationships" xmlns:p="http://schemas.openxmlformats.org/presentationml/2006/main">
+  <p:cSld>
+    <p:spTree>
+      <p:nvGrpSpPr>
+        <p:cNvPr id="1" name=""/>
+        <p:cNvGrpSpPr/>
+        <p:nvPr/>
+      </p:nvGrpSpPr>
+      <p:grpSpPr>
+        <a:xfrm>
+          <a:off x="0" y="0"/>
+          <a:ext cx="0" cy="0"/>
+          <a:chOff x="0" y="0"/>
+          <a:chExt cx="0" cy="0"/>
+        </a:xfrm>
+      </p:grpSpPr>
+      <p:sp>
+        <p:nvSpPr>
+          <p:cNvPr id="2" name="Title 1"/>
+          <p:cNvSpPr>
+            <a:spLocks noGrp="1"/>
+          </p:cNvSpPr>
+          <p:nvPr>
+            <p:ph type="title"/>
+          </p:nvPr>
+        </p:nvSpPr>
+        <p:spPr/>
+        <p:txBody>
+          <a:bodyPr/>
+          <a:lstStyle/>
+          <a:p>
+            <a:r>
+              <a:rPr lang="bg-BG" dirty="0" smtClean="0">
+                <a:latin typeface="Corbel" panose="020B0503020204020204" pitchFamily="34" charset="0"/>
+              </a:rPr>
+              <a:t>Съдържание</a:t>
+            </a:r>
+            <a:endParaRPr lang="bg-BG" dirty="0">
+              <a:latin typeface="Corbel" panose="020B0503020204020204" pitchFamily="34" charset="0"/>
+            </a:endParaRPr>
+          </a:p>
+        </p:txBody>
+      </p:sp>
+      <p:sp>
+        <p:nvSpPr>
+          <p:cNvPr id="3" name="Content Placeholder 2"/>
+          <p:cNvSpPr>
+            <a:spLocks noGrp="1"/>
+          </p:cNvSpPr>
+          <p:nvPr>
+            <p:ph idx="1"/>
+          </p:nvPr>
+        </p:nvSpPr>
+        <p:spPr/>
+        <p:txBody>
+          <a:bodyPr>
+            <a:normAutofit lnSpcReduction="10000"/>
+          </a:bodyPr>
+          <a:lstStyle/>
+          <a:p>
+            <a:r>
+              <a:rPr lang="bg-BG" dirty="0" smtClean="0"/>
+              <a:t>Текущо състояние на индустрията</a:t>
+            </a:r>
+          </a:p>
+          <a:p>
+            <a:pPr marL="365760" lvl="1" indent="-283464">
+              <a:spcBef>
+                <a:spcPts val="600"/>
+              </a:spcBef>
+              <a:buSzPct val="80000"/>
+              <a:buFont typeface="Wingdings 2"/>
+              <a:buChar char=""/>
+            </a:pPr>
+            <a:r>
+              <a:rPr lang="bg-BG" sz="3200" dirty="0" smtClean="0"/>
+              <a:t>Софтуер за вградени системи</a:t>
+            </a:r>
+          </a:p>
+          <a:p>
+            <a:r>
+              <a:rPr lang="bg-BG" dirty="0" smtClean="0"/>
+              <a:t>Цели на дипломната работа</a:t>
+            </a:r>
+          </a:p>
+          <a:p>
+            <a:r>
+              <a:rPr lang="bg-BG" dirty="0" smtClean="0"/>
+              <a:t>Концепция</a:t>
+            </a:r>
+          </a:p>
+          <a:p>
+            <a:r>
+              <a:rPr lang="bg-BG" dirty="0" smtClean="0"/>
+              <a:t>Използвани технологии</a:t>
+            </a:r>
+          </a:p>
+          <a:p>
+            <a:r>
+              <a:rPr lang="bg-BG" dirty="0" smtClean="0"/>
+              <a:t>Архитектура</a:t>
+            </a:r>
+            <a:r>
+              <a:rPr lang="en-US" dirty="0" smtClean="0"/>
+              <a:t> </a:t>
+            </a:r>
+            <a:r>
+              <a:rPr lang="bg-BG" dirty="0" smtClean="0">
+                <a:latin typeface="Corbel" panose="020B0503020204020204" pitchFamily="34" charset="0"/>
+              </a:rPr>
+              <a:t>на ArchExtractor</a:t>
+            </a:r>
+            <a:endParaRPr lang="en-US" dirty="0" smtClean="0">
+              <a:latin typeface="Corbel" panose="020B0503020204020204" pitchFamily="34" charset="0"/>
+            </a:endParaRPr>
+          </a:p>
+          <a:p>
+            <a:r>
+              <a:rPr lang="bg-BG" dirty="0" smtClean="0">
+                <a:latin typeface="Corbel" panose="020B0503020204020204" pitchFamily="34" charset="0"/>
+              </a:rPr>
+              <a:t>Метод на разработка</a:t>
+            </a:r>
+            <a:r>
+              <a:rPr lang="en-US" dirty="0" smtClean="0">
+                <a:latin typeface="Corbel" panose="020B0503020204020204" pitchFamily="34" charset="0"/>
+              </a:rPr>
+              <a:t> </a:t>
+            </a:r>
+            <a:r>
+              <a:rPr lang="bg-BG" dirty="0">
+                <a:latin typeface="Corbel" panose="020B0503020204020204" pitchFamily="34" charset="0"/>
+              </a:rPr>
+              <a:t>на ArchExtractor</a:t>
+            </a:r>
+            <a:endParaRPr lang="bg-BG" dirty="0" smtClean="0">
+              <a:latin typeface="Corbel" panose="020B0503020204020204" pitchFamily="34" charset="0"/>
+            </a:endParaRPr>
+          </a:p>
+          <a:p>
+            <a:r>
+              <a:rPr lang="bg-BG" dirty="0" smtClean="0"/>
+              <a:t>Демонстрация</a:t>
+            </a:r>
+            <a:endParaRPr lang="en-US" dirty="0" smtClean="0"/>
+          </a:p>
+          <a:p>
+            <a:r>
+              <a:rPr lang="bg-BG" dirty="0" smtClean="0">
+                <a:latin typeface="Corbel" panose="020B0503020204020204" pitchFamily="34" charset="0"/>
+              </a:rPr>
+              <a:t>Обобщение и бъдещи насоки</a:t>
+            </a:r>
+          </a:p>
+          <a:p>
+            <a:pPr marL="82296" indent="0">
+              <a:buNone/>
+            </a:pPr>
+            <a:endParaRPr lang="en-US" dirty="0"/>
+          </a:p>
+        </p:txBody>
+      </p:sp>
+    </p:spTree>
+    <p:extLst>
+      <p:ext uri="{BB962C8B-B14F-4D97-AF65-F5344CB8AC3E}">
+        <p14:creationId xmlns:p14="http://schemas.microsoft.com/office/powerpoint/2010/main" val="1596700384"/>
+      </p:ext>
+    </p:extLst>
+  </p:cSld>
+  <p:clrMapOvr>
+    <a:masterClrMapping/>
+  </p:clrMapOvr>
+  <p:timing>
+    <p:tnLst>
+      <p:par>
+        <p:cTn id="1" dur="indefinite" restart="never" nodeType="tmRoot"/>
+      </p:par>
+    </p:tnLst>
+  </p:timing>
+</p:sld>
+</file>
+
+<file path=ppt/slides/slide20.xml><?xml version="1.0" encoding="utf-8"?>
+<p:sld xmlns:a="http://schemas.openxmlformats.org/drawingml/2006/main" xmlns:r="http://schemas.openxmlformats.org/officeDocument/2006/relationships" xmlns:p="http://schemas.openxmlformats.org/presentationml/2006/main">
+  <p:cSld>
+    <p:spTree>
+      <p:nvGrpSpPr>
+        <p:cNvPr id="1" name=""/>
+        <p:cNvGrpSpPr/>
+        <p:nvPr/>
+      </p:nvGrpSpPr>
+      <p:grpSpPr>
+        <a:xfrm>
+          <a:off x="0" y="0"/>
+          <a:ext cx="0" cy="0"/>
+          <a:chOff x="0" y="0"/>
+          <a:chExt cx="0" cy="0"/>
+        </a:xfrm>
+      </p:grpSpPr>
+      <p:sp>
+        <p:nvSpPr>
+          <p:cNvPr id="2" name="Title 1"/>
+          <p:cNvSpPr>
+            <a:spLocks noGrp="1"/>
+          </p:cNvSpPr>
+          <p:nvPr>
+            <p:ph type="title"/>
+          </p:nvPr>
+        </p:nvSpPr>
+        <p:spPr>
+          <a:xfrm>
+            <a:off x="1435608" y="221370"/>
+            <a:ext cx="7498080" cy="1143000"/>
+          </a:xfrm>
+        </p:spPr>
+        <p:txBody>
+          <a:bodyPr>
+            <a:noAutofit/>
+          </a:bodyPr>
+          <a:lstStyle/>
+          <a:p>
+            <a:r>
+              <a:rPr lang="ru-RU" sz="2800" dirty="0"/>
+              <a:t>Сравнение на Eclipse EMF инструментите за трансформация с използвания клас</a:t>
+            </a:r>
+            <a:r>
+              <a:rPr lang="en-US" sz="2800" dirty="0"/>
+              <a:t> </a:t>
+            </a:r>
+            <a:r>
+              <a:rPr lang="ru-RU" sz="2800" dirty="0"/>
+              <a:t>XMIConverter?</a:t>
+            </a:r>
+            <a:r>
+              <a:rPr lang="en-US" sz="2800" dirty="0"/>
+              <a:t> </a:t>
+            </a:r>
+            <a:r>
+              <a:rPr lang="en-US" sz="2800" dirty="0" smtClean="0"/>
+              <a:t>(2)</a:t>
+            </a:r>
+            <a:endParaRPr lang="bg-BG" sz="2800" dirty="0"/>
+          </a:p>
+        </p:txBody>
+      </p:sp>
+      <p:sp>
+        <p:nvSpPr>
+          <p:cNvPr id="3" name="Content Placeholder 2"/>
+          <p:cNvSpPr>
+            <a:spLocks noGrp="1"/>
+          </p:cNvSpPr>
+          <p:nvPr>
+            <p:ph idx="1"/>
+          </p:nvPr>
+        </p:nvSpPr>
+        <p:spPr>
+          <a:xfrm>
+            <a:off x="1341120" y="1600200"/>
+            <a:ext cx="7498080" cy="4800600"/>
+          </a:xfrm>
+        </p:spPr>
+        <p:txBody>
+          <a:bodyPr>
+            <a:normAutofit fontScale="92500" lnSpcReduction="20000"/>
+          </a:bodyPr>
+          <a:lstStyle/>
+          <a:p>
+            <a:pPr marL="82296" indent="0">
+              <a:buNone/>
+            </a:pPr>
+            <a:r>
+              <a:rPr lang="bg-BG" dirty="0" smtClean="0">
+                <a:latin typeface="Corbel" panose="020B0503020204020204" pitchFamily="34" charset="0"/>
+              </a:rPr>
+              <a:t>Основни проекти за трансформация от тип модел към модел на </a:t>
+            </a:r>
+            <a:r>
+              <a:rPr lang="bg-BG" i="1" dirty="0" smtClean="0">
+                <a:latin typeface="Corbel" panose="020B0503020204020204" pitchFamily="34" charset="0"/>
+              </a:rPr>
+              <a:t>Eclipse Modeling Project</a:t>
+            </a:r>
+            <a:r>
+              <a:rPr lang="bg-BG" dirty="0" smtClean="0">
+                <a:latin typeface="Corbel" panose="020B0503020204020204" pitchFamily="34" charset="0"/>
+              </a:rPr>
+              <a:t>:</a:t>
+            </a:r>
+          </a:p>
+          <a:p>
+            <a:r>
+              <a:rPr lang="bg-BG" i="1" dirty="0" smtClean="0">
+                <a:latin typeface="Corbel" panose="020B0503020204020204" pitchFamily="34" charset="0"/>
+              </a:rPr>
+              <a:t>ATL Transformation Language</a:t>
+            </a:r>
+          </a:p>
+          <a:p>
+            <a:r>
+              <a:rPr lang="bg-BG" i="1" dirty="0" smtClean="0">
+                <a:latin typeface="Corbel" panose="020B0503020204020204" pitchFamily="34" charset="0"/>
+              </a:rPr>
+              <a:t>QVT Operational (Procedural) / QVTd (Declarative)</a:t>
+            </a:r>
+            <a:r>
+              <a:rPr lang="en-US" i="1" dirty="0" smtClean="0">
+                <a:latin typeface="Corbel" panose="020B0503020204020204" pitchFamily="34" charset="0"/>
+              </a:rPr>
+              <a:t> – </a:t>
+            </a:r>
+            <a:r>
+              <a:rPr lang="bg-BG" dirty="0" smtClean="0">
+                <a:latin typeface="Corbel" panose="020B0503020204020204" pitchFamily="34" charset="0"/>
+              </a:rPr>
+              <a:t>частично имплементират </a:t>
+            </a:r>
+            <a:r>
+              <a:rPr lang="en-US" i="1" dirty="0" smtClean="0">
+                <a:latin typeface="Corbel" panose="020B0503020204020204" pitchFamily="34" charset="0"/>
+              </a:rPr>
+              <a:t>OMG </a:t>
+            </a:r>
+            <a:r>
+              <a:rPr lang="en-US" i="1" dirty="0">
+                <a:latin typeface="Corbel" panose="020B0503020204020204" pitchFamily="34" charset="0"/>
+              </a:rPr>
+              <a:t>standard specification (MOF) 2.0 Query/View/Transformation</a:t>
+            </a:r>
+            <a:endParaRPr lang="bg-BG" i="1" dirty="0" smtClean="0">
+              <a:latin typeface="Corbel" panose="020B0503020204020204" pitchFamily="34" charset="0"/>
+            </a:endParaRPr>
+          </a:p>
+          <a:p>
+            <a:endParaRPr lang="bg-BG" i="1" dirty="0" smtClean="0">
+              <a:latin typeface="Corbel" panose="020B0503020204020204" pitchFamily="34" charset="0"/>
+            </a:endParaRPr>
+          </a:p>
+          <a:p>
+            <a:pPr marL="82296" indent="0">
+              <a:buNone/>
+            </a:pPr>
+            <a:r>
+              <a:rPr lang="bg-BG" dirty="0" smtClean="0">
+                <a:latin typeface="Corbel" panose="020B0503020204020204" pitchFamily="34" charset="0"/>
+              </a:rPr>
+              <a:t>Отговор:</a:t>
+            </a:r>
+            <a:r>
+              <a:rPr lang="bg-BG" i="1" dirty="0" smtClean="0">
+                <a:latin typeface="Corbel" panose="020B0503020204020204" pitchFamily="34" charset="0"/>
+              </a:rPr>
+              <a:t> Могат да трансформират всеки съвместим с EMF модел в желан модел. За разлика от XMIConverter, който е силно специализиран за ArchExtractor.</a:t>
+            </a:r>
+          </a:p>
+        </p:txBody>
+      </p:sp>
+    </p:spTree>
+    <p:extLst>
+      <p:ext uri="{BB962C8B-B14F-4D97-AF65-F5344CB8AC3E}">
+        <p14:creationId xmlns:p14="http://schemas.microsoft.com/office/powerpoint/2010/main" val="3088767702"/>
+      </p:ext>
+    </p:extLst>
+  </p:cSld>
+  <p:clrMapOvr>
+    <a:masterClrMapping/>
+  </p:clrMapOvr>
+  <p:timing>
+    <p:tnLst>
+      <p:par>
+        <p:cTn id="1" dur="indefinite" restart="never" nodeType="tmRoot"/>
+      </p:par>
+    </p:tnLst>
+  </p:timing>
+</p:sld>
+</file>
+
+<file path=ppt/slides/slide21.xml><?xml version="1.0" encoding="utf-8"?>
 <p:sld xmlns:a="http://schemas.openxmlformats.org/drawingml/2006/main" xmlns:r="http://schemas.openxmlformats.org/officeDocument/2006/relationships" xmlns:p="http://schemas.openxmlformats.org/presentationml/2006/main">
   <p:cSld>
     <p:spTree>
@@ -4875,144 +6870,6 @@
 </p:sld>
 </file>
 
-<file path=ppt/slides/slide2.xml><?xml version="1.0" encoding="utf-8"?>
-<p:sld xmlns:a="http://schemas.openxmlformats.org/drawingml/2006/main" xmlns:r="http://schemas.openxmlformats.org/officeDocument/2006/relationships" xmlns:p="http://schemas.openxmlformats.org/presentationml/2006/main">
-  <p:cSld>
-    <p:spTree>
-      <p:nvGrpSpPr>
-        <p:cNvPr id="1" name=""/>
-        <p:cNvGrpSpPr/>
-        <p:nvPr/>
-      </p:nvGrpSpPr>
-      <p:grpSpPr>
-        <a:xfrm>
-          <a:off x="0" y="0"/>
-          <a:ext cx="0" cy="0"/>
-          <a:chOff x="0" y="0"/>
-          <a:chExt cx="0" cy="0"/>
-        </a:xfrm>
-      </p:grpSpPr>
-      <p:sp>
-        <p:nvSpPr>
-          <p:cNvPr id="2" name="Title 1"/>
-          <p:cNvSpPr>
-            <a:spLocks noGrp="1"/>
-          </p:cNvSpPr>
-          <p:nvPr>
-            <p:ph type="title"/>
-          </p:nvPr>
-        </p:nvSpPr>
-        <p:spPr/>
-        <p:txBody>
-          <a:bodyPr/>
-          <a:lstStyle/>
-          <a:p>
-            <a:r>
-              <a:rPr lang="bg-BG" dirty="0" smtClean="0">
-                <a:latin typeface="Corbel" panose="020B0503020204020204" pitchFamily="34" charset="0"/>
-              </a:rPr>
-              <a:t>Съдържание</a:t>
-            </a:r>
-            <a:endParaRPr lang="bg-BG" dirty="0">
-              <a:latin typeface="Corbel" panose="020B0503020204020204" pitchFamily="34" charset="0"/>
-            </a:endParaRPr>
-          </a:p>
-        </p:txBody>
-      </p:sp>
-      <p:sp>
-        <p:nvSpPr>
-          <p:cNvPr id="3" name="Content Placeholder 2"/>
-          <p:cNvSpPr>
-            <a:spLocks noGrp="1"/>
-          </p:cNvSpPr>
-          <p:nvPr>
-            <p:ph idx="1"/>
-          </p:nvPr>
-        </p:nvSpPr>
-        <p:spPr/>
-        <p:txBody>
-          <a:bodyPr>
-            <a:normAutofit/>
-          </a:bodyPr>
-          <a:lstStyle/>
-          <a:p>
-            <a:r>
-              <a:rPr lang="bg-BG" dirty="0" smtClean="0"/>
-              <a:t>Текущо състояние на индустрията</a:t>
-            </a:r>
-          </a:p>
-          <a:p>
-            <a:pPr marL="365760" lvl="1" indent="-283464">
-              <a:spcBef>
-                <a:spcPts val="600"/>
-              </a:spcBef>
-              <a:buSzPct val="80000"/>
-              <a:buFont typeface="Wingdings 2"/>
-              <a:buChar char=""/>
-            </a:pPr>
-            <a:r>
-              <a:rPr lang="bg-BG" sz="3200" dirty="0" smtClean="0"/>
-              <a:t>Софтуер за вградени системи</a:t>
-            </a:r>
-          </a:p>
-          <a:p>
-            <a:r>
-              <a:rPr lang="bg-BG" dirty="0" smtClean="0"/>
-              <a:t>Цели на дипломната работа</a:t>
-            </a:r>
-          </a:p>
-          <a:p>
-            <a:r>
-              <a:rPr lang="bg-BG" dirty="0" smtClean="0"/>
-              <a:t>Концепция</a:t>
-            </a:r>
-          </a:p>
-          <a:p>
-            <a:r>
-              <a:rPr lang="bg-BG" dirty="0" smtClean="0"/>
-              <a:t>Използвани технологии</a:t>
-            </a:r>
-          </a:p>
-          <a:p>
-            <a:r>
-              <a:rPr lang="bg-BG" dirty="0" smtClean="0"/>
-              <a:t>Архитектура</a:t>
-            </a:r>
-          </a:p>
-          <a:p>
-            <a:r>
-              <a:rPr lang="bg-BG" dirty="0" smtClean="0"/>
-              <a:t>Демонстрация</a:t>
-            </a:r>
-          </a:p>
-          <a:p>
-            <a:pPr marL="82296" indent="0">
-              <a:buNone/>
-            </a:pPr>
-            <a:endParaRPr lang="en-US" dirty="0"/>
-          </a:p>
-        </p:txBody>
-      </p:sp>
-    </p:spTree>
-    <p:extLst>
-      <p:ext uri="{BB962C8B-B14F-4D97-AF65-F5344CB8AC3E}">
-        <p14:creationId xmlns:p14="http://schemas.microsoft.com/office/powerpoint/2010/main" val="1596700384"/>
-      </p:ext>
-    </p:extLst>
-  </p:cSld>
-  <p:clrMapOvr>
-    <a:masterClrMapping/>
-  </p:clrMapOvr>
-  <p:timing>
-    <p:tnLst>
-      <p:par>
-        <p:cTn id="1" dur="indefinite" restart="never" nodeType="tmRoot"/>
-      </p:par>
-    </p:tnLst>
-  </p:timing>
-</p:sld>
-</file>
-
 <file path=ppt/slides/slide3.xml><?xml version="1.0" encoding="utf-8"?>
 <p:sld xmlns:a="http://schemas.openxmlformats.org/drawingml/2006/main" xmlns:r="http://schemas.openxmlformats.org/officeDocument/2006/relationships" xmlns:p="http://schemas.openxmlformats.org/presentationml/2006/main">
   <p:cSld>
@@ -5086,7 +6943,21 @@
           <a:p>
             <a:r>
               <a:rPr lang="bg-BG" sz="2400" dirty="0" smtClean="0"/>
-              <a:t>Изучаването на различни случаи показва, че 60-80% разходите по софтуерен продукт произлизат от еволюции на програмите </a:t>
+              <a:t>Изучаването на различни случаи показва, че 60-80% </a:t>
+            </a:r>
+            <a:r>
+              <a:rPr lang="bg-BG" sz="2400" dirty="0" smtClean="0">
+                <a:latin typeface="Corbel" panose="020B0503020204020204" pitchFamily="34" charset="0"/>
+              </a:rPr>
+              <a:t>от </a:t>
+            </a:r>
+            <a:r>
+              <a:rPr lang="bg-BG" sz="2400" dirty="0" smtClean="0"/>
+              <a:t>разходите </a:t>
+            </a:r>
+            <a:r>
+              <a:rPr lang="bg-BG" sz="2400" dirty="0" smtClean="0"/>
+              <a:t>по софтуерен продукт произлизат от еволюции на програмите </a:t>
             </a:r>
             <a:endParaRPr lang="en-US" sz="2400" dirty="0" smtClean="0"/>
           </a:p>
@@ -5682,7 +7553,12 @@
             <p:ph type="title"/>
           </p:nvPr>
         </p:nvSpPr>
-        <p:spPr/>
+        <p:spPr>
+          <a:xfrm>
+            <a:off x="1435608" y="76200"/>
+            <a:ext cx="7498080" cy="1143000"/>
+          </a:xfrm>
+        </p:spPr>
         <p:txBody>
           <a:bodyPr/>
           <a:lstStyle/>
@@ -6797,15 +8673,44 @@
         <p:spPr/>
         <p:txBody>
           <a:bodyPr>
-            <a:normAutofit/>
+            <a:normAutofit fontScale="90000"/>
           </a:bodyPr>
           <a:lstStyle/>
           <a:p>
             <a:r>
               <a:rPr lang="bg-BG" dirty="0" smtClean="0"/>
-              <a:t>Архитектура (слоеве)</a:t>
+              <a:t>Архитектура</a:t>
+            </a:r>
+            <a:r>
+              <a:rPr lang="en-US" dirty="0" smtClean="0"/>
+              <a:t> </a:t>
+            </a:r>
+            <a:r>
+              <a:rPr lang="bg-BG" dirty="0">
+                <a:latin typeface="Corbel" panose="020B0503020204020204" pitchFamily="34" charset="0"/>
+              </a:rPr>
+              <a:t>на ArchExtractor</a:t>
+            </a:r>
+            <a:r>
+              <a:rPr lang="en-US" dirty="0" smtClean="0"/>
+              <a:t> </a:t>
+            </a:r>
+            <a:r>
+              <a:rPr lang="bg-BG" dirty="0" smtClean="0"/>
+              <a:t> (слоеве)</a:t>
+            </a:r>
+            <a:r>
+              <a:rPr lang="en-US" dirty="0" smtClean="0"/>
+              <a:t> 1</a:t>
             </a:r>
             <a:endParaRPr lang="bg-BG" dirty="0">
+              <a:effectLst>
+                <a:outerShdw blurRad="38100" dist="38100" dir="2700000" algn="tl">
+                  <a:srgbClr val="000000">
+                    <a:alpha val="43137"/>
+                  </a:srgbClr>
+                </a:outerShdw>
+              </a:effectLst>
               <a:latin typeface="Corbel" panose="020B0503020204020204" pitchFamily="34" charset="0"/>
             </a:endParaRPr>
           </a:p>
@@ -6823,7 +8728,7 @@
         </p:nvSpPr>
         <p:spPr>
           <a:xfrm>
-            <a:off x="1219200" y="1447800"/>
+            <a:off x="1219200" y="1600200"/>
             <a:ext cx="7714488" cy="4800600"/>
           </a:xfrm>
         </p:spPr>
@@ -6845,7 +8750,7 @@
           <a:p>
             <a:pPr lvl="0"/>
             <a:r>
-              <a:rPr lang="bg-BG" i="1" dirty="0"/>
+              <a:rPr lang="bg-BG" b="1" i="1" dirty="0"/>
               <a:t>Анализатор</a:t>
             </a:r>
             <a:r>
@@ -6857,7 +8762,7 @@
           <a:p>
             <a:pPr lvl="0"/>
             <a:r>
-              <a:rPr lang="bg-BG" i="1" dirty="0"/>
+              <a:rPr lang="bg-BG" b="1" i="1" dirty="0"/>
               <a:t>Скенер</a:t>
             </a:r>
             <a:r>
@@ -6869,7 +8774,7 @@
           <a:p>
             <a:pPr lvl="0"/>
             <a:r>
-              <a:rPr lang="bg-BG" i="1" dirty="0"/>
+              <a:rPr lang="bg-BG" b="1" i="1" dirty="0"/>
               <a:t>Мета-модел</a:t>
             </a:r>
             <a:r>
@@ -6881,7 +8786,7 @@
           <a:p>
             <a:pPr lvl="0"/>
             <a:r>
-              <a:rPr lang="bg-BG" i="1" dirty="0"/>
+              <a:rPr lang="bg-BG" b="1" i="1" dirty="0"/>
               <a:t>Сериализатор</a:t>
             </a:r>
             <a:r>
@@ -6893,7 +8798,7 @@
           <a:p>
             <a:pPr lvl="0"/>
             <a:r>
-              <a:rPr lang="bg-BG" i="1" dirty="0"/>
+              <a:rPr lang="bg-BG" b="1" i="1" dirty="0"/>
               <a:t>Външни модули</a:t>
             </a:r>
             <a:r>
@@ -6905,7 +8810,7 @@
           <a:p>
             <a:pPr lvl="0"/>
             <a:r>
-              <a:rPr lang="bg-BG" i="1" dirty="0"/>
+              <a:rPr lang="bg-BG" b="1" i="1" dirty="0"/>
               <a:t>Генерация на базов код</a:t>
             </a:r>
             <a:r>

--- a/ArchExtractor/doc/Presentation.pptx
+++ b/ArchExtractor/doc/Presentation.pptx
@@ -4,6 +4,9 @@
   <p:sldMasterIdLst>
     <p:sldMasterId id="2147483792" r:id="rId1"/>
   </p:sldMasterIdLst>
+  <p:notesMasterIdLst>
+    <p:notesMasterId r:id="rId23"/>
+  </p:notesMasterIdLst>
   <p:sldIdLst>
     <p:sldId id="256" r:id="rId2"/>
     <p:sldId id="257" r:id="rId3"/>
@@ -20,12 +23,12 @@
     <p:sldId id="267" r:id="rId14"/>
     <p:sldId id="270" r:id="rId15"/>
     <p:sldId id="271" r:id="rId16"/>
-    <p:sldId id="272" r:id="rId17"/>
-    <p:sldId id="273" r:id="rId18"/>
-    <p:sldId id="274" r:id="rId19"/>
-    <p:sldId id="275" r:id="rId20"/>
-    <p:sldId id="276" r:id="rId21"/>
-    <p:sldId id="268" r:id="rId22"/>
+    <p:sldId id="268" r:id="rId17"/>
+    <p:sldId id="272" r:id="rId18"/>
+    <p:sldId id="273" r:id="rId19"/>
+    <p:sldId id="274" r:id="rId20"/>
+    <p:sldId id="275" r:id="rId21"/>
+    <p:sldId id="276" r:id="rId22"/>
   </p:sldIdLst>
   <p:sldSz cx="9144000" cy="6858000" type="screen4x3"/>
   <p:notesSz cx="6858000" cy="9144000"/>
@@ -127,6 +130,2514 @@
 </p:presentation>
 </file>
 
+<file path=ppt/notesMasters/notesMaster1.xml><?xml version="1.0" encoding="utf-8"?>
+<p:notesMaster xmlns:a="http://schemas.openxmlformats.org/drawingml/2006/main" xmlns:r="http://schemas.openxmlformats.org/officeDocument/2006/relationships" xmlns:p="http://schemas.openxmlformats.org/presentationml/2006/main">
+  <p:cSld>
+    <p:bg>
+      <p:bgRef idx="1001">
+        <a:schemeClr val="bg1"/>
+      </p:bgRef>
+    </p:bg>
+    <p:spTree>
+      <p:nvGrpSpPr>
+        <p:cNvPr id="1" name=""/>
+        <p:cNvGrpSpPr/>
+        <p:nvPr/>
+      </p:nvGrpSpPr>
+      <p:grpSpPr>
+        <a:xfrm>
+          <a:off x="0" y="0"/>
+          <a:ext cx="0" cy="0"/>
+          <a:chOff x="0" y="0"/>
+          <a:chExt cx="0" cy="0"/>
+        </a:xfrm>
+      </p:grpSpPr>
+      <p:sp>
+        <p:nvSpPr>
+          <p:cNvPr id="2" name="Header Placeholder 1"/>
+          <p:cNvSpPr>
+            <a:spLocks noGrp="1"/>
+          </p:cNvSpPr>
+          <p:nvPr>
+            <p:ph type="hdr" sz="quarter"/>
+          </p:nvPr>
+        </p:nvSpPr>
+        <p:spPr>
+          <a:xfrm>
+            <a:off x="0" y="0"/>
+            <a:ext cx="2971800" cy="457200"/>
+          </a:xfrm>
+          <a:prstGeom prst="rect">
+            <a:avLst/>
+          </a:prstGeom>
+        </p:spPr>
+        <p:txBody>
+          <a:bodyPr vert="horz" lIns="91440" tIns="45720" rIns="91440" bIns="45720" rtlCol="0"/>
+          <a:lstStyle>
+            <a:lvl1pPr algn="l">
+              <a:defRPr sz="1200"/>
+            </a:lvl1pPr>
+          </a:lstStyle>
+          <a:p>
+            <a:endParaRPr lang="bg-BG"/>
+          </a:p>
+        </p:txBody>
+      </p:sp>
+      <p:sp>
+        <p:nvSpPr>
+          <p:cNvPr id="3" name="Date Placeholder 2"/>
+          <p:cNvSpPr>
+            <a:spLocks noGrp="1"/>
+          </p:cNvSpPr>
+          <p:nvPr>
+            <p:ph type="dt" idx="1"/>
+          </p:nvPr>
+        </p:nvSpPr>
+        <p:spPr>
+          <a:xfrm>
+            <a:off x="3884613" y="0"/>
+            <a:ext cx="2971800" cy="457200"/>
+          </a:xfrm>
+          <a:prstGeom prst="rect">
+            <a:avLst/>
+          </a:prstGeom>
+        </p:spPr>
+        <p:txBody>
+          <a:bodyPr vert="horz" lIns="91440" tIns="45720" rIns="91440" bIns="45720" rtlCol="0"/>
+          <a:lstStyle>
+            <a:lvl1pPr algn="r">
+              <a:defRPr sz="1200"/>
+            </a:lvl1pPr>
+          </a:lstStyle>
+          <a:p>
+            <a:fld id="{CB8E656A-E3C0-41C8-90D9-EE25360447EF}" type="datetimeFigureOut">
+              <a:rPr lang="bg-BG" smtClean="0"/>
+              <a:t>10.3.2015 г.</a:t>
+            </a:fld>
+            <a:endParaRPr lang="bg-BG"/>
+          </a:p>
+        </p:txBody>
+      </p:sp>
+      <p:sp>
+        <p:nvSpPr>
+          <p:cNvPr id="4" name="Slide Image Placeholder 3"/>
+          <p:cNvSpPr>
+            <a:spLocks noGrp="1" noRot="1" noChangeAspect="1"/>
+          </p:cNvSpPr>
+          <p:nvPr>
+            <p:ph type="sldImg" idx="2"/>
+          </p:nvPr>
+        </p:nvSpPr>
+        <p:spPr>
+          <a:xfrm>
+            <a:off x="1143000" y="685800"/>
+            <a:ext cx="4572000" cy="3429000"/>
+          </a:xfrm>
+          <a:prstGeom prst="rect">
+            <a:avLst/>
+          </a:prstGeom>
+          <a:noFill/>
+          <a:ln w="12700">
+            <a:solidFill>
+              <a:prstClr val="black"/>
+            </a:solidFill>
+          </a:ln>
+        </p:spPr>
+        <p:txBody>
+          <a:bodyPr vert="horz" lIns="91440" tIns="45720" rIns="91440" bIns="45720" rtlCol="0" anchor="ctr"/>
+          <a:lstStyle/>
+          <a:p>
+            <a:endParaRPr lang="bg-BG"/>
+          </a:p>
+        </p:txBody>
+      </p:sp>
+      <p:sp>
+        <p:nvSpPr>
+          <p:cNvPr id="5" name="Notes Placeholder 4"/>
+          <p:cNvSpPr>
+            <a:spLocks noGrp="1"/>
+          </p:cNvSpPr>
+          <p:nvPr>
+            <p:ph type="body" sz="quarter" idx="3"/>
+          </p:nvPr>
+        </p:nvSpPr>
+        <p:spPr>
+          <a:xfrm>
+            <a:off x="685800" y="4343400"/>
+            <a:ext cx="5486400" cy="4114800"/>
+          </a:xfrm>
+          <a:prstGeom prst="rect">
+            <a:avLst/>
+          </a:prstGeom>
+        </p:spPr>
+        <p:txBody>
+          <a:bodyPr vert="horz" lIns="91440" tIns="45720" rIns="91440" bIns="45720" rtlCol="0"/>
+          <a:lstStyle/>
+          <a:p>
+            <a:pPr lvl="0"/>
+            <a:r>
+              <a:rPr lang="en-US" smtClean="0"/>
+              <a:t>Click to edit Master text styles</a:t>
+            </a:r>
+          </a:p>
+          <a:p>
+            <a:pPr lvl="1"/>
+            <a:r>
+              <a:rPr lang="en-US" smtClean="0"/>
+              <a:t>Second level</a:t>
+            </a:r>
+          </a:p>
+          <a:p>
+            <a:pPr lvl="2"/>
+            <a:r>
+              <a:rPr lang="en-US" smtClean="0"/>
+              <a:t>Third level</a:t>
+            </a:r>
+          </a:p>
+          <a:p>
+            <a:pPr lvl="3"/>
+            <a:r>
+              <a:rPr lang="en-US" smtClean="0"/>
+              <a:t>Fourth level</a:t>
+            </a:r>
+          </a:p>
+          <a:p>
+            <a:pPr lvl="4"/>
+            <a:r>
+              <a:rPr lang="en-US" smtClean="0"/>
+              <a:t>Fifth level</a:t>
+            </a:r>
+            <a:endParaRPr lang="bg-BG"/>
+          </a:p>
+        </p:txBody>
+      </p:sp>
+      <p:sp>
+        <p:nvSpPr>
+          <p:cNvPr id="6" name="Footer Placeholder 5"/>
+          <p:cNvSpPr>
+            <a:spLocks noGrp="1"/>
+          </p:cNvSpPr>
+          <p:nvPr>
+            <p:ph type="ftr" sz="quarter" idx="4"/>
+          </p:nvPr>
+        </p:nvSpPr>
+        <p:spPr>
+          <a:xfrm>
+            <a:off x="0" y="8685213"/>
+            <a:ext cx="2971800" cy="457200"/>
+          </a:xfrm>
+          <a:prstGeom prst="rect">
+            <a:avLst/>
+          </a:prstGeom>
+        </p:spPr>
+        <p:txBody>
+          <a:bodyPr vert="horz" lIns="91440" tIns="45720" rIns="91440" bIns="45720" rtlCol="0" anchor="b"/>
+          <a:lstStyle>
+            <a:lvl1pPr algn="l">
+              <a:defRPr sz="1200"/>
+            </a:lvl1pPr>
+          </a:lstStyle>
+          <a:p>
+            <a:endParaRPr lang="bg-BG"/>
+          </a:p>
+        </p:txBody>
+      </p:sp>
+      <p:sp>
+        <p:nvSpPr>
+          <p:cNvPr id="7" name="Slide Number Placeholder 6"/>
+          <p:cNvSpPr>
+            <a:spLocks noGrp="1"/>
+          </p:cNvSpPr>
+          <p:nvPr>
+            <p:ph type="sldNum" sz="quarter" idx="5"/>
+          </p:nvPr>
+        </p:nvSpPr>
+        <p:spPr>
+          <a:xfrm>
+            <a:off x="3884613" y="8685213"/>
+            <a:ext cx="2971800" cy="457200"/>
+          </a:xfrm>
+          <a:prstGeom prst="rect">
+            <a:avLst/>
+          </a:prstGeom>
+        </p:spPr>
+        <p:txBody>
+          <a:bodyPr vert="horz" lIns="91440" tIns="45720" rIns="91440" bIns="45720" rtlCol="0" anchor="b"/>
+          <a:lstStyle>
+            <a:lvl1pPr algn="r">
+              <a:defRPr sz="1200"/>
+            </a:lvl1pPr>
+          </a:lstStyle>
+          <a:p>
+            <a:fld id="{01ECCEA3-DB77-47E6-A786-079AB26F3D21}" type="slidenum">
+              <a:rPr lang="bg-BG" smtClean="0"/>
+              <a:t>‹#›</a:t>
+            </a:fld>
+            <a:endParaRPr lang="bg-BG"/>
+          </a:p>
+        </p:txBody>
+      </p:sp>
+    </p:spTree>
+    <p:extLst>
+      <p:ext uri="{BB962C8B-B14F-4D97-AF65-F5344CB8AC3E}">
+        <p14:creationId xmlns:p14="http://schemas.microsoft.com/office/powerpoint/2010/main" val="1577790843"/>
+      </p:ext>
+    </p:extLst>
+  </p:cSld>
+  <p:clrMap bg1="lt1" tx1="dk1" bg2="lt2" tx2="dk2" accent1="accent1" accent2="accent2" accent3="accent3" accent4="accent4" accent5="accent5" accent6="accent6" hlink="hlink" folHlink="folHlink"/>
+  <p:notesStyle>
+    <a:lvl1pPr marL="0" algn="l" defTabSz="914400" rtl="0" eaLnBrk="1" latinLnBrk="0" hangingPunct="1">
+      <a:defRPr sz="1200" kern="1200">
+        <a:solidFill>
+          <a:schemeClr val="tx1"/>
+        </a:solidFill>
+        <a:latin typeface="+mn-lt"/>
+        <a:ea typeface="+mn-ea"/>
+        <a:cs typeface="+mn-cs"/>
+      </a:defRPr>
+    </a:lvl1pPr>
+    <a:lvl2pPr marL="457200" algn="l" defTabSz="914400" rtl="0" eaLnBrk="1" latinLnBrk="0" hangingPunct="1">
+      <a:defRPr sz="1200" kern="1200">
+        <a:solidFill>
+          <a:schemeClr val="tx1"/>
+        </a:solidFill>
+        <a:latin typeface="+mn-lt"/>
+        <a:ea typeface="+mn-ea"/>
+        <a:cs typeface="+mn-cs"/>
+      </a:defRPr>
+    </a:lvl2pPr>
+    <a:lvl3pPr marL="914400" algn="l" defTabSz="914400" rtl="0" eaLnBrk="1" latinLnBrk="0" hangingPunct="1">
+      <a:defRPr sz="1200" kern="1200">
+        <a:solidFill>
+          <a:schemeClr val="tx1"/>
+        </a:solidFill>
+        <a:latin typeface="+mn-lt"/>
+        <a:ea typeface="+mn-ea"/>
+        <a:cs typeface="+mn-cs"/>
+      </a:defRPr>
+    </a:lvl3pPr>
+    <a:lvl4pPr marL="1371600" algn="l" defTabSz="914400" rtl="0" eaLnBrk="1" latinLnBrk="0" hangingPunct="1">
+      <a:defRPr sz="1200" kern="1200">
+        <a:solidFill>
+          <a:schemeClr val="tx1"/>
+        </a:solidFill>
+        <a:latin typeface="+mn-lt"/>
+        <a:ea typeface="+mn-ea"/>
+        <a:cs typeface="+mn-cs"/>
+      </a:defRPr>
+    </a:lvl4pPr>
+    <a:lvl5pPr marL="1828800" algn="l" defTabSz="914400" rtl="0" eaLnBrk="1" latinLnBrk="0" hangingPunct="1">
+      <a:defRPr sz="1200" kern="1200">
+        <a:solidFill>
+          <a:schemeClr val="tx1"/>
+        </a:solidFill>
+        <a:latin typeface="+mn-lt"/>
+        <a:ea typeface="+mn-ea"/>
+        <a:cs typeface="+mn-cs"/>
+      </a:defRPr>
+    </a:lvl5pPr>
+    <a:lvl6pPr marL="2286000" algn="l" defTabSz="914400" rtl="0" eaLnBrk="1" latinLnBrk="0" hangingPunct="1">
+      <a:defRPr sz="1200" kern="1200">
+        <a:solidFill>
+          <a:schemeClr val="tx1"/>
+        </a:solidFill>
+        <a:latin typeface="+mn-lt"/>
+        <a:ea typeface="+mn-ea"/>
+        <a:cs typeface="+mn-cs"/>
+      </a:defRPr>
+    </a:lvl6pPr>
+    <a:lvl7pPr marL="2743200" algn="l" defTabSz="914400" rtl="0" eaLnBrk="1" latinLnBrk="0" hangingPunct="1">
+      <a:defRPr sz="1200" kern="1200">
+        <a:solidFill>
+          <a:schemeClr val="tx1"/>
+        </a:solidFill>
+        <a:latin typeface="+mn-lt"/>
+        <a:ea typeface="+mn-ea"/>
+        <a:cs typeface="+mn-cs"/>
+      </a:defRPr>
+    </a:lvl7pPr>
+    <a:lvl8pPr marL="3200400" algn="l" defTabSz="914400" rtl="0" eaLnBrk="1" latinLnBrk="0" hangingPunct="1">
+      <a:defRPr sz="1200" kern="1200">
+        <a:solidFill>
+          <a:schemeClr val="tx1"/>
+        </a:solidFill>
+        <a:latin typeface="+mn-lt"/>
+        <a:ea typeface="+mn-ea"/>
+        <a:cs typeface="+mn-cs"/>
+      </a:defRPr>
+    </a:lvl8pPr>
+    <a:lvl9pPr marL="3657600" algn="l" defTabSz="914400" rtl="0" eaLnBrk="1" latinLnBrk="0" hangingPunct="1">
+      <a:defRPr sz="1200" kern="1200">
+        <a:solidFill>
+          <a:schemeClr val="tx1"/>
+        </a:solidFill>
+        <a:latin typeface="+mn-lt"/>
+        <a:ea typeface="+mn-ea"/>
+        <a:cs typeface="+mn-cs"/>
+      </a:defRPr>
+    </a:lvl9pPr>
+  </p:notesStyle>
+</p:notesMaster>
+</file>
+
+<file path=ppt/notesSlides/notesSlide1.xml><?xml version="1.0" encoding="utf-8"?>
+<p:notes xmlns:a="http://schemas.openxmlformats.org/drawingml/2006/main" xmlns:r="http://schemas.openxmlformats.org/officeDocument/2006/relationships" xmlns:p="http://schemas.openxmlformats.org/presentationml/2006/main">
+  <p:cSld>
+    <p:spTree>
+      <p:nvGrpSpPr>
+        <p:cNvPr id="1" name=""/>
+        <p:cNvGrpSpPr/>
+        <p:nvPr/>
+      </p:nvGrpSpPr>
+      <p:grpSpPr>
+        <a:xfrm>
+          <a:off x="0" y="0"/>
+          <a:ext cx="0" cy="0"/>
+          <a:chOff x="0" y="0"/>
+          <a:chExt cx="0" cy="0"/>
+        </a:xfrm>
+      </p:grpSpPr>
+      <p:sp>
+        <p:nvSpPr>
+          <p:cNvPr id="2" name="Slide Image Placeholder 1"/>
+          <p:cNvSpPr>
+            <a:spLocks noGrp="1" noRot="1" noChangeAspect="1"/>
+          </p:cNvSpPr>
+          <p:nvPr>
+            <p:ph type="sldImg"/>
+          </p:nvPr>
+        </p:nvSpPr>
+        <p:spPr/>
+      </p:sp>
+      <p:sp>
+        <p:nvSpPr>
+          <p:cNvPr id="3" name="Notes Placeholder 2"/>
+          <p:cNvSpPr>
+            <a:spLocks noGrp="1"/>
+          </p:cNvSpPr>
+          <p:nvPr>
+            <p:ph type="body" idx="1"/>
+          </p:nvPr>
+        </p:nvSpPr>
+        <p:spPr/>
+        <p:txBody>
+          <a:bodyPr/>
+          <a:lstStyle/>
+          <a:p>
+            <a:r>
+              <a:rPr lang="bg-BG" noProof="0" dirty="0" smtClean="0"/>
+              <a:t>Уводни думи</a:t>
+            </a:r>
+            <a:endParaRPr lang="en-US" noProof="0" dirty="0" smtClean="0"/>
+          </a:p>
+          <a:p>
+            <a:r>
+              <a:rPr lang="bg-BG" noProof="0" dirty="0" smtClean="0"/>
+              <a:t>Благорарнисти</a:t>
+            </a:r>
+            <a:r>
+              <a:rPr lang="bg-BG" baseline="0" noProof="0" dirty="0" smtClean="0"/>
+              <a:t> на доц. Ал. Ди. за насоиките И градивната критика</a:t>
+            </a:r>
+          </a:p>
+          <a:p>
+            <a:r>
+              <a:rPr lang="bg-BG" baseline="0" noProof="0" dirty="0" smtClean="0"/>
+              <a:t>Както</a:t>
+            </a:r>
+            <a:r>
+              <a:rPr lang="en-US" baseline="0" noProof="0" dirty="0" smtClean="0"/>
+              <a:t> </a:t>
+            </a:r>
+            <a:r>
+              <a:rPr lang="bg-BG" baseline="0" noProof="0" dirty="0" smtClean="0"/>
+              <a:t>и проф. Боян Бончев за рецензиата</a:t>
+            </a:r>
+            <a:r>
+              <a:rPr lang="en-US" baseline="0" noProof="0" dirty="0" smtClean="0"/>
+              <a:t> ,</a:t>
+            </a:r>
+            <a:r>
+              <a:rPr lang="bg-BG" baseline="0" noProof="0" dirty="0" smtClean="0"/>
+              <a:t>и че ме допусна до защита</a:t>
+            </a:r>
+            <a:endParaRPr lang="bg-BG" noProof="0" dirty="0"/>
+          </a:p>
+        </p:txBody>
+      </p:sp>
+      <p:sp>
+        <p:nvSpPr>
+          <p:cNvPr id="4" name="Slide Number Placeholder 3"/>
+          <p:cNvSpPr>
+            <a:spLocks noGrp="1"/>
+          </p:cNvSpPr>
+          <p:nvPr>
+            <p:ph type="sldNum" sz="quarter" idx="10"/>
+          </p:nvPr>
+        </p:nvSpPr>
+        <p:spPr/>
+        <p:txBody>
+          <a:bodyPr/>
+          <a:lstStyle/>
+          <a:p>
+            <a:fld id="{01ECCEA3-DB77-47E6-A786-079AB26F3D21}" type="slidenum">
+              <a:rPr lang="bg-BG" smtClean="0"/>
+              <a:t>1</a:t>
+            </a:fld>
+            <a:endParaRPr lang="bg-BG"/>
+          </a:p>
+        </p:txBody>
+      </p:sp>
+    </p:spTree>
+    <p:extLst>
+      <p:ext uri="{BB962C8B-B14F-4D97-AF65-F5344CB8AC3E}">
+        <p14:creationId xmlns:p14="http://schemas.microsoft.com/office/powerpoint/2010/main" val="1547251191"/>
+      </p:ext>
+    </p:extLst>
+  </p:cSld>
+  <p:clrMapOvr>
+    <a:masterClrMapping/>
+  </p:clrMapOvr>
+</p:notes>
+</file>
+
+<file path=ppt/notesSlides/notesSlide10.xml><?xml version="1.0" encoding="utf-8"?>
+<p:notes xmlns:a="http://schemas.openxmlformats.org/drawingml/2006/main" xmlns:r="http://schemas.openxmlformats.org/officeDocument/2006/relationships" xmlns:p="http://schemas.openxmlformats.org/presentationml/2006/main">
+  <p:cSld>
+    <p:spTree>
+      <p:nvGrpSpPr>
+        <p:cNvPr id="1" name=""/>
+        <p:cNvGrpSpPr/>
+        <p:nvPr/>
+      </p:nvGrpSpPr>
+      <p:grpSpPr>
+        <a:xfrm>
+          <a:off x="0" y="0"/>
+          <a:ext cx="0" cy="0"/>
+          <a:chOff x="0" y="0"/>
+          <a:chExt cx="0" cy="0"/>
+        </a:xfrm>
+      </p:grpSpPr>
+      <p:sp>
+        <p:nvSpPr>
+          <p:cNvPr id="2" name="Slide Image Placeholder 1"/>
+          <p:cNvSpPr>
+            <a:spLocks noGrp="1" noRot="1" noChangeAspect="1"/>
+          </p:cNvSpPr>
+          <p:nvPr>
+            <p:ph type="sldImg"/>
+          </p:nvPr>
+        </p:nvSpPr>
+        <p:spPr/>
+      </p:sp>
+      <p:sp>
+        <p:nvSpPr>
+          <p:cNvPr id="3" name="Notes Placeholder 2"/>
+          <p:cNvSpPr>
+            <a:spLocks noGrp="1"/>
+          </p:cNvSpPr>
+          <p:nvPr>
+            <p:ph type="body" idx="1"/>
+          </p:nvPr>
+        </p:nvSpPr>
+        <p:spPr/>
+        <p:txBody>
+          <a:bodyPr/>
+          <a:lstStyle/>
+          <a:p>
+            <a:r>
+              <a:rPr lang="bg-BG" noProof="0" dirty="0" smtClean="0"/>
+              <a:t>Визуално</a:t>
+            </a:r>
+            <a:r>
+              <a:rPr lang="bg-BG" baseline="0" noProof="0" dirty="0" smtClean="0"/>
+              <a:t> представяне на слоевете.</a:t>
+            </a:r>
+            <a:endParaRPr lang="bg-BG" noProof="0" dirty="0" smtClean="0"/>
+          </a:p>
+          <a:p>
+            <a:r>
+              <a:rPr lang="bg-BG" noProof="0" dirty="0" smtClean="0"/>
+              <a:t>Като</a:t>
+            </a:r>
+            <a:r>
+              <a:rPr lang="bg-BG" baseline="0" noProof="0" dirty="0" smtClean="0"/>
+              <a:t> правило: </a:t>
+            </a:r>
+            <a:r>
+              <a:rPr lang="bg-BG" noProof="0" dirty="0" smtClean="0"/>
+              <a:t>само</a:t>
+            </a:r>
+            <a:r>
+              <a:rPr lang="bg-BG" baseline="0" noProof="0" dirty="0" smtClean="0"/>
+              <a:t> два съседни слоя могат да комуникират по между си</a:t>
+            </a:r>
+            <a:endParaRPr lang="bg-BG" noProof="0" dirty="0"/>
+          </a:p>
+        </p:txBody>
+      </p:sp>
+      <p:sp>
+        <p:nvSpPr>
+          <p:cNvPr id="4" name="Slide Number Placeholder 3"/>
+          <p:cNvSpPr>
+            <a:spLocks noGrp="1"/>
+          </p:cNvSpPr>
+          <p:nvPr>
+            <p:ph type="sldNum" sz="quarter" idx="10"/>
+          </p:nvPr>
+        </p:nvSpPr>
+        <p:spPr/>
+        <p:txBody>
+          <a:bodyPr/>
+          <a:lstStyle/>
+          <a:p>
+            <a:fld id="{01ECCEA3-DB77-47E6-A786-079AB26F3D21}" type="slidenum">
+              <a:rPr lang="bg-BG" smtClean="0"/>
+              <a:t>10</a:t>
+            </a:fld>
+            <a:endParaRPr lang="bg-BG"/>
+          </a:p>
+        </p:txBody>
+      </p:sp>
+    </p:spTree>
+    <p:extLst>
+      <p:ext uri="{BB962C8B-B14F-4D97-AF65-F5344CB8AC3E}">
+        <p14:creationId xmlns:p14="http://schemas.microsoft.com/office/powerpoint/2010/main" val="2756462439"/>
+      </p:ext>
+    </p:extLst>
+  </p:cSld>
+  <p:clrMapOvr>
+    <a:masterClrMapping/>
+  </p:clrMapOvr>
+</p:notes>
+</file>
+
+<file path=ppt/notesSlides/notesSlide11.xml><?xml version="1.0" encoding="utf-8"?>
+<p:notes xmlns:a="http://schemas.openxmlformats.org/drawingml/2006/main" xmlns:r="http://schemas.openxmlformats.org/officeDocument/2006/relationships" xmlns:p="http://schemas.openxmlformats.org/presentationml/2006/main">
+  <p:cSld>
+    <p:spTree>
+      <p:nvGrpSpPr>
+        <p:cNvPr id="1" name=""/>
+        <p:cNvGrpSpPr/>
+        <p:nvPr/>
+      </p:nvGrpSpPr>
+      <p:grpSpPr>
+        <a:xfrm>
+          <a:off x="0" y="0"/>
+          <a:ext cx="0" cy="0"/>
+          <a:chOff x="0" y="0"/>
+          <a:chExt cx="0" cy="0"/>
+        </a:xfrm>
+      </p:grpSpPr>
+      <p:sp>
+        <p:nvSpPr>
+          <p:cNvPr id="2" name="Slide Image Placeholder 1"/>
+          <p:cNvSpPr>
+            <a:spLocks noGrp="1" noRot="1" noChangeAspect="1"/>
+          </p:cNvSpPr>
+          <p:nvPr>
+            <p:ph type="sldImg"/>
+          </p:nvPr>
+        </p:nvSpPr>
+        <p:spPr/>
+      </p:sp>
+      <p:sp>
+        <p:nvSpPr>
+          <p:cNvPr id="3" name="Notes Placeholder 2"/>
+          <p:cNvSpPr>
+            <a:spLocks noGrp="1"/>
+          </p:cNvSpPr>
+          <p:nvPr>
+            <p:ph type="body" idx="1"/>
+          </p:nvPr>
+        </p:nvSpPr>
+        <p:spPr/>
+        <p:txBody>
+          <a:bodyPr/>
+          <a:lstStyle/>
+          <a:p>
+            <a:r>
+              <a:rPr lang="en-US" dirty="0" err="1" smtClean="0"/>
+              <a:t>Това</a:t>
+            </a:r>
+            <a:r>
+              <a:rPr lang="en-US" baseline="0" dirty="0" smtClean="0"/>
+              <a:t> е </a:t>
+            </a:r>
+            <a:r>
+              <a:rPr lang="en-US" baseline="0" dirty="0" err="1" smtClean="0"/>
+              <a:t>основната</a:t>
+            </a:r>
+            <a:r>
+              <a:rPr lang="en-US" baseline="0" dirty="0" smtClean="0"/>
+              <a:t> </a:t>
+            </a:r>
+            <a:r>
+              <a:rPr lang="en-US" baseline="0" dirty="0" err="1" smtClean="0"/>
+              <a:t>пакетна</a:t>
+            </a:r>
+            <a:r>
+              <a:rPr lang="en-US" baseline="0" dirty="0" smtClean="0"/>
+              <a:t> </a:t>
+            </a:r>
+            <a:r>
+              <a:rPr lang="en-US" baseline="0" dirty="0" err="1" smtClean="0"/>
+              <a:t>диаграма</a:t>
+            </a:r>
+            <a:r>
+              <a:rPr lang="en-US" baseline="0" dirty="0" smtClean="0"/>
+              <a:t> </a:t>
+            </a:r>
+            <a:r>
+              <a:rPr lang="en-US" baseline="0" dirty="0" err="1" smtClean="0"/>
+              <a:t>на</a:t>
+            </a:r>
+            <a:r>
+              <a:rPr lang="en-US" baseline="0" dirty="0" smtClean="0"/>
+              <a:t> </a:t>
+            </a:r>
+            <a:r>
+              <a:rPr lang="en-US" baseline="0" dirty="0" err="1" smtClean="0"/>
+              <a:t>инструмента</a:t>
+            </a:r>
+            <a:r>
+              <a:rPr lang="en-US" baseline="0" dirty="0" smtClean="0"/>
+              <a:t>.</a:t>
+            </a:r>
+          </a:p>
+          <a:p>
+            <a:r>
+              <a:rPr lang="en-US" baseline="0" dirty="0" err="1" smtClean="0"/>
+              <a:t>Като</a:t>
+            </a:r>
+            <a:r>
+              <a:rPr lang="en-US" baseline="0" dirty="0" smtClean="0"/>
+              <a:t> </a:t>
+            </a:r>
+            <a:r>
+              <a:rPr lang="en-US" baseline="0" dirty="0" err="1" smtClean="0"/>
+              <a:t>хоризонтално</a:t>
+            </a:r>
+            <a:r>
+              <a:rPr lang="en-US" baseline="0" dirty="0" smtClean="0"/>
+              <a:t> </a:t>
+            </a:r>
+            <a:r>
+              <a:rPr lang="en-US" baseline="0" dirty="0" err="1" smtClean="0"/>
+              <a:t>тя</a:t>
+            </a:r>
+            <a:r>
+              <a:rPr lang="en-US" baseline="0" dirty="0" smtClean="0"/>
+              <a:t> </a:t>
+            </a:r>
+            <a:r>
+              <a:rPr lang="en-US" baseline="0" dirty="0" err="1" smtClean="0"/>
+              <a:t>следва</a:t>
+            </a:r>
+            <a:r>
+              <a:rPr lang="en-US" baseline="0" dirty="0" smtClean="0"/>
+              <a:t> </a:t>
+            </a:r>
+            <a:r>
+              <a:rPr lang="en-US" baseline="0" dirty="0" err="1" smtClean="0"/>
+              <a:t>представените</a:t>
+            </a:r>
+            <a:r>
+              <a:rPr lang="en-US" baseline="0" dirty="0" smtClean="0"/>
+              <a:t> </a:t>
+            </a:r>
+            <a:r>
+              <a:rPr lang="en-US" baseline="0" dirty="0" err="1" smtClean="0"/>
+              <a:t>преди</a:t>
+            </a:r>
+            <a:r>
+              <a:rPr lang="en-US" baseline="0" dirty="0" smtClean="0"/>
+              <a:t> </a:t>
+            </a:r>
+            <a:r>
+              <a:rPr lang="en-US" baseline="0" dirty="0" err="1" smtClean="0"/>
+              <a:t>малко</a:t>
+            </a:r>
+            <a:r>
+              <a:rPr lang="en-US" baseline="0" dirty="0" smtClean="0"/>
+              <a:t> </a:t>
+            </a:r>
+            <a:r>
+              <a:rPr lang="en-US" baseline="0" dirty="0" err="1" smtClean="0"/>
+              <a:t>слоеве</a:t>
+            </a:r>
+            <a:r>
+              <a:rPr lang="en-US" baseline="0" dirty="0" smtClean="0"/>
+              <a:t>.</a:t>
+            </a:r>
+          </a:p>
+          <a:p>
+            <a:r>
+              <a:rPr lang="en-US" baseline="0" dirty="0" err="1" smtClean="0"/>
+              <a:t>Докат</a:t>
+            </a:r>
+            <a:r>
+              <a:rPr lang="en-US" baseline="0" dirty="0" smtClean="0"/>
+              <a:t> </a:t>
+            </a:r>
+            <a:r>
+              <a:rPr lang="en-US" baseline="0" dirty="0" err="1" smtClean="0"/>
+              <a:t>вертикално</a:t>
+            </a:r>
+            <a:r>
+              <a:rPr lang="en-US" baseline="0" dirty="0" smtClean="0"/>
+              <a:t> </a:t>
+            </a:r>
+            <a:r>
+              <a:rPr lang="en-US" baseline="0" dirty="0" err="1" smtClean="0"/>
+              <a:t>се</a:t>
+            </a:r>
+            <a:r>
+              <a:rPr lang="en-US" baseline="0" dirty="0" smtClean="0"/>
+              <a:t> </a:t>
+            </a:r>
+            <a:r>
+              <a:rPr lang="en-US" baseline="0" dirty="0" err="1" smtClean="0"/>
+              <a:t>разделя</a:t>
+            </a:r>
+            <a:r>
+              <a:rPr lang="en-US" baseline="0" dirty="0" smtClean="0"/>
+              <a:t> </a:t>
+            </a:r>
+            <a:r>
+              <a:rPr lang="en-US" baseline="0" dirty="0" err="1" smtClean="0"/>
+              <a:t>на</a:t>
+            </a:r>
+            <a:r>
+              <a:rPr lang="en-US" baseline="0" dirty="0" smtClean="0"/>
+              <a:t> </a:t>
+            </a:r>
+            <a:r>
+              <a:rPr lang="en-US" baseline="0" dirty="0" err="1" smtClean="0"/>
+              <a:t>базова</a:t>
+            </a:r>
+            <a:r>
+              <a:rPr lang="en-US" baseline="0" dirty="0" smtClean="0"/>
+              <a:t> и </a:t>
+            </a:r>
+            <a:r>
+              <a:rPr lang="en-US" baseline="0" dirty="0" err="1" smtClean="0"/>
+              <a:t>специфична</a:t>
+            </a:r>
+            <a:r>
+              <a:rPr lang="en-US" baseline="0" dirty="0" smtClean="0"/>
+              <a:t> </a:t>
+            </a:r>
+            <a:r>
+              <a:rPr lang="en-US" baseline="0" dirty="0" err="1" smtClean="0"/>
+              <a:t>част</a:t>
+            </a:r>
+            <a:r>
+              <a:rPr lang="en-US" baseline="0" dirty="0" smtClean="0"/>
+              <a:t>.</a:t>
+            </a:r>
+          </a:p>
+          <a:p>
+            <a:pPr marL="171450" indent="-171450">
+              <a:buFont typeface="Arial" charset="0"/>
+              <a:buChar char="•"/>
+            </a:pPr>
+            <a:r>
+              <a:rPr lang="en-US" baseline="0" dirty="0" err="1" smtClean="0"/>
+              <a:t>Базовата</a:t>
+            </a:r>
+            <a:r>
+              <a:rPr lang="en-US" baseline="0" dirty="0" smtClean="0"/>
+              <a:t> </a:t>
+            </a:r>
+            <a:r>
+              <a:rPr lang="en-US" baseline="0" dirty="0" err="1" smtClean="0"/>
+              <a:t>част</a:t>
+            </a:r>
+            <a:r>
+              <a:rPr lang="en-US" baseline="0" dirty="0" smtClean="0"/>
+              <a:t> </a:t>
+            </a:r>
+            <a:r>
+              <a:rPr lang="en-US" baseline="0" dirty="0" err="1" smtClean="0"/>
+              <a:t>представя</a:t>
+            </a:r>
+            <a:r>
+              <a:rPr lang="en-US" baseline="0" dirty="0" smtClean="0"/>
+              <a:t> </a:t>
+            </a:r>
+            <a:r>
+              <a:rPr lang="en-US" baseline="0" dirty="0" err="1" smtClean="0"/>
+              <a:t>основните</a:t>
+            </a:r>
+            <a:r>
+              <a:rPr lang="en-US" baseline="0" dirty="0" smtClean="0"/>
+              <a:t> </a:t>
+            </a:r>
+            <a:r>
+              <a:rPr lang="en-US" baseline="0" dirty="0" err="1" smtClean="0"/>
+              <a:t>средства</a:t>
+            </a:r>
+            <a:r>
+              <a:rPr lang="en-US" baseline="0" dirty="0" smtClean="0"/>
+              <a:t> </a:t>
+            </a:r>
+            <a:r>
+              <a:rPr lang="en-US" baseline="0" dirty="0" err="1" smtClean="0"/>
+              <a:t>за</a:t>
+            </a:r>
+            <a:r>
+              <a:rPr lang="en-US" baseline="0" dirty="0" smtClean="0"/>
+              <a:t> </a:t>
+            </a:r>
+            <a:r>
+              <a:rPr lang="en-US" baseline="0" dirty="0" err="1" smtClean="0"/>
+              <a:t>реализиране</a:t>
+            </a:r>
+            <a:r>
+              <a:rPr lang="en-US" baseline="0" dirty="0" smtClean="0"/>
+              <a:t> </a:t>
+            </a:r>
+            <a:r>
+              <a:rPr lang="en-US" baseline="0" dirty="0" err="1" smtClean="0"/>
+              <a:t>на</a:t>
+            </a:r>
+            <a:r>
+              <a:rPr lang="en-US" baseline="0" dirty="0" smtClean="0"/>
+              <a:t> </a:t>
+            </a:r>
+            <a:r>
+              <a:rPr lang="en-US" baseline="0" dirty="0" err="1" smtClean="0"/>
+              <a:t>инструмент</a:t>
+            </a:r>
+            <a:r>
+              <a:rPr lang="en-US" baseline="0" dirty="0" smtClean="0"/>
+              <a:t> </a:t>
+            </a:r>
+            <a:r>
+              <a:rPr lang="en-US" baseline="0" dirty="0" err="1" smtClean="0"/>
+              <a:t>без</a:t>
+            </a:r>
+            <a:r>
+              <a:rPr lang="en-US" baseline="0" dirty="0" smtClean="0"/>
+              <a:t> </a:t>
+            </a:r>
+            <a:r>
+              <a:rPr lang="en-US" baseline="0" dirty="0" err="1" smtClean="0"/>
+              <a:t>имплементирането</a:t>
+            </a:r>
+            <a:r>
+              <a:rPr lang="en-US" baseline="0" dirty="0" smtClean="0"/>
+              <a:t> </a:t>
+            </a:r>
+            <a:r>
+              <a:rPr lang="en-US" baseline="0" dirty="0" err="1" smtClean="0"/>
+              <a:t>на</a:t>
+            </a:r>
+            <a:r>
+              <a:rPr lang="en-US" baseline="0" dirty="0" smtClean="0"/>
+              <a:t> </a:t>
+            </a:r>
+            <a:r>
+              <a:rPr lang="en-US" baseline="0" dirty="0" err="1" smtClean="0"/>
+              <a:t>конкретни</a:t>
+            </a:r>
+            <a:r>
+              <a:rPr lang="en-US" baseline="0" dirty="0" smtClean="0"/>
+              <a:t> </a:t>
+            </a:r>
+            <a:r>
+              <a:rPr lang="en-US" baseline="0" dirty="0" err="1" smtClean="0"/>
+              <a:t>критерии</a:t>
+            </a:r>
+            <a:endParaRPr lang="en-US" baseline="0" dirty="0" smtClean="0"/>
+          </a:p>
+          <a:p>
+            <a:pPr marL="171450" indent="-171450">
+              <a:buFont typeface="Arial" charset="0"/>
+              <a:buChar char="•"/>
+            </a:pPr>
+            <a:r>
+              <a:rPr lang="en-US" baseline="0" dirty="0" smtClean="0"/>
+              <a:t>В </a:t>
+            </a:r>
+            <a:r>
+              <a:rPr lang="en-US" baseline="0" dirty="0" err="1" smtClean="0"/>
+              <a:t>специфичната</a:t>
+            </a:r>
+            <a:r>
+              <a:rPr lang="en-US" baseline="0" dirty="0" smtClean="0"/>
+              <a:t> </a:t>
+            </a:r>
+            <a:r>
+              <a:rPr lang="en-US" baseline="0" dirty="0" err="1" smtClean="0"/>
+              <a:t>част</a:t>
+            </a:r>
+            <a:r>
+              <a:rPr lang="en-US" baseline="0" dirty="0" smtClean="0"/>
+              <a:t> </a:t>
+            </a:r>
+            <a:r>
+              <a:rPr lang="en-US" baseline="0" dirty="0" err="1" smtClean="0"/>
+              <a:t>се</a:t>
+            </a:r>
+            <a:r>
+              <a:rPr lang="en-US" baseline="0" dirty="0" smtClean="0"/>
+              <a:t> </a:t>
+            </a:r>
+            <a:r>
+              <a:rPr lang="en-US" baseline="0" dirty="0" err="1" smtClean="0"/>
+              <a:t>дефеинират</a:t>
+            </a:r>
+            <a:r>
+              <a:rPr lang="en-US" baseline="0" dirty="0" smtClean="0"/>
+              <a:t> </a:t>
+            </a:r>
+            <a:r>
+              <a:rPr lang="en-US" baseline="0" dirty="0" err="1" smtClean="0"/>
+              <a:t>критериите</a:t>
+            </a:r>
+            <a:r>
+              <a:rPr lang="en-US" baseline="0" dirty="0" smtClean="0"/>
+              <a:t> </a:t>
+            </a:r>
+            <a:r>
+              <a:rPr lang="en-US" baseline="0" dirty="0" err="1" smtClean="0"/>
+              <a:t>за</a:t>
+            </a:r>
+            <a:r>
+              <a:rPr lang="en-US" baseline="0" dirty="0" smtClean="0"/>
+              <a:t> </a:t>
+            </a:r>
+            <a:r>
+              <a:rPr lang="en-US" baseline="0" dirty="0" err="1" smtClean="0"/>
+              <a:t>всяка</a:t>
+            </a:r>
+            <a:r>
+              <a:rPr lang="en-US" baseline="0" dirty="0" smtClean="0"/>
+              <a:t> </a:t>
+            </a:r>
+            <a:r>
+              <a:rPr lang="en-US" baseline="0" dirty="0" err="1" smtClean="0"/>
+              <a:t>една</a:t>
+            </a:r>
+            <a:r>
+              <a:rPr lang="en-US" baseline="0" dirty="0" smtClean="0"/>
+              <a:t> </a:t>
+            </a:r>
+            <a:r>
+              <a:rPr lang="en-US" baseline="0" dirty="0" err="1" smtClean="0"/>
+              <a:t>архитектура</a:t>
+            </a:r>
+            <a:r>
+              <a:rPr lang="en-US" baseline="0" dirty="0" smtClean="0"/>
+              <a:t> </a:t>
+            </a:r>
+            <a:r>
+              <a:rPr lang="en-US" baseline="0" dirty="0" err="1" smtClean="0"/>
+              <a:t>по</a:t>
+            </a:r>
+            <a:r>
+              <a:rPr lang="en-US" baseline="0" dirty="0" smtClean="0"/>
+              <a:t> </a:t>
+            </a:r>
+            <a:r>
+              <a:rPr lang="en-US" baseline="0" dirty="0" err="1" smtClean="0"/>
+              <a:t>отделно</a:t>
+            </a:r>
+            <a:endParaRPr lang="bg-BG" dirty="0"/>
+          </a:p>
+        </p:txBody>
+      </p:sp>
+      <p:sp>
+        <p:nvSpPr>
+          <p:cNvPr id="4" name="Slide Number Placeholder 3"/>
+          <p:cNvSpPr>
+            <a:spLocks noGrp="1"/>
+          </p:cNvSpPr>
+          <p:nvPr>
+            <p:ph type="sldNum" sz="quarter" idx="10"/>
+          </p:nvPr>
+        </p:nvSpPr>
+        <p:spPr/>
+        <p:txBody>
+          <a:bodyPr/>
+          <a:lstStyle/>
+          <a:p>
+            <a:fld id="{01ECCEA3-DB77-47E6-A786-079AB26F3D21}" type="slidenum">
+              <a:rPr lang="bg-BG" smtClean="0"/>
+              <a:t>11</a:t>
+            </a:fld>
+            <a:endParaRPr lang="bg-BG"/>
+          </a:p>
+        </p:txBody>
+      </p:sp>
+    </p:spTree>
+    <p:extLst>
+      <p:ext uri="{BB962C8B-B14F-4D97-AF65-F5344CB8AC3E}">
+        <p14:creationId xmlns:p14="http://schemas.microsoft.com/office/powerpoint/2010/main" val="1155102133"/>
+      </p:ext>
+    </p:extLst>
+  </p:cSld>
+  <p:clrMapOvr>
+    <a:masterClrMapping/>
+  </p:clrMapOvr>
+</p:notes>
+</file>
+
+<file path=ppt/notesSlides/notesSlide12.xml><?xml version="1.0" encoding="utf-8"?>
+<p:notes xmlns:a="http://schemas.openxmlformats.org/drawingml/2006/main" xmlns:r="http://schemas.openxmlformats.org/officeDocument/2006/relationships" xmlns:p="http://schemas.openxmlformats.org/presentationml/2006/main">
+  <p:cSld>
+    <p:spTree>
+      <p:nvGrpSpPr>
+        <p:cNvPr id="1" name=""/>
+        <p:cNvGrpSpPr/>
+        <p:nvPr/>
+      </p:nvGrpSpPr>
+      <p:grpSpPr>
+        <a:xfrm>
+          <a:off x="0" y="0"/>
+          <a:ext cx="0" cy="0"/>
+          <a:chOff x="0" y="0"/>
+          <a:chExt cx="0" cy="0"/>
+        </a:xfrm>
+      </p:grpSpPr>
+      <p:sp>
+        <p:nvSpPr>
+          <p:cNvPr id="2" name="Slide Image Placeholder 1"/>
+          <p:cNvSpPr>
+            <a:spLocks noGrp="1" noRot="1" noChangeAspect="1"/>
+          </p:cNvSpPr>
+          <p:nvPr>
+            <p:ph type="sldImg"/>
+          </p:nvPr>
+        </p:nvSpPr>
+        <p:spPr/>
+      </p:sp>
+      <p:sp>
+        <p:nvSpPr>
+          <p:cNvPr id="3" name="Notes Placeholder 2"/>
+          <p:cNvSpPr>
+            <a:spLocks noGrp="1"/>
+          </p:cNvSpPr>
+          <p:nvPr>
+            <p:ph type="body" idx="1"/>
+          </p:nvPr>
+        </p:nvSpPr>
+        <p:spPr/>
+        <p:txBody>
+          <a:bodyPr/>
+          <a:lstStyle/>
+          <a:p>
+            <a:r>
+              <a:rPr lang="en-US" dirty="0" err="1" smtClean="0"/>
+              <a:t>ArchExtractor</a:t>
+            </a:r>
+            <a:r>
+              <a:rPr lang="en-US" baseline="0" dirty="0" smtClean="0"/>
+              <a:t> е </a:t>
+            </a:r>
+            <a:r>
+              <a:rPr lang="en-US" baseline="0" dirty="0" err="1" smtClean="0"/>
+              <a:t>разработен</a:t>
+            </a:r>
+            <a:r>
+              <a:rPr lang="en-US" baseline="0" dirty="0" smtClean="0"/>
+              <a:t> в UML </a:t>
+            </a:r>
+            <a:r>
+              <a:rPr lang="en-US" baseline="0" dirty="0" err="1" smtClean="0"/>
+              <a:t>модел</a:t>
+            </a:r>
+            <a:r>
+              <a:rPr lang="en-US" baseline="0" dirty="0" smtClean="0"/>
+              <a:t>, </a:t>
+            </a:r>
+            <a:r>
+              <a:rPr lang="en-US" baseline="0" dirty="0" err="1" smtClean="0"/>
+              <a:t>от</a:t>
+            </a:r>
+            <a:r>
+              <a:rPr lang="en-US" baseline="0" dirty="0" smtClean="0"/>
+              <a:t> </a:t>
+            </a:r>
+            <a:r>
+              <a:rPr lang="en-US" baseline="0" dirty="0" err="1" smtClean="0"/>
+              <a:t>който</a:t>
+            </a:r>
+            <a:r>
+              <a:rPr lang="en-US" baseline="0" dirty="0" smtClean="0"/>
+              <a:t> </a:t>
+            </a:r>
+            <a:r>
+              <a:rPr lang="en-US" baseline="0" dirty="0" err="1" smtClean="0"/>
+              <a:t>се</a:t>
+            </a:r>
+            <a:r>
+              <a:rPr lang="en-US" baseline="0" dirty="0" smtClean="0"/>
+              <a:t> </a:t>
+            </a:r>
+            <a:r>
+              <a:rPr lang="en-US" baseline="0" dirty="0" err="1" smtClean="0"/>
+              <a:t>генерира</a:t>
+            </a:r>
+            <a:r>
+              <a:rPr lang="en-US" baseline="0" dirty="0" smtClean="0"/>
+              <a:t> </a:t>
+            </a:r>
+            <a:r>
+              <a:rPr lang="en-US" baseline="0" dirty="0" err="1" smtClean="0"/>
+              <a:t>кода</a:t>
+            </a:r>
+            <a:r>
+              <a:rPr lang="en-US" baseline="0" dirty="0" smtClean="0"/>
+              <a:t> </a:t>
+            </a:r>
+            <a:r>
+              <a:rPr lang="en-US" baseline="0" dirty="0" err="1" smtClean="0"/>
+              <a:t>на</a:t>
+            </a:r>
+            <a:r>
+              <a:rPr lang="en-US" baseline="0" dirty="0" smtClean="0"/>
+              <a:t> </a:t>
+            </a:r>
+            <a:r>
+              <a:rPr lang="en-US" baseline="0" dirty="0" err="1" smtClean="0"/>
+              <a:t>инструмента</a:t>
+            </a:r>
+            <a:r>
+              <a:rPr lang="en-US" baseline="0" dirty="0" smtClean="0"/>
+              <a:t>.</a:t>
+            </a:r>
+          </a:p>
+          <a:p>
+            <a:r>
+              <a:rPr lang="en-US" baseline="0" dirty="0" err="1" smtClean="0"/>
+              <a:t>От</a:t>
+            </a:r>
+            <a:r>
+              <a:rPr lang="en-US" baseline="0" dirty="0" smtClean="0"/>
+              <a:t> </a:t>
+            </a:r>
+            <a:r>
+              <a:rPr lang="en-US" baseline="0" dirty="0" err="1" smtClean="0"/>
+              <a:t>същия</a:t>
+            </a:r>
+            <a:r>
+              <a:rPr lang="en-US" baseline="0" dirty="0" smtClean="0"/>
+              <a:t> </a:t>
+            </a:r>
+            <a:r>
+              <a:rPr lang="en-US" baseline="0" dirty="0" err="1" smtClean="0"/>
+              <a:t>този</a:t>
+            </a:r>
+            <a:r>
+              <a:rPr lang="en-US" baseline="0" dirty="0" smtClean="0"/>
+              <a:t> </a:t>
+            </a:r>
+            <a:r>
+              <a:rPr lang="en-US" baseline="0" dirty="0" err="1" smtClean="0"/>
+              <a:t>модел</a:t>
+            </a:r>
+            <a:r>
+              <a:rPr lang="en-US" baseline="0" dirty="0" smtClean="0"/>
+              <a:t> </a:t>
+            </a:r>
+            <a:r>
+              <a:rPr lang="en-US" baseline="0" dirty="0" err="1" smtClean="0"/>
+              <a:t>се</a:t>
+            </a:r>
+            <a:r>
+              <a:rPr lang="en-US" baseline="0" dirty="0" smtClean="0"/>
+              <a:t> </a:t>
+            </a:r>
+            <a:r>
+              <a:rPr lang="en-US" baseline="0" dirty="0" err="1" smtClean="0"/>
+              <a:t>генерират</a:t>
+            </a:r>
+            <a:r>
+              <a:rPr lang="en-US" baseline="0" dirty="0" smtClean="0"/>
+              <a:t> и </a:t>
+            </a:r>
+            <a:r>
+              <a:rPr lang="en-US" baseline="0" dirty="0" err="1" smtClean="0"/>
+              <a:t>модулни</a:t>
+            </a:r>
+            <a:r>
+              <a:rPr lang="en-US" baseline="0" dirty="0" smtClean="0"/>
+              <a:t> </a:t>
+            </a:r>
+            <a:r>
+              <a:rPr lang="en-US" baseline="0" dirty="0" err="1" smtClean="0"/>
+              <a:t>тестове</a:t>
+            </a:r>
+            <a:r>
+              <a:rPr lang="en-US" baseline="0" dirty="0" smtClean="0"/>
+              <a:t>.</a:t>
+            </a:r>
+          </a:p>
+          <a:p>
+            <a:r>
+              <a:rPr lang="en-US" dirty="0" err="1" smtClean="0"/>
+              <a:t>Съдържанието</a:t>
+            </a:r>
+            <a:r>
+              <a:rPr lang="en-US" baseline="0" dirty="0" smtClean="0"/>
+              <a:t> </a:t>
+            </a:r>
+            <a:r>
+              <a:rPr lang="en-US" baseline="0" dirty="0" err="1" smtClean="0"/>
+              <a:t>на</a:t>
+            </a:r>
+            <a:r>
+              <a:rPr lang="en-US" baseline="0" dirty="0" smtClean="0"/>
+              <a:t> </a:t>
+            </a:r>
+            <a:r>
+              <a:rPr lang="en-US" baseline="0" dirty="0" err="1" smtClean="0"/>
+              <a:t>методите</a:t>
+            </a:r>
+            <a:r>
+              <a:rPr lang="en-US" baseline="0" dirty="0" smtClean="0"/>
+              <a:t> </a:t>
+            </a:r>
+            <a:r>
+              <a:rPr lang="en-US" baseline="0" dirty="0" err="1" smtClean="0"/>
+              <a:t>се</a:t>
+            </a:r>
+            <a:r>
+              <a:rPr lang="en-US" baseline="0" dirty="0" smtClean="0"/>
+              <a:t> </a:t>
+            </a:r>
+            <a:r>
+              <a:rPr lang="en-US" baseline="0" dirty="0" err="1" smtClean="0"/>
+              <a:t>попълва</a:t>
+            </a:r>
+            <a:r>
+              <a:rPr lang="en-US" baseline="0" dirty="0" smtClean="0"/>
+              <a:t> </a:t>
+            </a:r>
+            <a:r>
+              <a:rPr lang="en-US" baseline="0" dirty="0" err="1" smtClean="0"/>
+              <a:t>ръчно</a:t>
+            </a:r>
+            <a:r>
+              <a:rPr lang="en-US" baseline="0" dirty="0" smtClean="0"/>
+              <a:t>.</a:t>
+            </a:r>
+            <a:endParaRPr lang="bg-BG" dirty="0"/>
+          </a:p>
+        </p:txBody>
+      </p:sp>
+      <p:sp>
+        <p:nvSpPr>
+          <p:cNvPr id="4" name="Slide Number Placeholder 3"/>
+          <p:cNvSpPr>
+            <a:spLocks noGrp="1"/>
+          </p:cNvSpPr>
+          <p:nvPr>
+            <p:ph type="sldNum" sz="quarter" idx="10"/>
+          </p:nvPr>
+        </p:nvSpPr>
+        <p:spPr/>
+        <p:txBody>
+          <a:bodyPr/>
+          <a:lstStyle/>
+          <a:p>
+            <a:fld id="{01ECCEA3-DB77-47E6-A786-079AB26F3D21}" type="slidenum">
+              <a:rPr lang="bg-BG" smtClean="0"/>
+              <a:t>12</a:t>
+            </a:fld>
+            <a:endParaRPr lang="bg-BG"/>
+          </a:p>
+        </p:txBody>
+      </p:sp>
+    </p:spTree>
+    <p:extLst>
+      <p:ext uri="{BB962C8B-B14F-4D97-AF65-F5344CB8AC3E}">
+        <p14:creationId xmlns:p14="http://schemas.microsoft.com/office/powerpoint/2010/main" val="306284598"/>
+      </p:ext>
+    </p:extLst>
+  </p:cSld>
+  <p:clrMapOvr>
+    <a:masterClrMapping/>
+  </p:clrMapOvr>
+</p:notes>
+</file>
+
+<file path=ppt/notesSlides/notesSlide13.xml><?xml version="1.0" encoding="utf-8"?>
+<p:notes xmlns:a="http://schemas.openxmlformats.org/drawingml/2006/main" xmlns:r="http://schemas.openxmlformats.org/officeDocument/2006/relationships" xmlns:p="http://schemas.openxmlformats.org/presentationml/2006/main">
+  <p:cSld>
+    <p:spTree>
+      <p:nvGrpSpPr>
+        <p:cNvPr id="1" name=""/>
+        <p:cNvGrpSpPr/>
+        <p:nvPr/>
+      </p:nvGrpSpPr>
+      <p:grpSpPr>
+        <a:xfrm>
+          <a:off x="0" y="0"/>
+          <a:ext cx="0" cy="0"/>
+          <a:chOff x="0" y="0"/>
+          <a:chExt cx="0" cy="0"/>
+        </a:xfrm>
+      </p:grpSpPr>
+      <p:sp>
+        <p:nvSpPr>
+          <p:cNvPr id="2" name="Slide Image Placeholder 1"/>
+          <p:cNvSpPr>
+            <a:spLocks noGrp="1" noRot="1" noChangeAspect="1"/>
+          </p:cNvSpPr>
+          <p:nvPr>
+            <p:ph type="sldImg"/>
+          </p:nvPr>
+        </p:nvSpPr>
+        <p:spPr/>
+      </p:sp>
+      <p:sp>
+        <p:nvSpPr>
+          <p:cNvPr id="3" name="Notes Placeholder 2"/>
+          <p:cNvSpPr>
+            <a:spLocks noGrp="1"/>
+          </p:cNvSpPr>
+          <p:nvPr>
+            <p:ph type="body" idx="1"/>
+          </p:nvPr>
+        </p:nvSpPr>
+        <p:spPr/>
+        <p:txBody>
+          <a:bodyPr/>
+          <a:lstStyle/>
+          <a:p>
+            <a:r>
+              <a:rPr lang="bg-BG" noProof="0" dirty="0" smtClean="0"/>
+              <a:t>Проучване и анализа</a:t>
+            </a:r>
+            <a:r>
+              <a:rPr lang="bg-BG" baseline="0" noProof="0" dirty="0" smtClean="0"/>
+              <a:t> на подобни инструменти.</a:t>
+            </a:r>
+          </a:p>
+          <a:p>
+            <a:r>
+              <a:rPr lang="bg-BG" baseline="0" noProof="0" dirty="0" smtClean="0"/>
+              <a:t>Проучване на възможните формати за представяне на UML.</a:t>
+            </a:r>
+          </a:p>
+          <a:p>
+            <a:r>
+              <a:rPr lang="bg-BG" baseline="0" noProof="0" dirty="0" smtClean="0"/>
+              <a:t>Концепция</a:t>
+            </a:r>
+          </a:p>
+          <a:p>
+            <a:r>
+              <a:rPr lang="bg-BG" baseline="0" noProof="0" dirty="0" smtClean="0"/>
+              <a:t>Дизайн, разработка и тестване на модули.</a:t>
+            </a:r>
+            <a:endParaRPr lang="bg-BG" noProof="0" dirty="0"/>
+          </a:p>
+        </p:txBody>
+      </p:sp>
+      <p:sp>
+        <p:nvSpPr>
+          <p:cNvPr id="4" name="Slide Number Placeholder 3"/>
+          <p:cNvSpPr>
+            <a:spLocks noGrp="1"/>
+          </p:cNvSpPr>
+          <p:nvPr>
+            <p:ph type="sldNum" sz="quarter" idx="10"/>
+          </p:nvPr>
+        </p:nvSpPr>
+        <p:spPr/>
+        <p:txBody>
+          <a:bodyPr/>
+          <a:lstStyle/>
+          <a:p>
+            <a:fld id="{01ECCEA3-DB77-47E6-A786-079AB26F3D21}" type="slidenum">
+              <a:rPr lang="bg-BG" smtClean="0"/>
+              <a:t>14</a:t>
+            </a:fld>
+            <a:endParaRPr lang="bg-BG"/>
+          </a:p>
+        </p:txBody>
+      </p:sp>
+    </p:spTree>
+    <p:extLst>
+      <p:ext uri="{BB962C8B-B14F-4D97-AF65-F5344CB8AC3E}">
+        <p14:creationId xmlns:p14="http://schemas.microsoft.com/office/powerpoint/2010/main" val="2264101686"/>
+      </p:ext>
+    </p:extLst>
+  </p:cSld>
+  <p:clrMapOvr>
+    <a:masterClrMapping/>
+  </p:clrMapOvr>
+</p:notes>
+</file>
+
+<file path=ppt/notesSlides/notesSlide14.xml><?xml version="1.0" encoding="utf-8"?>
+<p:notes xmlns:a="http://schemas.openxmlformats.org/drawingml/2006/main" xmlns:r="http://schemas.openxmlformats.org/officeDocument/2006/relationships" xmlns:p="http://schemas.openxmlformats.org/presentationml/2006/main">
+  <p:cSld>
+    <p:spTree>
+      <p:nvGrpSpPr>
+        <p:cNvPr id="1" name=""/>
+        <p:cNvGrpSpPr/>
+        <p:nvPr/>
+      </p:nvGrpSpPr>
+      <p:grpSpPr>
+        <a:xfrm>
+          <a:off x="0" y="0"/>
+          <a:ext cx="0" cy="0"/>
+          <a:chOff x="0" y="0"/>
+          <a:chExt cx="0" cy="0"/>
+        </a:xfrm>
+      </p:grpSpPr>
+      <p:sp>
+        <p:nvSpPr>
+          <p:cNvPr id="2" name="Slide Image Placeholder 1"/>
+          <p:cNvSpPr>
+            <a:spLocks noGrp="1" noRot="1" noChangeAspect="1"/>
+          </p:cNvSpPr>
+          <p:nvPr>
+            <p:ph type="sldImg"/>
+          </p:nvPr>
+        </p:nvSpPr>
+        <p:spPr/>
+      </p:sp>
+      <p:sp>
+        <p:nvSpPr>
+          <p:cNvPr id="3" name="Notes Placeholder 2"/>
+          <p:cNvSpPr>
+            <a:spLocks noGrp="1"/>
+          </p:cNvSpPr>
+          <p:nvPr>
+            <p:ph type="body" idx="1"/>
+          </p:nvPr>
+        </p:nvSpPr>
+        <p:spPr/>
+        <p:txBody>
+          <a:bodyPr/>
+          <a:lstStyle/>
+          <a:p>
+            <a:r>
+              <a:rPr lang="bg-BG" noProof="0" dirty="0" smtClean="0"/>
+              <a:t>Представяне на бъдещите насоки</a:t>
+            </a:r>
+            <a:endParaRPr lang="bg-BG" noProof="0" dirty="0"/>
+          </a:p>
+        </p:txBody>
+      </p:sp>
+      <p:sp>
+        <p:nvSpPr>
+          <p:cNvPr id="4" name="Slide Number Placeholder 3"/>
+          <p:cNvSpPr>
+            <a:spLocks noGrp="1"/>
+          </p:cNvSpPr>
+          <p:nvPr>
+            <p:ph type="sldNum" sz="quarter" idx="10"/>
+          </p:nvPr>
+        </p:nvSpPr>
+        <p:spPr/>
+        <p:txBody>
+          <a:bodyPr/>
+          <a:lstStyle/>
+          <a:p>
+            <a:fld id="{01ECCEA3-DB77-47E6-A786-079AB26F3D21}" type="slidenum">
+              <a:rPr lang="bg-BG" smtClean="0"/>
+              <a:t>15</a:t>
+            </a:fld>
+            <a:endParaRPr lang="bg-BG"/>
+          </a:p>
+        </p:txBody>
+      </p:sp>
+    </p:spTree>
+    <p:extLst>
+      <p:ext uri="{BB962C8B-B14F-4D97-AF65-F5344CB8AC3E}">
+        <p14:creationId xmlns:p14="http://schemas.microsoft.com/office/powerpoint/2010/main" val="1889473874"/>
+      </p:ext>
+    </p:extLst>
+  </p:cSld>
+  <p:clrMapOvr>
+    <a:masterClrMapping/>
+  </p:clrMapOvr>
+</p:notes>
+</file>
+
+<file path=ppt/notesSlides/notesSlide15.xml><?xml version="1.0" encoding="utf-8"?>
+<p:notes xmlns:a="http://schemas.openxmlformats.org/drawingml/2006/main" xmlns:r="http://schemas.openxmlformats.org/officeDocument/2006/relationships" xmlns:p="http://schemas.openxmlformats.org/presentationml/2006/main">
+  <p:cSld>
+    <p:spTree>
+      <p:nvGrpSpPr>
+        <p:cNvPr id="1" name=""/>
+        <p:cNvGrpSpPr/>
+        <p:nvPr/>
+      </p:nvGrpSpPr>
+      <p:grpSpPr>
+        <a:xfrm>
+          <a:off x="0" y="0"/>
+          <a:ext cx="0" cy="0"/>
+          <a:chOff x="0" y="0"/>
+          <a:chExt cx="0" cy="0"/>
+        </a:xfrm>
+      </p:grpSpPr>
+      <p:sp>
+        <p:nvSpPr>
+          <p:cNvPr id="2" name="Slide Image Placeholder 1"/>
+          <p:cNvSpPr>
+            <a:spLocks noGrp="1" noRot="1" noChangeAspect="1"/>
+          </p:cNvSpPr>
+          <p:nvPr>
+            <p:ph type="sldImg"/>
+          </p:nvPr>
+        </p:nvSpPr>
+        <p:spPr/>
+      </p:sp>
+      <p:sp>
+        <p:nvSpPr>
+          <p:cNvPr id="3" name="Notes Placeholder 2"/>
+          <p:cNvSpPr>
+            <a:spLocks noGrp="1"/>
+          </p:cNvSpPr>
+          <p:nvPr>
+            <p:ph type="body" idx="1"/>
+          </p:nvPr>
+        </p:nvSpPr>
+        <p:spPr/>
+        <p:txBody>
+          <a:bodyPr/>
+          <a:lstStyle/>
+          <a:p>
+            <a:r>
+              <a:rPr lang="bg-BG" noProof="0" dirty="0" smtClean="0"/>
+              <a:t>Отговор на въпросите</a:t>
+            </a:r>
+            <a:r>
+              <a:rPr lang="en-US" noProof="0" dirty="0" smtClean="0"/>
+              <a:t>.</a:t>
+            </a:r>
+            <a:endParaRPr lang="bg-BG" noProof="0" dirty="0"/>
+          </a:p>
+        </p:txBody>
+      </p:sp>
+      <p:sp>
+        <p:nvSpPr>
+          <p:cNvPr id="4" name="Slide Number Placeholder 3"/>
+          <p:cNvSpPr>
+            <a:spLocks noGrp="1"/>
+          </p:cNvSpPr>
+          <p:nvPr>
+            <p:ph type="sldNum" sz="quarter" idx="10"/>
+          </p:nvPr>
+        </p:nvSpPr>
+        <p:spPr/>
+        <p:txBody>
+          <a:bodyPr/>
+          <a:lstStyle/>
+          <a:p>
+            <a:fld id="{01ECCEA3-DB77-47E6-A786-079AB26F3D21}" type="slidenum">
+              <a:rPr lang="bg-BG" smtClean="0"/>
+              <a:t>17</a:t>
+            </a:fld>
+            <a:endParaRPr lang="bg-BG"/>
+          </a:p>
+        </p:txBody>
+      </p:sp>
+    </p:spTree>
+    <p:extLst>
+      <p:ext uri="{BB962C8B-B14F-4D97-AF65-F5344CB8AC3E}">
+        <p14:creationId xmlns:p14="http://schemas.microsoft.com/office/powerpoint/2010/main" val="3676466897"/>
+      </p:ext>
+    </p:extLst>
+  </p:cSld>
+  <p:clrMapOvr>
+    <a:masterClrMapping/>
+  </p:clrMapOvr>
+</p:notes>
+</file>
+
+<file path=ppt/notesSlides/notesSlide2.xml><?xml version="1.0" encoding="utf-8"?>
+<p:notes xmlns:a="http://schemas.openxmlformats.org/drawingml/2006/main" xmlns:r="http://schemas.openxmlformats.org/officeDocument/2006/relationships" xmlns:p="http://schemas.openxmlformats.org/presentationml/2006/main">
+  <p:cSld>
+    <p:spTree>
+      <p:nvGrpSpPr>
+        <p:cNvPr id="1" name=""/>
+        <p:cNvGrpSpPr/>
+        <p:nvPr/>
+      </p:nvGrpSpPr>
+      <p:grpSpPr>
+        <a:xfrm>
+          <a:off x="0" y="0"/>
+          <a:ext cx="0" cy="0"/>
+          <a:chOff x="0" y="0"/>
+          <a:chExt cx="0" cy="0"/>
+        </a:xfrm>
+      </p:grpSpPr>
+      <p:sp>
+        <p:nvSpPr>
+          <p:cNvPr id="2" name="Slide Image Placeholder 1"/>
+          <p:cNvSpPr>
+            <a:spLocks noGrp="1" noRot="1" noChangeAspect="1"/>
+          </p:cNvSpPr>
+          <p:nvPr>
+            <p:ph type="sldImg"/>
+          </p:nvPr>
+        </p:nvSpPr>
+        <p:spPr/>
+      </p:sp>
+      <p:sp>
+        <p:nvSpPr>
+          <p:cNvPr id="3" name="Notes Placeholder 2"/>
+          <p:cNvSpPr>
+            <a:spLocks noGrp="1"/>
+          </p:cNvSpPr>
+          <p:nvPr>
+            <p:ph type="body" idx="1"/>
+          </p:nvPr>
+        </p:nvSpPr>
+        <p:spPr/>
+        <p:txBody>
+          <a:bodyPr/>
+          <a:lstStyle/>
+          <a:p>
+            <a:r>
+              <a:rPr lang="bg-BG" noProof="0" dirty="0" smtClean="0"/>
+              <a:t>Набързо</a:t>
+            </a:r>
+            <a:r>
+              <a:rPr lang="bg-BG" baseline="0" noProof="0" dirty="0" smtClean="0"/>
+              <a:t> преминаване по съдържанието на презентацията</a:t>
+            </a:r>
+            <a:endParaRPr lang="bg-BG" noProof="0" dirty="0"/>
+          </a:p>
+        </p:txBody>
+      </p:sp>
+      <p:sp>
+        <p:nvSpPr>
+          <p:cNvPr id="4" name="Slide Number Placeholder 3"/>
+          <p:cNvSpPr>
+            <a:spLocks noGrp="1"/>
+          </p:cNvSpPr>
+          <p:nvPr>
+            <p:ph type="sldNum" sz="quarter" idx="10"/>
+          </p:nvPr>
+        </p:nvSpPr>
+        <p:spPr/>
+        <p:txBody>
+          <a:bodyPr/>
+          <a:lstStyle/>
+          <a:p>
+            <a:fld id="{01ECCEA3-DB77-47E6-A786-079AB26F3D21}" type="slidenum">
+              <a:rPr lang="bg-BG" smtClean="0"/>
+              <a:t>2</a:t>
+            </a:fld>
+            <a:endParaRPr lang="bg-BG"/>
+          </a:p>
+        </p:txBody>
+      </p:sp>
+    </p:spTree>
+    <p:extLst>
+      <p:ext uri="{BB962C8B-B14F-4D97-AF65-F5344CB8AC3E}">
+        <p14:creationId xmlns:p14="http://schemas.microsoft.com/office/powerpoint/2010/main" val="1464873631"/>
+      </p:ext>
+    </p:extLst>
+  </p:cSld>
+  <p:clrMapOvr>
+    <a:masterClrMapping/>
+  </p:clrMapOvr>
+</p:notes>
+</file>
+
+<file path=ppt/notesSlides/notesSlide3.xml><?xml version="1.0" encoding="utf-8"?>
+<p:notes xmlns:a="http://schemas.openxmlformats.org/drawingml/2006/main" xmlns:r="http://schemas.openxmlformats.org/officeDocument/2006/relationships" xmlns:p="http://schemas.openxmlformats.org/presentationml/2006/main">
+  <p:cSld>
+    <p:spTree>
+      <p:nvGrpSpPr>
+        <p:cNvPr id="1" name=""/>
+        <p:cNvGrpSpPr/>
+        <p:nvPr/>
+      </p:nvGrpSpPr>
+      <p:grpSpPr>
+        <a:xfrm>
+          <a:off x="0" y="0"/>
+          <a:ext cx="0" cy="0"/>
+          <a:chOff x="0" y="0"/>
+          <a:chExt cx="0" cy="0"/>
+        </a:xfrm>
+      </p:grpSpPr>
+      <p:sp>
+        <p:nvSpPr>
+          <p:cNvPr id="2" name="Slide Image Placeholder 1"/>
+          <p:cNvSpPr>
+            <a:spLocks noGrp="1" noRot="1" noChangeAspect="1"/>
+          </p:cNvSpPr>
+          <p:nvPr>
+            <p:ph type="sldImg"/>
+          </p:nvPr>
+        </p:nvSpPr>
+        <p:spPr/>
+      </p:sp>
+      <p:sp>
+        <p:nvSpPr>
+          <p:cNvPr id="3" name="Notes Placeholder 2"/>
+          <p:cNvSpPr>
+            <a:spLocks noGrp="1"/>
+          </p:cNvSpPr>
+          <p:nvPr>
+            <p:ph type="body" idx="1"/>
+          </p:nvPr>
+        </p:nvSpPr>
+        <p:spPr/>
+        <p:txBody>
+          <a:bodyPr/>
+          <a:lstStyle/>
+          <a:p>
+            <a:r>
+              <a:rPr lang="bg-BG" noProof="0" dirty="0" smtClean="0"/>
+              <a:t>От</a:t>
+            </a:r>
+            <a:r>
+              <a:rPr lang="bg-BG" baseline="0" noProof="0" dirty="0" smtClean="0"/>
+              <a:t> една страна софтуерър е с нарастваща важност в разходите и печалбите на пазарните продукти,</a:t>
+            </a:r>
+          </a:p>
+          <a:p>
+            <a:r>
+              <a:rPr lang="bg-BG" baseline="0" noProof="0" dirty="0" smtClean="0"/>
+              <a:t>Не само в традиционните софтуерно доминирани домейни.</a:t>
+            </a:r>
+          </a:p>
+          <a:p>
+            <a:r>
+              <a:rPr lang="bg-BG" baseline="0" noProof="0" dirty="0" smtClean="0"/>
+              <a:t>Навлизаме в ерата на IOT.</a:t>
+            </a:r>
+          </a:p>
+          <a:p>
+            <a:r>
+              <a:rPr lang="bg-BG" baseline="0" noProof="0" dirty="0" smtClean="0"/>
+              <a:t>60-80% от разходите  на sw продукт произлизат от еволюции.</a:t>
+            </a:r>
+          </a:p>
+          <a:p>
+            <a:r>
+              <a:rPr lang="bg-BG" baseline="0" noProof="0" dirty="0" smtClean="0"/>
+              <a:t>Същевременно 50% от времето за еволюция на програма</a:t>
+            </a:r>
+          </a:p>
+          <a:p>
+            <a:r>
+              <a:rPr lang="bg-BG" baseline="0" noProof="0" dirty="0" smtClean="0"/>
+              <a:t>Преминава в разучаване на програмата, преди да бъде</a:t>
+            </a:r>
+          </a:p>
+          <a:p>
+            <a:r>
+              <a:rPr lang="bg-BG" baseline="0" noProof="0" dirty="0" smtClean="0"/>
+              <a:t>Реализирана промяната</a:t>
+            </a:r>
+          </a:p>
+        </p:txBody>
+      </p:sp>
+      <p:sp>
+        <p:nvSpPr>
+          <p:cNvPr id="4" name="Slide Number Placeholder 3"/>
+          <p:cNvSpPr>
+            <a:spLocks noGrp="1"/>
+          </p:cNvSpPr>
+          <p:nvPr>
+            <p:ph type="sldNum" sz="quarter" idx="10"/>
+          </p:nvPr>
+        </p:nvSpPr>
+        <p:spPr/>
+        <p:txBody>
+          <a:bodyPr/>
+          <a:lstStyle/>
+          <a:p>
+            <a:fld id="{01ECCEA3-DB77-47E6-A786-079AB26F3D21}" type="slidenum">
+              <a:rPr lang="bg-BG" smtClean="0"/>
+              <a:t>3</a:t>
+            </a:fld>
+            <a:endParaRPr lang="bg-BG"/>
+          </a:p>
+        </p:txBody>
+      </p:sp>
+    </p:spTree>
+    <p:extLst>
+      <p:ext uri="{BB962C8B-B14F-4D97-AF65-F5344CB8AC3E}">
+        <p14:creationId xmlns:p14="http://schemas.microsoft.com/office/powerpoint/2010/main" val="2061117739"/>
+      </p:ext>
+    </p:extLst>
+  </p:cSld>
+  <p:clrMapOvr>
+    <a:masterClrMapping/>
+  </p:clrMapOvr>
+</p:notes>
+</file>
+
+<file path=ppt/notesSlides/notesSlide4.xml><?xml version="1.0" encoding="utf-8"?>
+<p:notes xmlns:a="http://schemas.openxmlformats.org/drawingml/2006/main" xmlns:r="http://schemas.openxmlformats.org/officeDocument/2006/relationships" xmlns:p="http://schemas.openxmlformats.org/presentationml/2006/main">
+  <p:cSld>
+    <p:spTree>
+      <p:nvGrpSpPr>
+        <p:cNvPr id="1" name=""/>
+        <p:cNvGrpSpPr/>
+        <p:nvPr/>
+      </p:nvGrpSpPr>
+      <p:grpSpPr>
+        <a:xfrm>
+          <a:off x="0" y="0"/>
+          <a:ext cx="0" cy="0"/>
+          <a:chOff x="0" y="0"/>
+          <a:chExt cx="0" cy="0"/>
+        </a:xfrm>
+      </p:grpSpPr>
+      <p:sp>
+        <p:nvSpPr>
+          <p:cNvPr id="2" name="Slide Image Placeholder 1"/>
+          <p:cNvSpPr>
+            <a:spLocks noGrp="1" noRot="1" noChangeAspect="1"/>
+          </p:cNvSpPr>
+          <p:nvPr>
+            <p:ph type="sldImg"/>
+          </p:nvPr>
+        </p:nvSpPr>
+        <p:spPr/>
+      </p:sp>
+      <p:sp>
+        <p:nvSpPr>
+          <p:cNvPr id="3" name="Notes Placeholder 2"/>
+          <p:cNvSpPr>
+            <a:spLocks noGrp="1"/>
+          </p:cNvSpPr>
+          <p:nvPr>
+            <p:ph type="body" idx="1"/>
+          </p:nvPr>
+        </p:nvSpPr>
+        <p:spPr/>
+        <p:txBody>
+          <a:bodyPr/>
+          <a:lstStyle/>
+          <a:p>
+            <a:r>
+              <a:rPr lang="bg-BG" noProof="0" dirty="0" smtClean="0"/>
+              <a:t>Софтуерът</a:t>
+            </a:r>
+            <a:r>
+              <a:rPr lang="bg-BG" baseline="0" noProof="0" dirty="0" smtClean="0"/>
+              <a:t> за вградени системи (embedded software) е софтуер,</a:t>
+            </a:r>
+            <a:r>
+              <a:rPr lang="en-US" baseline="0" noProof="0" dirty="0" smtClean="0"/>
+              <a:t> к</a:t>
+            </a:r>
+            <a:r>
+              <a:rPr lang="bg-BG" baseline="0" noProof="0" dirty="0" smtClean="0"/>
+              <a:t>ойто управлява машини или устройства, не задължително да се считат за компютри.</a:t>
+            </a:r>
+          </a:p>
+          <a:p>
+            <a:r>
+              <a:rPr lang="bg-BG" noProof="0" dirty="0" smtClean="0"/>
+              <a:t>Споменатия</a:t>
+            </a:r>
+            <a:r>
+              <a:rPr lang="bg-BG" baseline="0" noProof="0" dirty="0" smtClean="0"/>
+              <a:t> вече IOT пазар в момента е ~$40 мил. 2017 се очаква да е $50 мил.</a:t>
+            </a:r>
+          </a:p>
+          <a:p>
+            <a:r>
+              <a:rPr lang="bg-BG" baseline="0" noProof="0" dirty="0" smtClean="0"/>
+              <a:t>Изискванията към тези системи постоянно растат.</a:t>
+            </a:r>
+          </a:p>
+          <a:p>
+            <a:r>
+              <a:rPr lang="bg-BG" baseline="0" noProof="0" dirty="0" smtClean="0"/>
+              <a:t>От една страна  компонентни модели, които дават ускорение на разработка като SOA, CORBA, DCOM/COM, JavaBeans не са подходящи за тези системи,</a:t>
+            </a:r>
+          </a:p>
+          <a:p>
+            <a:r>
+              <a:rPr lang="bg-BG" baseline="0" noProof="0" dirty="0" smtClean="0"/>
+              <a:t>тъй като не отговарят на повечето изисквания.</a:t>
+            </a:r>
+          </a:p>
+          <a:p>
+            <a:r>
+              <a:rPr lang="bg-BG" baseline="0" noProof="0" dirty="0" smtClean="0"/>
+              <a:t>От друга страна езика за разработка преобладаващо е “C” и наличните</a:t>
+            </a:r>
+          </a:p>
+          <a:p>
+            <a:r>
+              <a:rPr lang="bg-BG" baseline="0" noProof="0" dirty="0" smtClean="0"/>
+              <a:t>Средства за моделиране и генерация на код са ограничени. -&gt; Това налага нестандартен подход към анализа на такива системи</a:t>
+            </a:r>
+            <a:endParaRPr lang="bg-BG" noProof="0" dirty="0"/>
+          </a:p>
+        </p:txBody>
+      </p:sp>
+      <p:sp>
+        <p:nvSpPr>
+          <p:cNvPr id="4" name="Slide Number Placeholder 3"/>
+          <p:cNvSpPr>
+            <a:spLocks noGrp="1"/>
+          </p:cNvSpPr>
+          <p:nvPr>
+            <p:ph type="sldNum" sz="quarter" idx="10"/>
+          </p:nvPr>
+        </p:nvSpPr>
+        <p:spPr/>
+        <p:txBody>
+          <a:bodyPr/>
+          <a:lstStyle/>
+          <a:p>
+            <a:fld id="{01ECCEA3-DB77-47E6-A786-079AB26F3D21}" type="slidenum">
+              <a:rPr lang="bg-BG" smtClean="0"/>
+              <a:t>4</a:t>
+            </a:fld>
+            <a:endParaRPr lang="bg-BG"/>
+          </a:p>
+        </p:txBody>
+      </p:sp>
+    </p:spTree>
+    <p:extLst>
+      <p:ext uri="{BB962C8B-B14F-4D97-AF65-F5344CB8AC3E}">
+        <p14:creationId xmlns:p14="http://schemas.microsoft.com/office/powerpoint/2010/main" val="1134797876"/>
+      </p:ext>
+    </p:extLst>
+  </p:cSld>
+  <p:clrMapOvr>
+    <a:masterClrMapping/>
+  </p:clrMapOvr>
+</p:notes>
+</file>
+
+<file path=ppt/notesSlides/notesSlide5.xml><?xml version="1.0" encoding="utf-8"?>
+<p:notes xmlns:a="http://schemas.openxmlformats.org/drawingml/2006/main" xmlns:r="http://schemas.openxmlformats.org/officeDocument/2006/relationships" xmlns:p="http://schemas.openxmlformats.org/presentationml/2006/main">
+  <p:cSld>
+    <p:spTree>
+      <p:nvGrpSpPr>
+        <p:cNvPr id="1" name=""/>
+        <p:cNvGrpSpPr/>
+        <p:nvPr/>
+      </p:nvGrpSpPr>
+      <p:grpSpPr>
+        <a:xfrm>
+          <a:off x="0" y="0"/>
+          <a:ext cx="0" cy="0"/>
+          <a:chOff x="0" y="0"/>
+          <a:chExt cx="0" cy="0"/>
+        </a:xfrm>
+      </p:grpSpPr>
+      <p:sp>
+        <p:nvSpPr>
+          <p:cNvPr id="2" name="Slide Image Placeholder 1"/>
+          <p:cNvSpPr>
+            <a:spLocks noGrp="1" noRot="1" noChangeAspect="1"/>
+          </p:cNvSpPr>
+          <p:nvPr>
+            <p:ph type="sldImg"/>
+          </p:nvPr>
+        </p:nvSpPr>
+        <p:spPr/>
+      </p:sp>
+      <p:sp>
+        <p:nvSpPr>
+          <p:cNvPr id="3" name="Notes Placeholder 2"/>
+          <p:cNvSpPr>
+            <a:spLocks noGrp="1"/>
+          </p:cNvSpPr>
+          <p:nvPr>
+            <p:ph type="body" idx="1"/>
+          </p:nvPr>
+        </p:nvSpPr>
+        <p:spPr/>
+        <p:txBody>
+          <a:bodyPr/>
+          <a:lstStyle/>
+          <a:p>
+            <a:r>
+              <a:rPr lang="bg-BG" noProof="0" dirty="0" smtClean="0"/>
+              <a:t>Съответно</a:t>
+            </a:r>
+            <a:r>
+              <a:rPr lang="bg-BG" baseline="0" noProof="0" dirty="0" smtClean="0"/>
+              <a:t> се поражда идеята за разработка на архитектурен инструмент, който  извлича информация за:</a:t>
+            </a:r>
+          </a:p>
+          <a:p>
+            <a:r>
+              <a:rPr lang="bg-BG" baseline="0" noProof="0" dirty="0" smtClean="0"/>
+              <a:t>Интерфейсите на компонентите от софтуерна система писана на езика “C”</a:t>
+            </a:r>
+          </a:p>
+          <a:p>
+            <a:r>
+              <a:rPr lang="bg-BG" baseline="0" noProof="0" dirty="0" smtClean="0"/>
+              <a:t>Представя еквивалентен UML модел със: Класове, Компоненти и връзки м/у компонентите</a:t>
+            </a:r>
+          </a:p>
+          <a:p>
+            <a:r>
+              <a:rPr lang="bg-BG" baseline="0" noProof="0" dirty="0" smtClean="0"/>
+              <a:t>Като допълнително инструментът трябва да може да генерира базов код за нова система</a:t>
+            </a:r>
+          </a:p>
+          <a:p>
+            <a:r>
+              <a:rPr lang="bg-BG" baseline="0" noProof="0" dirty="0" smtClean="0"/>
+              <a:t>От вече извлечения UML модел</a:t>
+            </a:r>
+            <a:endParaRPr lang="bg-BG" noProof="0" dirty="0"/>
+          </a:p>
+        </p:txBody>
+      </p:sp>
+      <p:sp>
+        <p:nvSpPr>
+          <p:cNvPr id="4" name="Slide Number Placeholder 3"/>
+          <p:cNvSpPr>
+            <a:spLocks noGrp="1"/>
+          </p:cNvSpPr>
+          <p:nvPr>
+            <p:ph type="sldNum" sz="quarter" idx="10"/>
+          </p:nvPr>
+        </p:nvSpPr>
+        <p:spPr/>
+        <p:txBody>
+          <a:bodyPr/>
+          <a:lstStyle/>
+          <a:p>
+            <a:fld id="{01ECCEA3-DB77-47E6-A786-079AB26F3D21}" type="slidenum">
+              <a:rPr lang="bg-BG" smtClean="0"/>
+              <a:t>5</a:t>
+            </a:fld>
+            <a:endParaRPr lang="bg-BG"/>
+          </a:p>
+        </p:txBody>
+      </p:sp>
+    </p:spTree>
+    <p:extLst>
+      <p:ext uri="{BB962C8B-B14F-4D97-AF65-F5344CB8AC3E}">
+        <p14:creationId xmlns:p14="http://schemas.microsoft.com/office/powerpoint/2010/main" val="507932148"/>
+      </p:ext>
+    </p:extLst>
+  </p:cSld>
+  <p:clrMapOvr>
+    <a:masterClrMapping/>
+  </p:clrMapOvr>
+</p:notes>
+</file>
+
+<file path=ppt/notesSlides/notesSlide6.xml><?xml version="1.0" encoding="utf-8"?>
+<p:notes xmlns:a="http://schemas.openxmlformats.org/drawingml/2006/main" xmlns:r="http://schemas.openxmlformats.org/officeDocument/2006/relationships" xmlns:p="http://schemas.openxmlformats.org/presentationml/2006/main">
+  <p:cSld>
+    <p:spTree>
+      <p:nvGrpSpPr>
+        <p:cNvPr id="1" name=""/>
+        <p:cNvGrpSpPr/>
+        <p:nvPr/>
+      </p:nvGrpSpPr>
+      <p:grpSpPr>
+        <a:xfrm>
+          <a:off x="0" y="0"/>
+          <a:ext cx="0" cy="0"/>
+          <a:chOff x="0" y="0"/>
+          <a:chExt cx="0" cy="0"/>
+        </a:xfrm>
+      </p:grpSpPr>
+      <p:sp>
+        <p:nvSpPr>
+          <p:cNvPr id="2" name="Slide Image Placeholder 1"/>
+          <p:cNvSpPr>
+            <a:spLocks noGrp="1" noRot="1" noChangeAspect="1"/>
+          </p:cNvSpPr>
+          <p:nvPr>
+            <p:ph type="sldImg"/>
+          </p:nvPr>
+        </p:nvSpPr>
+        <p:spPr/>
+      </p:sp>
+      <p:sp>
+        <p:nvSpPr>
+          <p:cNvPr id="3" name="Notes Placeholder 2"/>
+          <p:cNvSpPr>
+            <a:spLocks noGrp="1"/>
+          </p:cNvSpPr>
+          <p:nvPr>
+            <p:ph type="body" idx="1"/>
+          </p:nvPr>
+        </p:nvSpPr>
+        <p:spPr/>
+        <p:txBody>
+          <a:bodyPr/>
+          <a:lstStyle/>
+          <a:p>
+            <a:r>
+              <a:rPr lang="bg-BG" noProof="0" dirty="0" smtClean="0"/>
+              <a:t>Какво е представено като основна</a:t>
+            </a:r>
+            <a:r>
+              <a:rPr lang="bg-BG" baseline="0" noProof="0" dirty="0" smtClean="0"/>
+              <a:t> концепция:</a:t>
+            </a:r>
+            <a:endParaRPr lang="bg-BG" noProof="0" dirty="0"/>
+          </a:p>
+        </p:txBody>
+      </p:sp>
+      <p:sp>
+        <p:nvSpPr>
+          <p:cNvPr id="4" name="Slide Number Placeholder 3"/>
+          <p:cNvSpPr>
+            <a:spLocks noGrp="1"/>
+          </p:cNvSpPr>
+          <p:nvPr>
+            <p:ph type="sldNum" sz="quarter" idx="10"/>
+          </p:nvPr>
+        </p:nvSpPr>
+        <p:spPr/>
+        <p:txBody>
+          <a:bodyPr/>
+          <a:lstStyle/>
+          <a:p>
+            <a:fld id="{01ECCEA3-DB77-47E6-A786-079AB26F3D21}" type="slidenum">
+              <a:rPr lang="bg-BG" smtClean="0"/>
+              <a:t>6</a:t>
+            </a:fld>
+            <a:endParaRPr lang="bg-BG"/>
+          </a:p>
+        </p:txBody>
+      </p:sp>
+    </p:spTree>
+    <p:extLst>
+      <p:ext uri="{BB962C8B-B14F-4D97-AF65-F5344CB8AC3E}">
+        <p14:creationId xmlns:p14="http://schemas.microsoft.com/office/powerpoint/2010/main" val="1640150118"/>
+      </p:ext>
+    </p:extLst>
+  </p:cSld>
+  <p:clrMapOvr>
+    <a:masterClrMapping/>
+  </p:clrMapOvr>
+</p:notes>
+</file>
+
+<file path=ppt/notesSlides/notesSlide7.xml><?xml version="1.0" encoding="utf-8"?>
+<p:notes xmlns:a="http://schemas.openxmlformats.org/drawingml/2006/main" xmlns:r="http://schemas.openxmlformats.org/officeDocument/2006/relationships" xmlns:p="http://schemas.openxmlformats.org/presentationml/2006/main">
+  <p:cSld>
+    <p:spTree>
+      <p:nvGrpSpPr>
+        <p:cNvPr id="1" name=""/>
+        <p:cNvGrpSpPr/>
+        <p:nvPr/>
+      </p:nvGrpSpPr>
+      <p:grpSpPr>
+        <a:xfrm>
+          <a:off x="0" y="0"/>
+          <a:ext cx="0" cy="0"/>
+          <a:chOff x="0" y="0"/>
+          <a:chExt cx="0" cy="0"/>
+        </a:xfrm>
+      </p:grpSpPr>
+      <p:sp>
+        <p:nvSpPr>
+          <p:cNvPr id="2" name="Slide Image Placeholder 1"/>
+          <p:cNvSpPr>
+            <a:spLocks noGrp="1" noRot="1" noChangeAspect="1"/>
+          </p:cNvSpPr>
+          <p:nvPr>
+            <p:ph type="sldImg"/>
+          </p:nvPr>
+        </p:nvSpPr>
+        <p:spPr/>
+      </p:sp>
+      <p:sp>
+        <p:nvSpPr>
+          <p:cNvPr id="3" name="Notes Placeholder 2"/>
+          <p:cNvSpPr>
+            <a:spLocks noGrp="1"/>
+          </p:cNvSpPr>
+          <p:nvPr>
+            <p:ph type="body" idx="1"/>
+          </p:nvPr>
+        </p:nvSpPr>
+        <p:spPr/>
+        <p:txBody>
+          <a:bodyPr/>
+          <a:lstStyle/>
+          <a:p>
+            <a:r>
+              <a:rPr lang="bg-BG" noProof="0" dirty="0" smtClean="0"/>
+              <a:t>Описвам</a:t>
+            </a:r>
+            <a:r>
+              <a:rPr lang="bg-BG" baseline="0" noProof="0" dirty="0" smtClean="0"/>
+              <a:t> по детайлно процесите:</a:t>
+            </a:r>
+          </a:p>
+          <a:p>
+            <a:pPr marL="171450" indent="-171450">
+              <a:buFont typeface="Arial" charset="0"/>
+              <a:buChar char="•"/>
+            </a:pPr>
+            <a:r>
+              <a:rPr lang="bg-BG" baseline="0" noProof="0" dirty="0" smtClean="0"/>
+              <a:t>Подготвяне на критерии за анализ</a:t>
+            </a:r>
+          </a:p>
+          <a:p>
+            <a:pPr marL="171450" indent="-171450">
+              <a:buFont typeface="Arial" charset="0"/>
+              <a:buChar char="•"/>
+            </a:pPr>
+            <a:r>
+              <a:rPr lang="bg-BG" baseline="0" noProof="0" dirty="0" smtClean="0"/>
+              <a:t>Изпълнение на анализ</a:t>
+            </a:r>
+          </a:p>
+          <a:p>
+            <a:pPr marL="171450" indent="-171450">
+              <a:buFont typeface="Arial" charset="0"/>
+              <a:buChar char="•"/>
+            </a:pPr>
+            <a:r>
+              <a:rPr lang="bg-BG" baseline="0" noProof="0" dirty="0" smtClean="0"/>
+              <a:t>Сериализация на хранилище</a:t>
+            </a:r>
+          </a:p>
+          <a:p>
+            <a:pPr marL="171450" indent="-171450">
+              <a:buFont typeface="Arial" charset="0"/>
+              <a:buChar char="•"/>
+            </a:pPr>
+            <a:r>
+              <a:rPr lang="bg-BG" baseline="0" noProof="0" dirty="0" smtClean="0"/>
+              <a:t>Генерация на базов код</a:t>
+            </a:r>
+            <a:endParaRPr lang="bg-BG" noProof="0" dirty="0"/>
+          </a:p>
+        </p:txBody>
+      </p:sp>
+      <p:sp>
+        <p:nvSpPr>
+          <p:cNvPr id="4" name="Slide Number Placeholder 3"/>
+          <p:cNvSpPr>
+            <a:spLocks noGrp="1"/>
+          </p:cNvSpPr>
+          <p:nvPr>
+            <p:ph type="sldNum" sz="quarter" idx="10"/>
+          </p:nvPr>
+        </p:nvSpPr>
+        <p:spPr/>
+        <p:txBody>
+          <a:bodyPr/>
+          <a:lstStyle/>
+          <a:p>
+            <a:fld id="{01ECCEA3-DB77-47E6-A786-079AB26F3D21}" type="slidenum">
+              <a:rPr lang="bg-BG" smtClean="0"/>
+              <a:t>7</a:t>
+            </a:fld>
+            <a:endParaRPr lang="bg-BG"/>
+          </a:p>
+        </p:txBody>
+      </p:sp>
+    </p:spTree>
+    <p:extLst>
+      <p:ext uri="{BB962C8B-B14F-4D97-AF65-F5344CB8AC3E}">
+        <p14:creationId xmlns:p14="http://schemas.microsoft.com/office/powerpoint/2010/main" val="1287454672"/>
+      </p:ext>
+    </p:extLst>
+  </p:cSld>
+  <p:clrMapOvr>
+    <a:masterClrMapping/>
+  </p:clrMapOvr>
+</p:notes>
+</file>
+
+<file path=ppt/notesSlides/notesSlide8.xml><?xml version="1.0" encoding="utf-8"?>
+<p:notes xmlns:a="http://schemas.openxmlformats.org/drawingml/2006/main" xmlns:r="http://schemas.openxmlformats.org/officeDocument/2006/relationships" xmlns:p="http://schemas.openxmlformats.org/presentationml/2006/main">
+  <p:cSld>
+    <p:spTree>
+      <p:nvGrpSpPr>
+        <p:cNvPr id="1" name=""/>
+        <p:cNvGrpSpPr/>
+        <p:nvPr/>
+      </p:nvGrpSpPr>
+      <p:grpSpPr>
+        <a:xfrm>
+          <a:off x="0" y="0"/>
+          <a:ext cx="0" cy="0"/>
+          <a:chOff x="0" y="0"/>
+          <a:chExt cx="0" cy="0"/>
+        </a:xfrm>
+      </p:grpSpPr>
+      <p:sp>
+        <p:nvSpPr>
+          <p:cNvPr id="2" name="Slide Image Placeholder 1"/>
+          <p:cNvSpPr>
+            <a:spLocks noGrp="1" noRot="1" noChangeAspect="1"/>
+          </p:cNvSpPr>
+          <p:nvPr>
+            <p:ph type="sldImg"/>
+          </p:nvPr>
+        </p:nvSpPr>
+        <p:spPr/>
+      </p:sp>
+      <p:sp>
+        <p:nvSpPr>
+          <p:cNvPr id="3" name="Notes Placeholder 2"/>
+          <p:cNvSpPr>
+            <a:spLocks noGrp="1"/>
+          </p:cNvSpPr>
+          <p:nvPr>
+            <p:ph type="body" idx="1"/>
+          </p:nvPr>
+        </p:nvSpPr>
+        <p:spPr/>
+        <p:txBody>
+          <a:bodyPr/>
+          <a:lstStyle/>
+          <a:p>
+            <a:r>
+              <a:rPr lang="bg-BG" noProof="0" dirty="0" smtClean="0"/>
+              <a:t>Представям</a:t>
+            </a:r>
+            <a:r>
+              <a:rPr lang="bg-BG" baseline="0" noProof="0" dirty="0" smtClean="0"/>
+              <a:t> набързо технологиите</a:t>
+            </a:r>
+            <a:endParaRPr lang="bg-BG" noProof="0" dirty="0"/>
+          </a:p>
+        </p:txBody>
+      </p:sp>
+      <p:sp>
+        <p:nvSpPr>
+          <p:cNvPr id="4" name="Slide Number Placeholder 3"/>
+          <p:cNvSpPr>
+            <a:spLocks noGrp="1"/>
+          </p:cNvSpPr>
+          <p:nvPr>
+            <p:ph type="sldNum" sz="quarter" idx="10"/>
+          </p:nvPr>
+        </p:nvSpPr>
+        <p:spPr/>
+        <p:txBody>
+          <a:bodyPr/>
+          <a:lstStyle/>
+          <a:p>
+            <a:fld id="{01ECCEA3-DB77-47E6-A786-079AB26F3D21}" type="slidenum">
+              <a:rPr lang="bg-BG" smtClean="0"/>
+              <a:t>8</a:t>
+            </a:fld>
+            <a:endParaRPr lang="bg-BG"/>
+          </a:p>
+        </p:txBody>
+      </p:sp>
+    </p:spTree>
+    <p:extLst>
+      <p:ext uri="{BB962C8B-B14F-4D97-AF65-F5344CB8AC3E}">
+        <p14:creationId xmlns:p14="http://schemas.microsoft.com/office/powerpoint/2010/main" val="739378840"/>
+      </p:ext>
+    </p:extLst>
+  </p:cSld>
+  <p:clrMapOvr>
+    <a:masterClrMapping/>
+  </p:clrMapOvr>
+</p:notes>
+</file>
+
+<file path=ppt/notesSlides/notesSlide9.xml><?xml version="1.0" encoding="utf-8"?>
+<p:notes xmlns:a="http://schemas.openxmlformats.org/drawingml/2006/main" xmlns:r="http://schemas.openxmlformats.org/officeDocument/2006/relationships" xmlns:p="http://schemas.openxmlformats.org/presentationml/2006/main">
+  <p:cSld>
+    <p:spTree>
+      <p:nvGrpSpPr>
+        <p:cNvPr id="1" name=""/>
+        <p:cNvGrpSpPr/>
+        <p:nvPr/>
+      </p:nvGrpSpPr>
+      <p:grpSpPr>
+        <a:xfrm>
+          <a:off x="0" y="0"/>
+          <a:ext cx="0" cy="0"/>
+          <a:chOff x="0" y="0"/>
+          <a:chExt cx="0" cy="0"/>
+        </a:xfrm>
+      </p:grpSpPr>
+      <p:sp>
+        <p:nvSpPr>
+          <p:cNvPr id="2" name="Slide Image Placeholder 1"/>
+          <p:cNvSpPr>
+            <a:spLocks noGrp="1" noRot="1" noChangeAspect="1"/>
+          </p:cNvSpPr>
+          <p:nvPr>
+            <p:ph type="sldImg"/>
+          </p:nvPr>
+        </p:nvSpPr>
+        <p:spPr/>
+      </p:sp>
+      <p:sp>
+        <p:nvSpPr>
+          <p:cNvPr id="3" name="Notes Placeholder 2"/>
+          <p:cNvSpPr>
+            <a:spLocks noGrp="1"/>
+          </p:cNvSpPr>
+          <p:nvPr>
+            <p:ph type="body" idx="1"/>
+          </p:nvPr>
+        </p:nvSpPr>
+        <p:spPr/>
+        <p:txBody>
+          <a:bodyPr/>
+          <a:lstStyle/>
+          <a:p>
+            <a:r>
+              <a:rPr lang="bg-BG" noProof="0" dirty="0" smtClean="0"/>
+              <a:t>Представям</a:t>
+            </a:r>
+            <a:r>
+              <a:rPr lang="bg-BG" baseline="0" noProof="0" dirty="0" smtClean="0"/>
+              <a:t> отделните слоеве на архитектурата.</a:t>
+            </a:r>
+            <a:endParaRPr lang="bg-BG" noProof="0" dirty="0"/>
+          </a:p>
+        </p:txBody>
+      </p:sp>
+      <p:sp>
+        <p:nvSpPr>
+          <p:cNvPr id="4" name="Slide Number Placeholder 3"/>
+          <p:cNvSpPr>
+            <a:spLocks noGrp="1"/>
+          </p:cNvSpPr>
+          <p:nvPr>
+            <p:ph type="sldNum" sz="quarter" idx="10"/>
+          </p:nvPr>
+        </p:nvSpPr>
+        <p:spPr/>
+        <p:txBody>
+          <a:bodyPr/>
+          <a:lstStyle/>
+          <a:p>
+            <a:fld id="{01ECCEA3-DB77-47E6-A786-079AB26F3D21}" type="slidenum">
+              <a:rPr lang="bg-BG" smtClean="0"/>
+              <a:t>9</a:t>
+            </a:fld>
+            <a:endParaRPr lang="bg-BG"/>
+          </a:p>
+        </p:txBody>
+      </p:sp>
+    </p:spTree>
+    <p:extLst>
+      <p:ext uri="{BB962C8B-B14F-4D97-AF65-F5344CB8AC3E}">
+        <p14:creationId xmlns:p14="http://schemas.microsoft.com/office/powerpoint/2010/main" val="2295703326"/>
+      </p:ext>
+    </p:extLst>
+  </p:cSld>
+  <p:clrMapOvr>
+    <a:masterClrMapping/>
+  </p:clrMapOvr>
+</p:notes>
+</file>
+
 <file path=ppt/slideLayouts/slideLayout1.xml><?xml version="1.0" encoding="utf-8"?>
 <p:sldLayout xmlns:a="http://schemas.openxmlformats.org/drawingml/2006/main" xmlns:r="http://schemas.openxmlformats.org/officeDocument/2006/relationships" xmlns:p="http://schemas.openxmlformats.org/presentationml/2006/main" type="title" preserve="1">
   <p:cSld name="Title Slide">
@@ -261,7 +2772,7 @@
           <a:p>
             <a:fld id="{5F981C07-B402-4A91-A2F9-238AB9347237}" type="datetimeFigureOut">
               <a:rPr lang="en-US" smtClean="0"/>
-              <a:t>3/8/2015</a:t>
+              <a:t>3/10/2015</a:t>
             </a:fld>
             <a:endParaRPr lang="en-US"/>
           </a:p>
@@ -574,7 +3085,7 @@
           <a:p>
             <a:fld id="{5F981C07-B402-4A91-A2F9-238AB9347237}" type="datetimeFigureOut">
               <a:rPr lang="en-US" smtClean="0"/>
-              <a:t>3/8/2015</a:t>
+              <a:t>3/10/2015</a:t>
             </a:fld>
             <a:endParaRPr lang="en-US"/>
           </a:p>
@@ -759,7 +3270,7 @@
           <a:p>
             <a:fld id="{5F981C07-B402-4A91-A2F9-238AB9347237}" type="datetimeFigureOut">
               <a:rPr lang="en-US" smtClean="0"/>
-              <a:t>3/8/2015</a:t>
+              <a:t>3/10/2015</a:t>
             </a:fld>
             <a:endParaRPr lang="en-US"/>
           </a:p>
@@ -934,7 +3445,7 @@
           <a:p>
             <a:fld id="{5F981C07-B402-4A91-A2F9-238AB9347237}" type="datetimeFigureOut">
               <a:rPr lang="en-US" smtClean="0"/>
-              <a:t>3/8/2015</a:t>
+              <a:t>3/10/2015</a:t>
             </a:fld>
             <a:endParaRPr lang="en-US"/>
           </a:p>
@@ -1202,7 +3713,7 @@
           <a:p>
             <a:fld id="{5F981C07-B402-4A91-A2F9-238AB9347237}" type="datetimeFigureOut">
               <a:rPr lang="en-US" smtClean="0"/>
-              <a:t>3/8/2015</a:t>
+              <a:t>3/10/2015</a:t>
             </a:fld>
             <a:endParaRPr lang="en-US"/>
           </a:p>
@@ -1670,7 +4181,7 @@
           <a:p>
             <a:fld id="{5F981C07-B402-4A91-A2F9-238AB9347237}" type="datetimeFigureOut">
               <a:rPr lang="en-US" smtClean="0"/>
-              <a:t>3/8/2015</a:t>
+              <a:t>3/10/2015</a:t>
             </a:fld>
             <a:endParaRPr lang="en-US"/>
           </a:p>
@@ -2159,7 +4670,7 @@
           <a:p>
             <a:fld id="{5F981C07-B402-4A91-A2F9-238AB9347237}" type="datetimeFigureOut">
               <a:rPr lang="en-US" smtClean="0"/>
-              <a:t>3/8/2015</a:t>
+              <a:t>3/10/2015</a:t>
             </a:fld>
             <a:endParaRPr lang="en-US"/>
           </a:p>
@@ -2285,7 +4796,7 @@
           <a:p>
             <a:fld id="{5F981C07-B402-4A91-A2F9-238AB9347237}" type="datetimeFigureOut">
               <a:rPr lang="en-US" smtClean="0"/>
-              <a:t>3/8/2015</a:t>
+              <a:t>3/10/2015</a:t>
             </a:fld>
             <a:endParaRPr lang="en-US"/>
           </a:p>
@@ -2429,7 +4940,7 @@
           <a:p>
             <a:fld id="{5F981C07-B402-4A91-A2F9-238AB9347237}" type="datetimeFigureOut">
               <a:rPr lang="en-US" smtClean="0"/>
-              <a:t>3/8/2015</a:t>
+              <a:t>3/10/2015</a:t>
             </a:fld>
             <a:endParaRPr lang="en-US"/>
           </a:p>
@@ -2751,7 +5262,7 @@
           <a:p>
             <a:fld id="{5F981C07-B402-4A91-A2F9-238AB9347237}" type="datetimeFigureOut">
               <a:rPr lang="en-US" smtClean="0"/>
-              <a:t>3/8/2015</a:t>
+              <a:t>3/10/2015</a:t>
             </a:fld>
             <a:endParaRPr lang="en-US"/>
           </a:p>
@@ -2885,7 +5396,7 @@
           <a:p>
             <a:fld id="{5F981C07-B402-4A91-A2F9-238AB9347237}" type="datetimeFigureOut">
               <a:rPr lang="en-US" smtClean="0"/>
-              <a:t>3/8/2015</a:t>
+              <a:t>3/10/2015</a:t>
             </a:fld>
             <a:endParaRPr lang="en-US"/>
           </a:p>
@@ -3666,7 +6177,7 @@
           <a:p>
             <a:fld id="{5F981C07-B402-4A91-A2F9-238AB9347237}" type="datetimeFigureOut">
               <a:rPr lang="en-US" smtClean="0"/>
-              <a:t>3/8/2015</a:t>
+              <a:t>3/10/2015</a:t>
             </a:fld>
             <a:endParaRPr lang="en-US"/>
           </a:p>
@@ -4363,12 +6874,12 @@
           <a:graphicData uri="http://schemas.openxmlformats.org/presentationml/2006/ole">
             <mc:AlternateContent xmlns:mc="http://schemas.openxmlformats.org/markup-compatibility/2006">
               <mc:Choice xmlns:v="urn:schemas-microsoft-com:vml" Requires="v">
-                <p:oleObj spid="_x0000_s1090" name="Microsoft Word Picture" r:id="rId3" imgW="1991868" imgH="2458212" progId="Word.Picture.8">
+                <p:oleObj spid="_x0000_s1108" name="Microsoft Word Picture" r:id="rId4" imgW="1991868" imgH="2458212" progId="Word.Picture.8">
                   <p:embed/>
                 </p:oleObj>
               </mc:Choice>
               <mc:Fallback>
-                <p:oleObj name="Microsoft Word Picture" r:id="rId3" imgW="1991868" imgH="2458212" progId="Word.Picture.8">
+                <p:oleObj name="Microsoft Word Picture" r:id="rId4" imgW="1991868" imgH="2458212" progId="Word.Picture.8">
                   <p:embed/>
                   <p:pic>
                     <p:nvPicPr>
@@ -4379,7 +6890,7 @@
                       <p:nvPr/>
                     </p:nvPicPr>
                     <p:blipFill>
-                      <a:blip r:embed="rId4">
+                      <a:blip r:embed="rId5">
                         <a:extLst>
                           <a:ext uri="{28A0092B-C50C-407E-A947-70E740481C1C}">
                             <a14:useLocalDpi xmlns:a14="http://schemas.microsoft.com/office/drawing/2010/main" val="0"/>
@@ -4422,7 +6933,7 @@
           <p:nvPr/>
         </p:nvPicPr>
         <p:blipFill>
-          <a:blip r:embed="rId5">
+          <a:blip r:embed="rId6">
             <a:extLst>
               <a:ext uri="{28A0092B-C50C-407E-A947-70E740481C1C}">
                 <a14:useLocalDpi xmlns:a14="http://schemas.microsoft.com/office/drawing/2010/main" val="0"/>
@@ -4601,7 +7112,7 @@
           <p:nvPr/>
         </p:nvPicPr>
         <p:blipFill>
-          <a:blip r:embed="rId2"/>
+          <a:blip r:embed="rId3"/>
           <a:stretch>
             <a:fillRect/>
           </a:stretch>
@@ -4721,7 +7232,7 @@
           <p:nvPr/>
         </p:nvPicPr>
         <p:blipFill>
-          <a:blip r:embed="rId2">
+          <a:blip r:embed="rId3">
             <a:extLst>
               <a:ext uri="{28A0092B-C50C-407E-A947-70E740481C1C}">
                 <a14:useLocalDpi xmlns:a14="http://schemas.microsoft.com/office/drawing/2010/main" val="0"/>
@@ -4851,7 +7362,7 @@
           <p:nvPr/>
         </p:nvPicPr>
         <p:blipFill>
-          <a:blip r:embed="rId2" cstate="print">
+          <a:blip r:embed="rId3" cstate="print">
             <a:extLst>
               <a:ext uri="{28A0092B-C50C-407E-A947-70E740481C1C}">
                 <a14:useLocalDpi xmlns:a14="http://schemas.microsoft.com/office/drawing/2010/main" val="0"/>
@@ -4910,7 +7421,7 @@
           <p:nvPr/>
         </p:nvPicPr>
         <p:blipFill>
-          <a:blip r:embed="rId3" cstate="print">
+          <a:blip r:embed="rId4" cstate="print">
             <a:extLst>
               <a:ext uri="{28A0092B-C50C-407E-A947-70E740481C1C}">
                 <a14:useLocalDpi xmlns:a14="http://schemas.microsoft.com/office/drawing/2010/main" val="0"/>
@@ -4974,7 +7485,7 @@
           <p:nvPr/>
         </p:nvPicPr>
         <p:blipFill>
-          <a:blip r:embed="rId4" cstate="print">
+          <a:blip r:embed="rId5" cstate="print">
             <a:extLst>
               <a:ext uri="{28A0092B-C50C-407E-A947-70E740481C1C}">
                 <a14:useLocalDpi xmlns:a14="http://schemas.microsoft.com/office/drawing/2010/main" val="0"/>
@@ -5171,7 +7682,7 @@
           <p:nvPr/>
         </p:nvPicPr>
         <p:blipFill>
-          <a:blip r:embed="rId5" cstate="print">
+          <a:blip r:embed="rId6" cstate="print">
             <a:extLst>
               <a:ext uri="{28A0092B-C50C-407E-A947-70E740481C1C}">
                 <a14:useLocalDpi xmlns:a14="http://schemas.microsoft.com/office/drawing/2010/main" val="0"/>
@@ -5270,7 +7781,7 @@
           <p:nvPr/>
         </p:nvPicPr>
         <p:blipFill>
-          <a:blip r:embed="rId6" cstate="print">
+          <a:blip r:embed="rId7" cstate="print">
             <a:extLst>
               <a:ext uri="{28A0092B-C50C-407E-A947-70E740481C1C}">
                 <a14:useLocalDpi xmlns:a14="http://schemas.microsoft.com/office/drawing/2010/main" val="0"/>
@@ -5584,17 +8095,8 @@
               <a:rPr lang="bg-BG" dirty="0" smtClean="0">
                 <a:latin typeface="Corbel" panose="020B0503020204020204" pitchFamily="34" charset="0"/>
               </a:rPr>
-              <a:t>Представяне на възможните формати за представяне на UML и избор на подходящ </a:t>
-            </a:r>
-            <a:r>
-              <a:rPr lang="bg-BG" dirty="0" smtClean="0">
-                <a:latin typeface="Corbel" panose="020B0503020204020204" pitchFamily="34" charset="0"/>
-              </a:rPr>
-              <a:t>такъв</a:t>
-            </a:r>
-            <a:endParaRPr lang="bg-BG" dirty="0" smtClean="0">
-              <a:latin typeface="Corbel" panose="020B0503020204020204" pitchFamily="34" charset="0"/>
-            </a:endParaRPr>
+              <a:t>Проучване на възможните формати за представяне на UML и избор на подходящ такъв</a:t>
+            </a:r>
           </a:p>
           <a:p>
             <a:r>
@@ -5850,926 +8352,6 @@
 </file>
 
 <file path=ppt/slides/slide16.xml><?xml version="1.0" encoding="utf-8"?>
-<p:sld xmlns:a="http://schemas.openxmlformats.org/drawingml/2006/main" xmlns:r="http://schemas.openxmlformats.org/officeDocument/2006/relationships" xmlns:p="http://schemas.openxmlformats.org/presentationml/2006/main">
-  <p:cSld>
-    <p:spTree>
-      <p:nvGrpSpPr>
-        <p:cNvPr id="1" name=""/>
-        <p:cNvGrpSpPr/>
-        <p:nvPr/>
-      </p:nvGrpSpPr>
-      <p:grpSpPr>
-        <a:xfrm>
-          <a:off x="0" y="0"/>
-          <a:ext cx="0" cy="0"/>
-          <a:chOff x="0" y="0"/>
-          <a:chExt cx="0" cy="0"/>
-        </a:xfrm>
-      </p:grpSpPr>
-      <p:pic>
-        <p:nvPicPr>
-          <p:cNvPr id="9" name="Picture 8"/>
-          <p:cNvPicPr/>
-          <p:nvPr/>
-        </p:nvPicPr>
-        <p:blipFill>
-          <a:blip r:embed="rId2">
-            <a:extLst>
-              <a:ext uri="{28A0092B-C50C-407E-A947-70E740481C1C}">
-                <a14:useLocalDpi xmlns:a14="http://schemas.microsoft.com/office/drawing/2010/main" val="0"/>
-              </a:ext>
-            </a:extLst>
-          </a:blip>
-          <a:stretch>
-            <a:fillRect/>
-          </a:stretch>
-        </p:blipFill>
-        <p:spPr>
-          <a:xfrm>
-            <a:off x="1219200" y="1143000"/>
-            <a:ext cx="7239000" cy="5410200"/>
-          </a:xfrm>
-          <a:prstGeom prst="rect">
-            <a:avLst/>
-          </a:prstGeom>
-        </p:spPr>
-      </p:pic>
-      <p:sp>
-        <p:nvSpPr>
-          <p:cNvPr id="2" name="Title 1"/>
-          <p:cNvSpPr>
-            <a:spLocks noGrp="1"/>
-          </p:cNvSpPr>
-          <p:nvPr>
-            <p:ph type="title"/>
-          </p:nvPr>
-        </p:nvSpPr>
-        <p:spPr>
-          <a:xfrm>
-            <a:off x="1143000" y="152400"/>
-            <a:ext cx="7790688" cy="1143000"/>
-          </a:xfrm>
-        </p:spPr>
-        <p:txBody>
-          <a:bodyPr>
-            <a:noAutofit/>
-          </a:bodyPr>
-          <a:lstStyle/>
-          <a:p>
-            <a:r>
-              <a:rPr lang="ru-RU" sz="2400" dirty="0"/>
-              <a:t>Как са определени специфичните критерии за </a:t>
-            </a:r>
-            <a:r>
-              <a:rPr lang="ru-RU" sz="2400" dirty="0" smtClean="0"/>
-              <a:t>стандартна архитектура </a:t>
-            </a:r>
-            <a:r>
-              <a:rPr lang="ru-RU" sz="2400" dirty="0"/>
-              <a:t>(по диаграмата на внедряване на фиг. 64</a:t>
-            </a:r>
-            <a:r>
-              <a:rPr lang="ru-RU" sz="2400" dirty="0" smtClean="0"/>
-              <a:t>)?</a:t>
-            </a:r>
-            <a:r>
-              <a:rPr lang="en-US" sz="2400" dirty="0" smtClean="0"/>
-              <a:t> (1)</a:t>
-            </a:r>
-            <a:endParaRPr lang="bg-BG" sz="2400" dirty="0"/>
-          </a:p>
-        </p:txBody>
-      </p:sp>
-    </p:spTree>
-    <p:extLst>
-      <p:ext uri="{BB962C8B-B14F-4D97-AF65-F5344CB8AC3E}">
-        <p14:creationId xmlns:p14="http://schemas.microsoft.com/office/powerpoint/2010/main" val="438435912"/>
-      </p:ext>
-    </p:extLst>
-  </p:cSld>
-  <p:clrMapOvr>
-    <a:masterClrMapping/>
-  </p:clrMapOvr>
-  <p:timing>
-    <p:tnLst>
-      <p:par>
-        <p:cTn id="1" dur="indefinite" restart="never" nodeType="tmRoot"/>
-      </p:par>
-    </p:tnLst>
-  </p:timing>
-</p:sld>
-</file>
-
-<file path=ppt/slides/slide17.xml><?xml version="1.0" encoding="utf-8"?>
-<p:sld xmlns:a="http://schemas.openxmlformats.org/drawingml/2006/main" xmlns:r="http://schemas.openxmlformats.org/officeDocument/2006/relationships" xmlns:p="http://schemas.openxmlformats.org/presentationml/2006/main">
-  <p:cSld>
-    <p:spTree>
-      <p:nvGrpSpPr>
-        <p:cNvPr id="1" name=""/>
-        <p:cNvGrpSpPr/>
-        <p:nvPr/>
-      </p:nvGrpSpPr>
-      <p:grpSpPr>
-        <a:xfrm>
-          <a:off x="0" y="0"/>
-          <a:ext cx="0" cy="0"/>
-          <a:chOff x="0" y="0"/>
-          <a:chExt cx="0" cy="0"/>
-        </a:xfrm>
-      </p:grpSpPr>
-      <p:sp>
-        <p:nvSpPr>
-          <p:cNvPr id="2" name="Title 1"/>
-          <p:cNvSpPr>
-            <a:spLocks noGrp="1"/>
-          </p:cNvSpPr>
-          <p:nvPr>
-            <p:ph type="title"/>
-          </p:nvPr>
-        </p:nvSpPr>
-        <p:spPr>
-          <a:xfrm>
-            <a:off x="1143000" y="152400"/>
-            <a:ext cx="7498080" cy="1143000"/>
-          </a:xfrm>
-        </p:spPr>
-        <p:txBody>
-          <a:bodyPr>
-            <a:noAutofit/>
-          </a:bodyPr>
-          <a:lstStyle/>
-          <a:p>
-            <a:r>
-              <a:rPr lang="ru-RU" sz="2400" dirty="0"/>
-              <a:t>Как са определени специфичните критерии за стандартна архитектура (по диаграмата на внедряване на фиг. 64</a:t>
-            </a:r>
-            <a:r>
-              <a:rPr lang="ru-RU" sz="2400" dirty="0" smtClean="0"/>
-              <a:t>)?</a:t>
-            </a:r>
-            <a:r>
-              <a:rPr lang="en-US" sz="2400" dirty="0" smtClean="0"/>
-              <a:t> (2)</a:t>
-            </a:r>
-            <a:endParaRPr lang="bg-BG" sz="2400" dirty="0"/>
-          </a:p>
-        </p:txBody>
-      </p:sp>
-      <p:sp>
-        <p:nvSpPr>
-          <p:cNvPr id="5" name="Content Placeholder 2"/>
-          <p:cNvSpPr>
-            <a:spLocks noGrp="1"/>
-          </p:cNvSpPr>
-          <p:nvPr>
-            <p:ph idx="1"/>
-          </p:nvPr>
-        </p:nvSpPr>
-        <p:spPr>
-          <a:xfrm>
-            <a:off x="1143000" y="1447800"/>
-            <a:ext cx="7790688" cy="4800600"/>
-          </a:xfrm>
-        </p:spPr>
-        <p:txBody>
-          <a:bodyPr>
-            <a:normAutofit/>
-          </a:bodyPr>
-          <a:lstStyle/>
-          <a:p>
-            <a:r>
-              <a:rPr lang="bg-BG" dirty="0" smtClean="0">
-                <a:latin typeface="Corbel" panose="020B0503020204020204" pitchFamily="34" charset="0"/>
-              </a:rPr>
-              <a:t>Те са имплементация на функционалните изиксвания дефинирани в Глава 3</a:t>
-            </a:r>
-          </a:p>
-          <a:p>
-            <a:r>
-              <a:rPr lang="bg-BG" dirty="0" smtClean="0">
-                <a:latin typeface="Corbel" panose="020B0503020204020204" pitchFamily="34" charset="0"/>
-              </a:rPr>
-              <a:t>Дизайна им е реализиран в UML модела на ArchExtractor</a:t>
-            </a:r>
-          </a:p>
-          <a:p>
-            <a:r>
-              <a:rPr lang="bg-BG" dirty="0" smtClean="0">
-                <a:latin typeface="Corbel" panose="020B0503020204020204" pitchFamily="34" charset="0"/>
-              </a:rPr>
-              <a:t>Самите изисквания от Глава 3 са на базата на документация за стандартната архитектура и експертен опит.  </a:t>
-            </a:r>
-            <a:endParaRPr lang="bg-BG" dirty="0">
-              <a:latin typeface="Corbel" panose="020B0503020204020204" pitchFamily="34" charset="0"/>
-            </a:endParaRPr>
-          </a:p>
-        </p:txBody>
-      </p:sp>
-    </p:spTree>
-    <p:extLst>
-      <p:ext uri="{BB962C8B-B14F-4D97-AF65-F5344CB8AC3E}">
-        <p14:creationId xmlns:p14="http://schemas.microsoft.com/office/powerpoint/2010/main" val="2128101165"/>
-      </p:ext>
-    </p:extLst>
-  </p:cSld>
-  <p:clrMapOvr>
-    <a:masterClrMapping/>
-  </p:clrMapOvr>
-  <p:timing>
-    <p:tnLst>
-      <p:par>
-        <p:cTn id="1" dur="indefinite" restart="never" nodeType="tmRoot"/>
-      </p:par>
-    </p:tnLst>
-  </p:timing>
-</p:sld>
-</file>
-
-<file path=ppt/slides/slide18.xml><?xml version="1.0" encoding="utf-8"?>
-<p:sld xmlns:a="http://schemas.openxmlformats.org/drawingml/2006/main" xmlns:r="http://schemas.openxmlformats.org/officeDocument/2006/relationships" xmlns:p="http://schemas.openxmlformats.org/presentationml/2006/main">
-  <p:cSld>
-    <p:spTree>
-      <p:nvGrpSpPr>
-        <p:cNvPr id="1" name=""/>
-        <p:cNvGrpSpPr/>
-        <p:nvPr/>
-      </p:nvGrpSpPr>
-      <p:grpSpPr>
-        <a:xfrm>
-          <a:off x="0" y="0"/>
-          <a:ext cx="0" cy="0"/>
-          <a:chOff x="0" y="0"/>
-          <a:chExt cx="0" cy="0"/>
-        </a:xfrm>
-      </p:grpSpPr>
-      <p:sp>
-        <p:nvSpPr>
-          <p:cNvPr id="2" name="Title 1"/>
-          <p:cNvSpPr>
-            <a:spLocks noGrp="1"/>
-          </p:cNvSpPr>
-          <p:nvPr>
-            <p:ph type="title"/>
-          </p:nvPr>
-        </p:nvSpPr>
-        <p:spPr>
-          <a:xfrm>
-            <a:off x="1219200" y="152400"/>
-            <a:ext cx="7498080" cy="1143000"/>
-          </a:xfrm>
-        </p:spPr>
-        <p:txBody>
-          <a:bodyPr>
-            <a:noAutofit/>
-          </a:bodyPr>
-          <a:lstStyle/>
-          <a:p>
-            <a:r>
-              <a:rPr lang="ru-RU" sz="3200" dirty="0"/>
-              <a:t>Съществуват ли и други код генератори от UML модел, освен описания (Acceleo)?</a:t>
-            </a:r>
-            <a:endParaRPr lang="bg-BG" sz="3200" dirty="0"/>
-          </a:p>
-        </p:txBody>
-      </p:sp>
-      <p:sp>
-        <p:nvSpPr>
-          <p:cNvPr id="3" name="Content Placeholder 2"/>
-          <p:cNvSpPr>
-            <a:spLocks noGrp="1"/>
-          </p:cNvSpPr>
-          <p:nvPr>
-            <p:ph idx="1"/>
-          </p:nvPr>
-        </p:nvSpPr>
-        <p:spPr>
-          <a:xfrm>
-            <a:off x="1143000" y="1447800"/>
-            <a:ext cx="7790688" cy="4800600"/>
-          </a:xfrm>
-        </p:spPr>
-        <p:txBody>
-          <a:bodyPr/>
-          <a:lstStyle/>
-          <a:p>
-            <a:r>
-              <a:rPr lang="bg-BG" dirty="0" smtClean="0">
-                <a:latin typeface="Corbel" panose="020B0503020204020204" pitchFamily="34" charset="0"/>
-              </a:rPr>
-              <a:t>Да, в дипломната работа е използван още един, този на BoUML (слайд 12)</a:t>
-            </a:r>
-          </a:p>
-          <a:p>
-            <a:r>
-              <a:rPr lang="bg-BG" dirty="0" smtClean="0">
-                <a:latin typeface="Corbel" panose="020B0503020204020204" pitchFamily="34" charset="0"/>
-              </a:rPr>
-              <a:t>Повечето UML редактори като: </a:t>
-            </a:r>
-            <a:r>
-              <a:rPr lang="bg-BG" i="1" dirty="0" smtClean="0">
-                <a:latin typeface="Corbel" panose="020B0503020204020204" pitchFamily="34" charset="0"/>
-              </a:rPr>
-              <a:t>BoUML</a:t>
-            </a:r>
-            <a:r>
-              <a:rPr lang="bg-BG" dirty="0" smtClean="0">
-                <a:latin typeface="Corbel" panose="020B0503020204020204" pitchFamily="34" charset="0"/>
-              </a:rPr>
-              <a:t>, </a:t>
-            </a:r>
-            <a:r>
-              <a:rPr lang="bg-BG" i="1" dirty="0" smtClean="0">
-                <a:latin typeface="Corbel" panose="020B0503020204020204" pitchFamily="34" charset="0"/>
-              </a:rPr>
-              <a:t>Enterprise Architect</a:t>
-            </a:r>
-            <a:r>
-              <a:rPr lang="bg-BG" dirty="0" smtClean="0">
-                <a:latin typeface="Corbel" panose="020B0503020204020204" pitchFamily="34" charset="0"/>
-              </a:rPr>
-              <a:t>, </a:t>
-            </a:r>
-            <a:r>
-              <a:rPr lang="bg-BG" i="1" dirty="0" smtClean="0">
-                <a:latin typeface="Corbel" panose="020B0503020204020204" pitchFamily="34" charset="0"/>
-              </a:rPr>
-              <a:t>Visual-Paradigm, Altova Umodel, IBM Rational Rhapsody</a:t>
-            </a:r>
-            <a:r>
-              <a:rPr lang="bg-BG" dirty="0" smtClean="0">
-                <a:latin typeface="Corbel" panose="020B0503020204020204" pitchFamily="34" charset="0"/>
-              </a:rPr>
-              <a:t> и т.н. предлагат код генерация</a:t>
-            </a:r>
-          </a:p>
-          <a:p>
-            <a:r>
-              <a:rPr lang="bg-BG" dirty="0" smtClean="0">
-                <a:latin typeface="Corbel" panose="020B0503020204020204" pitchFamily="34" charset="0"/>
-              </a:rPr>
-              <a:t>Някой от тях предлагат богати възможности за разширение</a:t>
-            </a:r>
-            <a:endParaRPr lang="bg-BG" dirty="0">
-              <a:latin typeface="Corbel" panose="020B0503020204020204" pitchFamily="34" charset="0"/>
-            </a:endParaRPr>
-          </a:p>
-        </p:txBody>
-      </p:sp>
-    </p:spTree>
-    <p:extLst>
-      <p:ext uri="{BB962C8B-B14F-4D97-AF65-F5344CB8AC3E}">
-        <p14:creationId xmlns:p14="http://schemas.microsoft.com/office/powerpoint/2010/main" val="3782025733"/>
-      </p:ext>
-    </p:extLst>
-  </p:cSld>
-  <p:clrMapOvr>
-    <a:masterClrMapping/>
-  </p:clrMapOvr>
-  <p:timing>
-    <p:tnLst>
-      <p:par>
-        <p:cTn id="1" dur="indefinite" restart="never" nodeType="tmRoot"/>
-      </p:par>
-    </p:tnLst>
-  </p:timing>
-</p:sld>
-</file>
-
-<file path=ppt/slides/slide19.xml><?xml version="1.0" encoding="utf-8"?>
-<p:sld xmlns:a="http://schemas.openxmlformats.org/drawingml/2006/main" xmlns:r="http://schemas.openxmlformats.org/officeDocument/2006/relationships" xmlns:p="http://schemas.openxmlformats.org/presentationml/2006/main">
-  <p:cSld>
-    <p:spTree>
-      <p:nvGrpSpPr>
-        <p:cNvPr id="1" name=""/>
-        <p:cNvGrpSpPr/>
-        <p:nvPr/>
-      </p:nvGrpSpPr>
-      <p:grpSpPr>
-        <a:xfrm>
-          <a:off x="0" y="0"/>
-          <a:ext cx="0" cy="0"/>
-          <a:chOff x="0" y="0"/>
-          <a:chExt cx="0" cy="0"/>
-        </a:xfrm>
-      </p:grpSpPr>
-      <p:sp>
-        <p:nvSpPr>
-          <p:cNvPr id="2" name="Title 1"/>
-          <p:cNvSpPr>
-            <a:spLocks noGrp="1"/>
-          </p:cNvSpPr>
-          <p:nvPr>
-            <p:ph type="title"/>
-          </p:nvPr>
-        </p:nvSpPr>
-        <p:spPr>
-          <a:xfrm>
-            <a:off x="1219200" y="221370"/>
-            <a:ext cx="7714488" cy="1143000"/>
-          </a:xfrm>
-        </p:spPr>
-        <p:txBody>
-          <a:bodyPr>
-            <a:noAutofit/>
-          </a:bodyPr>
-          <a:lstStyle/>
-          <a:p>
-            <a:r>
-              <a:rPr lang="ru-RU" sz="2800" dirty="0"/>
-              <a:t>Сравнение на Eclipse EMF инструментите за трансформация с използвания </a:t>
-            </a:r>
-            <a:r>
-              <a:rPr lang="ru-RU" sz="2800" dirty="0" smtClean="0"/>
-              <a:t>клас</a:t>
-            </a:r>
-            <a:r>
-              <a:rPr lang="en-US" sz="2800" dirty="0" smtClean="0"/>
-              <a:t> </a:t>
-            </a:r>
-            <a:r>
-              <a:rPr lang="ru-RU" sz="2800" dirty="0" smtClean="0"/>
-              <a:t>XMIConverter?</a:t>
-            </a:r>
-            <a:r>
-              <a:rPr lang="en-US" sz="2800" dirty="0" smtClean="0"/>
-              <a:t> (1)</a:t>
-            </a:r>
-            <a:endParaRPr lang="bg-BG" sz="2800" dirty="0"/>
-          </a:p>
-        </p:txBody>
-      </p:sp>
-      <p:sp>
-        <p:nvSpPr>
-          <p:cNvPr id="3" name="Content Placeholder 2"/>
-          <p:cNvSpPr>
-            <a:spLocks noGrp="1"/>
-          </p:cNvSpPr>
-          <p:nvPr>
-            <p:ph idx="1"/>
-          </p:nvPr>
-        </p:nvSpPr>
-        <p:spPr>
-          <a:xfrm>
-            <a:off x="1219200" y="1524000"/>
-            <a:ext cx="7714488" cy="5105400"/>
-          </a:xfrm>
-        </p:spPr>
-        <p:txBody>
-          <a:bodyPr>
-            <a:normAutofit/>
-          </a:bodyPr>
-          <a:lstStyle/>
-          <a:p>
-            <a:r>
-              <a:rPr lang="bg-BG" sz="1800" dirty="0" smtClean="0">
-                <a:latin typeface="Corbel" panose="020B0503020204020204" pitchFamily="34" charset="0"/>
-              </a:rPr>
-              <a:t>XMIConverter </a:t>
-            </a:r>
-            <a:r>
-              <a:rPr lang="en-US" sz="1800" dirty="0" smtClean="0">
-                <a:latin typeface="Corbel" panose="020B0503020204020204" pitchFamily="34" charset="0"/>
-              </a:rPr>
-              <a:t>е к</a:t>
-            </a:r>
-            <a:r>
-              <a:rPr lang="bg-BG" sz="1800" dirty="0" smtClean="0"/>
-              <a:t>лас </a:t>
-            </a:r>
-            <a:r>
-              <a:rPr lang="bg-BG" sz="1800" dirty="0"/>
-              <a:t>отговорен за конвертирането на архитектурното хранилище на системата към UML модел съхранен в XMI формат.</a:t>
-            </a:r>
-          </a:p>
-        </p:txBody>
-      </p:sp>
-      <p:pic>
-        <p:nvPicPr>
-          <p:cNvPr id="4" name="Picture 3"/>
-          <p:cNvPicPr/>
-          <p:nvPr/>
-        </p:nvPicPr>
-        <p:blipFill>
-          <a:blip r:embed="rId2">
-            <a:extLst>
-              <a:ext uri="{28A0092B-C50C-407E-A947-70E740481C1C}">
-                <a14:useLocalDpi xmlns:a14="http://schemas.microsoft.com/office/drawing/2010/main" val="0"/>
-              </a:ext>
-            </a:extLst>
-          </a:blip>
-          <a:stretch>
-            <a:fillRect/>
-          </a:stretch>
-        </p:blipFill>
-        <p:spPr>
-          <a:xfrm>
-            <a:off x="1371600" y="2133600"/>
-            <a:ext cx="7086600" cy="4114800"/>
-          </a:xfrm>
-          <a:prstGeom prst="rect">
-            <a:avLst/>
-          </a:prstGeom>
-        </p:spPr>
-      </p:pic>
-    </p:spTree>
-    <p:extLst>
-      <p:ext uri="{BB962C8B-B14F-4D97-AF65-F5344CB8AC3E}">
-        <p14:creationId xmlns:p14="http://schemas.microsoft.com/office/powerpoint/2010/main" val="356671770"/>
-      </p:ext>
-    </p:extLst>
-  </p:cSld>
-  <p:clrMapOvr>
-    <a:masterClrMapping/>
-  </p:clrMapOvr>
-  <p:timing>
-    <p:tnLst>
-      <p:par>
-        <p:cTn id="1" dur="indefinite" restart="never" nodeType="tmRoot"/>
-      </p:par>
-    </p:tnLst>
-  </p:timing>
-</p:sld>
-</file>
-
-<file path=ppt/slides/slide2.xml><?xml version="1.0" encoding="utf-8"?>
-<p:sld xmlns:a="http://schemas.openxmlformats.org/drawingml/2006/main" xmlns:r="http://schemas.openxmlformats.org/officeDocument/2006/relationships" xmlns:p="http://schemas.openxmlformats.org/presentationml/2006/main">
-  <p:cSld>
-    <p:spTree>
-      <p:nvGrpSpPr>
-        <p:cNvPr id="1" name=""/>
-        <p:cNvGrpSpPr/>
-        <p:nvPr/>
-      </p:nvGrpSpPr>
-      <p:grpSpPr>
-        <a:xfrm>
-          <a:off x="0" y="0"/>
-          <a:ext cx="0" cy="0"/>
-          <a:chOff x="0" y="0"/>
-          <a:chExt cx="0" cy="0"/>
-        </a:xfrm>
-      </p:grpSpPr>
-      <p:sp>
-        <p:nvSpPr>
-          <p:cNvPr id="2" name="Title 1"/>
-          <p:cNvSpPr>
-            <a:spLocks noGrp="1"/>
-          </p:cNvSpPr>
-          <p:nvPr>
-            <p:ph type="title"/>
-          </p:nvPr>
-        </p:nvSpPr>
-        <p:spPr/>
-        <p:txBody>
-          <a:bodyPr/>
-          <a:lstStyle/>
-          <a:p>
-            <a:r>
-              <a:rPr lang="bg-BG" dirty="0" smtClean="0">
-                <a:latin typeface="Corbel" panose="020B0503020204020204" pitchFamily="34" charset="0"/>
-              </a:rPr>
-              <a:t>Съдържание</a:t>
-            </a:r>
-            <a:endParaRPr lang="bg-BG" dirty="0">
-              <a:latin typeface="Corbel" panose="020B0503020204020204" pitchFamily="34" charset="0"/>
-            </a:endParaRPr>
-          </a:p>
-        </p:txBody>
-      </p:sp>
-      <p:sp>
-        <p:nvSpPr>
-          <p:cNvPr id="3" name="Content Placeholder 2"/>
-          <p:cNvSpPr>
-            <a:spLocks noGrp="1"/>
-          </p:cNvSpPr>
-          <p:nvPr>
-            <p:ph idx="1"/>
-          </p:nvPr>
-        </p:nvSpPr>
-        <p:spPr/>
-        <p:txBody>
-          <a:bodyPr>
-            <a:normAutofit lnSpcReduction="10000"/>
-          </a:bodyPr>
-          <a:lstStyle/>
-          <a:p>
-            <a:r>
-              <a:rPr lang="bg-BG" dirty="0" smtClean="0"/>
-              <a:t>Текущо състояние на индустрията</a:t>
-            </a:r>
-          </a:p>
-          <a:p>
-            <a:pPr marL="365760" lvl="1" indent="-283464">
-              <a:spcBef>
-                <a:spcPts val="600"/>
-              </a:spcBef>
-              <a:buSzPct val="80000"/>
-              <a:buFont typeface="Wingdings 2"/>
-              <a:buChar char=""/>
-            </a:pPr>
-            <a:r>
-              <a:rPr lang="bg-BG" sz="3200" dirty="0" smtClean="0"/>
-              <a:t>Софтуер за вградени системи</a:t>
-            </a:r>
-          </a:p>
-          <a:p>
-            <a:r>
-              <a:rPr lang="bg-BG" dirty="0" smtClean="0"/>
-              <a:t>Цели на дипломната работа</a:t>
-            </a:r>
-          </a:p>
-          <a:p>
-            <a:r>
-              <a:rPr lang="bg-BG" dirty="0" smtClean="0"/>
-              <a:t>Концепция</a:t>
-            </a:r>
-          </a:p>
-          <a:p>
-            <a:r>
-              <a:rPr lang="bg-BG" dirty="0" smtClean="0"/>
-              <a:t>Използвани технологии</a:t>
-            </a:r>
-          </a:p>
-          <a:p>
-            <a:r>
-              <a:rPr lang="bg-BG" dirty="0" smtClean="0"/>
-              <a:t>Архитектура</a:t>
-            </a:r>
-            <a:r>
-              <a:rPr lang="en-US" dirty="0" smtClean="0"/>
-              <a:t> </a:t>
-            </a:r>
-            <a:r>
-              <a:rPr lang="bg-BG" dirty="0" smtClean="0">
-                <a:latin typeface="Corbel" panose="020B0503020204020204" pitchFamily="34" charset="0"/>
-              </a:rPr>
-              <a:t>на ArchExtractor</a:t>
-            </a:r>
-            <a:endParaRPr lang="en-US" dirty="0" smtClean="0">
-              <a:latin typeface="Corbel" panose="020B0503020204020204" pitchFamily="34" charset="0"/>
-            </a:endParaRPr>
-          </a:p>
-          <a:p>
-            <a:r>
-              <a:rPr lang="bg-BG" dirty="0" smtClean="0">
-                <a:latin typeface="Corbel" panose="020B0503020204020204" pitchFamily="34" charset="0"/>
-              </a:rPr>
-              <a:t>Метод на разработка</a:t>
-            </a:r>
-            <a:r>
-              <a:rPr lang="en-US" dirty="0" smtClean="0">
-                <a:latin typeface="Corbel" panose="020B0503020204020204" pitchFamily="34" charset="0"/>
-              </a:rPr>
-              <a:t> </a:t>
-            </a:r>
-            <a:r>
-              <a:rPr lang="bg-BG" dirty="0">
-                <a:latin typeface="Corbel" panose="020B0503020204020204" pitchFamily="34" charset="0"/>
-              </a:rPr>
-              <a:t>на ArchExtractor</a:t>
-            </a:r>
-            <a:endParaRPr lang="bg-BG" dirty="0" smtClean="0">
-              <a:latin typeface="Corbel" panose="020B0503020204020204" pitchFamily="34" charset="0"/>
-            </a:endParaRPr>
-          </a:p>
-          <a:p>
-            <a:r>
-              <a:rPr lang="bg-BG" dirty="0" smtClean="0"/>
-              <a:t>Демонстрация</a:t>
-            </a:r>
-            <a:endParaRPr lang="en-US" dirty="0" smtClean="0"/>
-          </a:p>
-          <a:p>
-            <a:r>
-              <a:rPr lang="bg-BG" dirty="0" smtClean="0">
-                <a:latin typeface="Corbel" panose="020B0503020204020204" pitchFamily="34" charset="0"/>
-              </a:rPr>
-              <a:t>Обобщение и бъдещи насоки</a:t>
-            </a:r>
-          </a:p>
-          <a:p>
-            <a:pPr marL="82296" indent="0">
-              <a:buNone/>
-            </a:pPr>
-            <a:endParaRPr lang="en-US" dirty="0"/>
-          </a:p>
-        </p:txBody>
-      </p:sp>
-    </p:spTree>
-    <p:extLst>
-      <p:ext uri="{BB962C8B-B14F-4D97-AF65-F5344CB8AC3E}">
-        <p14:creationId xmlns:p14="http://schemas.microsoft.com/office/powerpoint/2010/main" val="1596700384"/>
-      </p:ext>
-    </p:extLst>
-  </p:cSld>
-  <p:clrMapOvr>
-    <a:masterClrMapping/>
-  </p:clrMapOvr>
-  <p:timing>
-    <p:tnLst>
-      <p:par>
-        <p:cTn id="1" dur="indefinite" restart="never" nodeType="tmRoot"/>
-      </p:par>
-    </p:tnLst>
-  </p:timing>
-</p:sld>
-</file>
-
-<file path=ppt/slides/slide20.xml><?xml version="1.0" encoding="utf-8"?>
-<p:sld xmlns:a="http://schemas.openxmlformats.org/drawingml/2006/main" xmlns:r="http://schemas.openxmlformats.org/officeDocument/2006/relationships" xmlns:p="http://schemas.openxmlformats.org/presentationml/2006/main">
-  <p:cSld>
-    <p:spTree>
-      <p:nvGrpSpPr>
-        <p:cNvPr id="1" name=""/>
-        <p:cNvGrpSpPr/>
-        <p:nvPr/>
-      </p:nvGrpSpPr>
-      <p:grpSpPr>
-        <a:xfrm>
-          <a:off x="0" y="0"/>
-          <a:ext cx="0" cy="0"/>
-          <a:chOff x="0" y="0"/>
-          <a:chExt cx="0" cy="0"/>
-        </a:xfrm>
-      </p:grpSpPr>
-      <p:sp>
-        <p:nvSpPr>
-          <p:cNvPr id="2" name="Title 1"/>
-          <p:cNvSpPr>
-            <a:spLocks noGrp="1"/>
-          </p:cNvSpPr>
-          <p:nvPr>
-            <p:ph type="title"/>
-          </p:nvPr>
-        </p:nvSpPr>
-        <p:spPr>
-          <a:xfrm>
-            <a:off x="1435608" y="221370"/>
-            <a:ext cx="7498080" cy="1143000"/>
-          </a:xfrm>
-        </p:spPr>
-        <p:txBody>
-          <a:bodyPr>
-            <a:noAutofit/>
-          </a:bodyPr>
-          <a:lstStyle/>
-          <a:p>
-            <a:r>
-              <a:rPr lang="ru-RU" sz="2800" dirty="0"/>
-              <a:t>Сравнение на Eclipse EMF инструментите за трансформация с използвания клас</a:t>
-            </a:r>
-            <a:r>
-              <a:rPr lang="en-US" sz="2800" dirty="0"/>
-              <a:t> </a:t>
-            </a:r>
-            <a:r>
-              <a:rPr lang="ru-RU" sz="2800" dirty="0"/>
-              <a:t>XMIConverter?</a:t>
-            </a:r>
-            <a:r>
-              <a:rPr lang="en-US" sz="2800" dirty="0"/>
-              <a:t> </a:t>
-            </a:r>
-            <a:r>
-              <a:rPr lang="en-US" sz="2800" dirty="0" smtClean="0"/>
-              <a:t>(2)</a:t>
-            </a:r>
-            <a:endParaRPr lang="bg-BG" sz="2800" dirty="0"/>
-          </a:p>
-        </p:txBody>
-      </p:sp>
-      <p:sp>
-        <p:nvSpPr>
-          <p:cNvPr id="3" name="Content Placeholder 2"/>
-          <p:cNvSpPr>
-            <a:spLocks noGrp="1"/>
-          </p:cNvSpPr>
-          <p:nvPr>
-            <p:ph idx="1"/>
-          </p:nvPr>
-        </p:nvSpPr>
-        <p:spPr>
-          <a:xfrm>
-            <a:off x="1341120" y="1600200"/>
-            <a:ext cx="7498080" cy="4800600"/>
-          </a:xfrm>
-        </p:spPr>
-        <p:txBody>
-          <a:bodyPr>
-            <a:normAutofit fontScale="92500" lnSpcReduction="20000"/>
-          </a:bodyPr>
-          <a:lstStyle/>
-          <a:p>
-            <a:pPr marL="82296" indent="0">
-              <a:buNone/>
-            </a:pPr>
-            <a:r>
-              <a:rPr lang="bg-BG" dirty="0" smtClean="0">
-                <a:latin typeface="Corbel" panose="020B0503020204020204" pitchFamily="34" charset="0"/>
-              </a:rPr>
-              <a:t>Основни проекти за трансформация от тип модел към модел на </a:t>
-            </a:r>
-            <a:r>
-              <a:rPr lang="bg-BG" i="1" dirty="0" smtClean="0">
-                <a:latin typeface="Corbel" panose="020B0503020204020204" pitchFamily="34" charset="0"/>
-              </a:rPr>
-              <a:t>Eclipse Modeling Project</a:t>
-            </a:r>
-            <a:r>
-              <a:rPr lang="bg-BG" dirty="0" smtClean="0">
-                <a:latin typeface="Corbel" panose="020B0503020204020204" pitchFamily="34" charset="0"/>
-              </a:rPr>
-              <a:t>:</a:t>
-            </a:r>
-          </a:p>
-          <a:p>
-            <a:r>
-              <a:rPr lang="bg-BG" i="1" dirty="0" smtClean="0">
-                <a:latin typeface="Corbel" panose="020B0503020204020204" pitchFamily="34" charset="0"/>
-              </a:rPr>
-              <a:t>ATL Transformation Language</a:t>
-            </a:r>
-          </a:p>
-          <a:p>
-            <a:r>
-              <a:rPr lang="bg-BG" i="1" dirty="0" smtClean="0">
-                <a:latin typeface="Corbel" panose="020B0503020204020204" pitchFamily="34" charset="0"/>
-              </a:rPr>
-              <a:t>QVT Operational (Procedural) / QVTd (Declarative)</a:t>
-            </a:r>
-            <a:r>
-              <a:rPr lang="en-US" i="1" dirty="0" smtClean="0">
-                <a:latin typeface="Corbel" panose="020B0503020204020204" pitchFamily="34" charset="0"/>
-              </a:rPr>
-              <a:t> – </a:t>
-            </a:r>
-            <a:r>
-              <a:rPr lang="bg-BG" dirty="0" smtClean="0">
-                <a:latin typeface="Corbel" panose="020B0503020204020204" pitchFamily="34" charset="0"/>
-              </a:rPr>
-              <a:t>частично имплементират </a:t>
-            </a:r>
-            <a:r>
-              <a:rPr lang="en-US" i="1" dirty="0" smtClean="0">
-                <a:latin typeface="Corbel" panose="020B0503020204020204" pitchFamily="34" charset="0"/>
-              </a:rPr>
-              <a:t>OMG </a:t>
-            </a:r>
-            <a:r>
-              <a:rPr lang="en-US" i="1" dirty="0">
-                <a:latin typeface="Corbel" panose="020B0503020204020204" pitchFamily="34" charset="0"/>
-              </a:rPr>
-              <a:t>standard specification (MOF) 2.0 Query/View/Transformation</a:t>
-            </a:r>
-            <a:endParaRPr lang="bg-BG" i="1" dirty="0" smtClean="0">
-              <a:latin typeface="Corbel" panose="020B0503020204020204" pitchFamily="34" charset="0"/>
-            </a:endParaRPr>
-          </a:p>
-          <a:p>
-            <a:endParaRPr lang="bg-BG" i="1" dirty="0" smtClean="0">
-              <a:latin typeface="Corbel" panose="020B0503020204020204" pitchFamily="34" charset="0"/>
-            </a:endParaRPr>
-          </a:p>
-          <a:p>
-            <a:pPr marL="82296" indent="0">
-              <a:buNone/>
-            </a:pPr>
-            <a:r>
-              <a:rPr lang="bg-BG" dirty="0" smtClean="0">
-                <a:latin typeface="Corbel" panose="020B0503020204020204" pitchFamily="34" charset="0"/>
-              </a:rPr>
-              <a:t>Отговор:</a:t>
-            </a:r>
-            <a:r>
-              <a:rPr lang="bg-BG" i="1" dirty="0" smtClean="0">
-                <a:latin typeface="Corbel" panose="020B0503020204020204" pitchFamily="34" charset="0"/>
-              </a:rPr>
-              <a:t> Могат да трансформират всеки съвместим с EMF модел в желан модел. За разлика от XMIConverter, който е силно специализиран за ArchExtractor.</a:t>
-            </a:r>
-          </a:p>
-        </p:txBody>
-      </p:sp>
-    </p:spTree>
-    <p:extLst>
-      <p:ext uri="{BB962C8B-B14F-4D97-AF65-F5344CB8AC3E}">
-        <p14:creationId xmlns:p14="http://schemas.microsoft.com/office/powerpoint/2010/main" val="3088767702"/>
-      </p:ext>
-    </p:extLst>
-  </p:cSld>
-  <p:clrMapOvr>
-    <a:masterClrMapping/>
-  </p:clrMapOvr>
-  <p:timing>
-    <p:tnLst>
-      <p:par>
-        <p:cTn id="1" dur="indefinite" restart="never" nodeType="tmRoot"/>
-      </p:par>
-    </p:tnLst>
-  </p:timing>
-</p:sld>
-</file>
-
-<file path=ppt/slides/slide21.xml><?xml version="1.0" encoding="utf-8"?>
 <p:sld xmlns:a="http://schemas.openxmlformats.org/drawingml/2006/main" xmlns:r="http://schemas.openxmlformats.org/officeDocument/2006/relationships" xmlns:p="http://schemas.openxmlformats.org/presentationml/2006/main">
   <p:cSld>
     <p:spTree>
@@ -6870,6 +8452,926 @@
 </p:sld>
 </file>
 
+<file path=ppt/slides/slide17.xml><?xml version="1.0" encoding="utf-8"?>
+<p:sld xmlns:a="http://schemas.openxmlformats.org/drawingml/2006/main" xmlns:r="http://schemas.openxmlformats.org/officeDocument/2006/relationships" xmlns:p="http://schemas.openxmlformats.org/presentationml/2006/main">
+  <p:cSld>
+    <p:spTree>
+      <p:nvGrpSpPr>
+        <p:cNvPr id="1" name=""/>
+        <p:cNvGrpSpPr/>
+        <p:nvPr/>
+      </p:nvGrpSpPr>
+      <p:grpSpPr>
+        <a:xfrm>
+          <a:off x="0" y="0"/>
+          <a:ext cx="0" cy="0"/>
+          <a:chOff x="0" y="0"/>
+          <a:chExt cx="0" cy="0"/>
+        </a:xfrm>
+      </p:grpSpPr>
+      <p:pic>
+        <p:nvPicPr>
+          <p:cNvPr id="9" name="Picture 8"/>
+          <p:cNvPicPr/>
+          <p:nvPr/>
+        </p:nvPicPr>
+        <p:blipFill>
+          <a:blip r:embed="rId3">
+            <a:extLst>
+              <a:ext uri="{28A0092B-C50C-407E-A947-70E740481C1C}">
+                <a14:useLocalDpi xmlns:a14="http://schemas.microsoft.com/office/drawing/2010/main" val="0"/>
+              </a:ext>
+            </a:extLst>
+          </a:blip>
+          <a:stretch>
+            <a:fillRect/>
+          </a:stretch>
+        </p:blipFill>
+        <p:spPr>
+          <a:xfrm>
+            <a:off x="1219200" y="1143000"/>
+            <a:ext cx="7239000" cy="5410200"/>
+          </a:xfrm>
+          <a:prstGeom prst="rect">
+            <a:avLst/>
+          </a:prstGeom>
+        </p:spPr>
+      </p:pic>
+      <p:sp>
+        <p:nvSpPr>
+          <p:cNvPr id="2" name="Title 1"/>
+          <p:cNvSpPr>
+            <a:spLocks noGrp="1"/>
+          </p:cNvSpPr>
+          <p:nvPr>
+            <p:ph type="title"/>
+          </p:nvPr>
+        </p:nvSpPr>
+        <p:spPr>
+          <a:xfrm>
+            <a:off x="1143000" y="152400"/>
+            <a:ext cx="7790688" cy="1143000"/>
+          </a:xfrm>
+        </p:spPr>
+        <p:txBody>
+          <a:bodyPr>
+            <a:noAutofit/>
+          </a:bodyPr>
+          <a:lstStyle/>
+          <a:p>
+            <a:r>
+              <a:rPr lang="ru-RU" sz="2400" dirty="0"/>
+              <a:t>Как са определени специфичните критерии за </a:t>
+            </a:r>
+            <a:r>
+              <a:rPr lang="ru-RU" sz="2400" dirty="0" smtClean="0"/>
+              <a:t>стандартна архитектура </a:t>
+            </a:r>
+            <a:r>
+              <a:rPr lang="ru-RU" sz="2400" dirty="0"/>
+              <a:t>(по диаграмата на внедряване на фиг. 64</a:t>
+            </a:r>
+            <a:r>
+              <a:rPr lang="ru-RU" sz="2400" dirty="0" smtClean="0"/>
+              <a:t>)?</a:t>
+            </a:r>
+            <a:r>
+              <a:rPr lang="en-US" sz="2400" dirty="0" smtClean="0"/>
+              <a:t> (1)</a:t>
+            </a:r>
+            <a:endParaRPr lang="bg-BG" sz="2400" dirty="0"/>
+          </a:p>
+        </p:txBody>
+      </p:sp>
+    </p:spTree>
+    <p:extLst>
+      <p:ext uri="{BB962C8B-B14F-4D97-AF65-F5344CB8AC3E}">
+        <p14:creationId xmlns:p14="http://schemas.microsoft.com/office/powerpoint/2010/main" val="438435912"/>
+      </p:ext>
+    </p:extLst>
+  </p:cSld>
+  <p:clrMapOvr>
+    <a:masterClrMapping/>
+  </p:clrMapOvr>
+  <p:timing>
+    <p:tnLst>
+      <p:par>
+        <p:cTn id="1" dur="indefinite" restart="never" nodeType="tmRoot"/>
+      </p:par>
+    </p:tnLst>
+  </p:timing>
+</p:sld>
+</file>
+
+<file path=ppt/slides/slide18.xml><?xml version="1.0" encoding="utf-8"?>
+<p:sld xmlns:a="http://schemas.openxmlformats.org/drawingml/2006/main" xmlns:r="http://schemas.openxmlformats.org/officeDocument/2006/relationships" xmlns:p="http://schemas.openxmlformats.org/presentationml/2006/main">
+  <p:cSld>
+    <p:spTree>
+      <p:nvGrpSpPr>
+        <p:cNvPr id="1" name=""/>
+        <p:cNvGrpSpPr/>
+        <p:nvPr/>
+      </p:nvGrpSpPr>
+      <p:grpSpPr>
+        <a:xfrm>
+          <a:off x="0" y="0"/>
+          <a:ext cx="0" cy="0"/>
+          <a:chOff x="0" y="0"/>
+          <a:chExt cx="0" cy="0"/>
+        </a:xfrm>
+      </p:grpSpPr>
+      <p:sp>
+        <p:nvSpPr>
+          <p:cNvPr id="2" name="Title 1"/>
+          <p:cNvSpPr>
+            <a:spLocks noGrp="1"/>
+          </p:cNvSpPr>
+          <p:nvPr>
+            <p:ph type="title"/>
+          </p:nvPr>
+        </p:nvSpPr>
+        <p:spPr>
+          <a:xfrm>
+            <a:off x="1143000" y="152400"/>
+            <a:ext cx="7498080" cy="1143000"/>
+          </a:xfrm>
+        </p:spPr>
+        <p:txBody>
+          <a:bodyPr>
+            <a:noAutofit/>
+          </a:bodyPr>
+          <a:lstStyle/>
+          <a:p>
+            <a:r>
+              <a:rPr lang="ru-RU" sz="2400" dirty="0"/>
+              <a:t>Как са определени специфичните критерии за стандартна архитектура (по диаграмата на внедряване на фиг. 64</a:t>
+            </a:r>
+            <a:r>
+              <a:rPr lang="ru-RU" sz="2400" dirty="0" smtClean="0"/>
+              <a:t>)?</a:t>
+            </a:r>
+            <a:r>
+              <a:rPr lang="en-US" sz="2400" dirty="0" smtClean="0"/>
+              <a:t> (2)</a:t>
+            </a:r>
+            <a:endParaRPr lang="bg-BG" sz="2400" dirty="0"/>
+          </a:p>
+        </p:txBody>
+      </p:sp>
+      <p:sp>
+        <p:nvSpPr>
+          <p:cNvPr id="5" name="Content Placeholder 2"/>
+          <p:cNvSpPr>
+            <a:spLocks noGrp="1"/>
+          </p:cNvSpPr>
+          <p:nvPr>
+            <p:ph idx="1"/>
+          </p:nvPr>
+        </p:nvSpPr>
+        <p:spPr>
+          <a:xfrm>
+            <a:off x="1143000" y="1447800"/>
+            <a:ext cx="7790688" cy="4800600"/>
+          </a:xfrm>
+        </p:spPr>
+        <p:txBody>
+          <a:bodyPr>
+            <a:normAutofit/>
+          </a:bodyPr>
+          <a:lstStyle/>
+          <a:p>
+            <a:r>
+              <a:rPr lang="bg-BG" dirty="0" smtClean="0">
+                <a:latin typeface="Corbel" panose="020B0503020204020204" pitchFamily="34" charset="0"/>
+              </a:rPr>
+              <a:t>Те са имплементация на функционалните изиксвания дефинирани в Глава 3</a:t>
+            </a:r>
+          </a:p>
+          <a:p>
+            <a:r>
+              <a:rPr lang="bg-BG" dirty="0" smtClean="0">
+                <a:latin typeface="Corbel" panose="020B0503020204020204" pitchFamily="34" charset="0"/>
+              </a:rPr>
+              <a:t>Дизайна им е реализиран в UML модела на ArchExtractor</a:t>
+            </a:r>
+          </a:p>
+          <a:p>
+            <a:r>
+              <a:rPr lang="bg-BG" dirty="0" smtClean="0">
+                <a:latin typeface="Corbel" panose="020B0503020204020204" pitchFamily="34" charset="0"/>
+              </a:rPr>
+              <a:t>Самите изисквания от Глава 3 са на базата на документация за стандартната архитектура и експертен опит.  </a:t>
+            </a:r>
+            <a:endParaRPr lang="bg-BG" dirty="0">
+              <a:latin typeface="Corbel" panose="020B0503020204020204" pitchFamily="34" charset="0"/>
+            </a:endParaRPr>
+          </a:p>
+        </p:txBody>
+      </p:sp>
+    </p:spTree>
+    <p:extLst>
+      <p:ext uri="{BB962C8B-B14F-4D97-AF65-F5344CB8AC3E}">
+        <p14:creationId xmlns:p14="http://schemas.microsoft.com/office/powerpoint/2010/main" val="2128101165"/>
+      </p:ext>
+    </p:extLst>
+  </p:cSld>
+  <p:clrMapOvr>
+    <a:masterClrMapping/>
+  </p:clrMapOvr>
+  <p:timing>
+    <p:tnLst>
+      <p:par>
+        <p:cTn id="1" dur="indefinite" restart="never" nodeType="tmRoot"/>
+      </p:par>
+    </p:tnLst>
+  </p:timing>
+</p:sld>
+</file>
+
+<file path=ppt/slides/slide19.xml><?xml version="1.0" encoding="utf-8"?>
+<p:sld xmlns:a="http://schemas.openxmlformats.org/drawingml/2006/main" xmlns:r="http://schemas.openxmlformats.org/officeDocument/2006/relationships" xmlns:p="http://schemas.openxmlformats.org/presentationml/2006/main">
+  <p:cSld>
+    <p:spTree>
+      <p:nvGrpSpPr>
+        <p:cNvPr id="1" name=""/>
+        <p:cNvGrpSpPr/>
+        <p:nvPr/>
+      </p:nvGrpSpPr>
+      <p:grpSpPr>
+        <a:xfrm>
+          <a:off x="0" y="0"/>
+          <a:ext cx="0" cy="0"/>
+          <a:chOff x="0" y="0"/>
+          <a:chExt cx="0" cy="0"/>
+        </a:xfrm>
+      </p:grpSpPr>
+      <p:sp>
+        <p:nvSpPr>
+          <p:cNvPr id="2" name="Title 1"/>
+          <p:cNvSpPr>
+            <a:spLocks noGrp="1"/>
+          </p:cNvSpPr>
+          <p:nvPr>
+            <p:ph type="title"/>
+          </p:nvPr>
+        </p:nvSpPr>
+        <p:spPr>
+          <a:xfrm>
+            <a:off x="1219200" y="152400"/>
+            <a:ext cx="7498080" cy="1143000"/>
+          </a:xfrm>
+        </p:spPr>
+        <p:txBody>
+          <a:bodyPr>
+            <a:noAutofit/>
+          </a:bodyPr>
+          <a:lstStyle/>
+          <a:p>
+            <a:r>
+              <a:rPr lang="ru-RU" sz="3200" dirty="0"/>
+              <a:t>Съществуват ли и други код генератори от UML модел, освен описания (Acceleo)?</a:t>
+            </a:r>
+            <a:endParaRPr lang="bg-BG" sz="3200" dirty="0"/>
+          </a:p>
+        </p:txBody>
+      </p:sp>
+      <p:sp>
+        <p:nvSpPr>
+          <p:cNvPr id="3" name="Content Placeholder 2"/>
+          <p:cNvSpPr>
+            <a:spLocks noGrp="1"/>
+          </p:cNvSpPr>
+          <p:nvPr>
+            <p:ph idx="1"/>
+          </p:nvPr>
+        </p:nvSpPr>
+        <p:spPr>
+          <a:xfrm>
+            <a:off x="1143000" y="1447800"/>
+            <a:ext cx="7790688" cy="4800600"/>
+          </a:xfrm>
+        </p:spPr>
+        <p:txBody>
+          <a:bodyPr/>
+          <a:lstStyle/>
+          <a:p>
+            <a:r>
+              <a:rPr lang="bg-BG" dirty="0" smtClean="0">
+                <a:latin typeface="Corbel" panose="020B0503020204020204" pitchFamily="34" charset="0"/>
+              </a:rPr>
+              <a:t>Да, в дипломната работа е използван още един, този на BoUML (слайд 12)</a:t>
+            </a:r>
+          </a:p>
+          <a:p>
+            <a:r>
+              <a:rPr lang="bg-BG" dirty="0" smtClean="0">
+                <a:latin typeface="Corbel" panose="020B0503020204020204" pitchFamily="34" charset="0"/>
+              </a:rPr>
+              <a:t>Повечето UML редактори като: </a:t>
+            </a:r>
+            <a:r>
+              <a:rPr lang="bg-BG" i="1" dirty="0" smtClean="0">
+                <a:latin typeface="Corbel" panose="020B0503020204020204" pitchFamily="34" charset="0"/>
+              </a:rPr>
+              <a:t>BoUML</a:t>
+            </a:r>
+            <a:r>
+              <a:rPr lang="bg-BG" dirty="0" smtClean="0">
+                <a:latin typeface="Corbel" panose="020B0503020204020204" pitchFamily="34" charset="0"/>
+              </a:rPr>
+              <a:t>, </a:t>
+            </a:r>
+            <a:r>
+              <a:rPr lang="bg-BG" i="1" dirty="0" smtClean="0">
+                <a:latin typeface="Corbel" panose="020B0503020204020204" pitchFamily="34" charset="0"/>
+              </a:rPr>
+              <a:t>Enterprise Architect</a:t>
+            </a:r>
+            <a:r>
+              <a:rPr lang="bg-BG" dirty="0" smtClean="0">
+                <a:latin typeface="Corbel" panose="020B0503020204020204" pitchFamily="34" charset="0"/>
+              </a:rPr>
+              <a:t>, </a:t>
+            </a:r>
+            <a:r>
+              <a:rPr lang="bg-BG" i="1" dirty="0" smtClean="0">
+                <a:latin typeface="Corbel" panose="020B0503020204020204" pitchFamily="34" charset="0"/>
+              </a:rPr>
+              <a:t>Visual-Paradigm, Altova Umodel, IBM Rational Rhapsody</a:t>
+            </a:r>
+            <a:r>
+              <a:rPr lang="bg-BG" dirty="0" smtClean="0">
+                <a:latin typeface="Corbel" panose="020B0503020204020204" pitchFamily="34" charset="0"/>
+              </a:rPr>
+              <a:t> и т.н. предлагат код генерация</a:t>
+            </a:r>
+          </a:p>
+          <a:p>
+            <a:r>
+              <a:rPr lang="bg-BG" dirty="0" smtClean="0">
+                <a:latin typeface="Corbel" panose="020B0503020204020204" pitchFamily="34" charset="0"/>
+              </a:rPr>
+              <a:t>Някой от тях предлагат богати възможности за разширение</a:t>
+            </a:r>
+            <a:endParaRPr lang="bg-BG" dirty="0">
+              <a:latin typeface="Corbel" panose="020B0503020204020204" pitchFamily="34" charset="0"/>
+            </a:endParaRPr>
+          </a:p>
+        </p:txBody>
+      </p:sp>
+    </p:spTree>
+    <p:extLst>
+      <p:ext uri="{BB962C8B-B14F-4D97-AF65-F5344CB8AC3E}">
+        <p14:creationId xmlns:p14="http://schemas.microsoft.com/office/powerpoint/2010/main" val="3782025733"/>
+      </p:ext>
+    </p:extLst>
+  </p:cSld>
+  <p:clrMapOvr>
+    <a:masterClrMapping/>
+  </p:clrMapOvr>
+  <p:timing>
+    <p:tnLst>
+      <p:par>
+        <p:cTn id="1" dur="indefinite" restart="never" nodeType="tmRoot"/>
+      </p:par>
+    </p:tnLst>
+  </p:timing>
+</p:sld>
+</file>
+
+<file path=ppt/slides/slide2.xml><?xml version="1.0" encoding="utf-8"?>
+<p:sld xmlns:a="http://schemas.openxmlformats.org/drawingml/2006/main" xmlns:r="http://schemas.openxmlformats.org/officeDocument/2006/relationships" xmlns:p="http://schemas.openxmlformats.org/presentationml/2006/main">
+  <p:cSld>
+    <p:spTree>
+      <p:nvGrpSpPr>
+        <p:cNvPr id="1" name=""/>
+        <p:cNvGrpSpPr/>
+        <p:nvPr/>
+      </p:nvGrpSpPr>
+      <p:grpSpPr>
+        <a:xfrm>
+          <a:off x="0" y="0"/>
+          <a:ext cx="0" cy="0"/>
+          <a:chOff x="0" y="0"/>
+          <a:chExt cx="0" cy="0"/>
+        </a:xfrm>
+      </p:grpSpPr>
+      <p:sp>
+        <p:nvSpPr>
+          <p:cNvPr id="2" name="Title 1"/>
+          <p:cNvSpPr>
+            <a:spLocks noGrp="1"/>
+          </p:cNvSpPr>
+          <p:nvPr>
+            <p:ph type="title"/>
+          </p:nvPr>
+        </p:nvSpPr>
+        <p:spPr/>
+        <p:txBody>
+          <a:bodyPr/>
+          <a:lstStyle/>
+          <a:p>
+            <a:r>
+              <a:rPr lang="bg-BG" dirty="0" smtClean="0">
+                <a:latin typeface="Corbel" panose="020B0503020204020204" pitchFamily="34" charset="0"/>
+              </a:rPr>
+              <a:t>Съдържание</a:t>
+            </a:r>
+            <a:endParaRPr lang="bg-BG" dirty="0">
+              <a:latin typeface="Corbel" panose="020B0503020204020204" pitchFamily="34" charset="0"/>
+            </a:endParaRPr>
+          </a:p>
+        </p:txBody>
+      </p:sp>
+      <p:sp>
+        <p:nvSpPr>
+          <p:cNvPr id="3" name="Content Placeholder 2"/>
+          <p:cNvSpPr>
+            <a:spLocks noGrp="1"/>
+          </p:cNvSpPr>
+          <p:nvPr>
+            <p:ph idx="1"/>
+          </p:nvPr>
+        </p:nvSpPr>
+        <p:spPr/>
+        <p:txBody>
+          <a:bodyPr>
+            <a:normAutofit lnSpcReduction="10000"/>
+          </a:bodyPr>
+          <a:lstStyle/>
+          <a:p>
+            <a:r>
+              <a:rPr lang="bg-BG" dirty="0" smtClean="0"/>
+              <a:t>Текущо състояние на индустрията</a:t>
+            </a:r>
+          </a:p>
+          <a:p>
+            <a:pPr marL="365760" lvl="1" indent="-283464">
+              <a:spcBef>
+                <a:spcPts val="600"/>
+              </a:spcBef>
+              <a:buSzPct val="80000"/>
+              <a:buFont typeface="Wingdings 2"/>
+              <a:buChar char=""/>
+            </a:pPr>
+            <a:r>
+              <a:rPr lang="bg-BG" sz="3200" dirty="0" smtClean="0"/>
+              <a:t>Софтуер за вградени системи</a:t>
+            </a:r>
+          </a:p>
+          <a:p>
+            <a:r>
+              <a:rPr lang="bg-BG" dirty="0" smtClean="0"/>
+              <a:t>Цели на дипломната работа</a:t>
+            </a:r>
+          </a:p>
+          <a:p>
+            <a:r>
+              <a:rPr lang="bg-BG" dirty="0" smtClean="0"/>
+              <a:t>Концепция</a:t>
+            </a:r>
+          </a:p>
+          <a:p>
+            <a:r>
+              <a:rPr lang="bg-BG" dirty="0" smtClean="0"/>
+              <a:t>Използвани технологии</a:t>
+            </a:r>
+          </a:p>
+          <a:p>
+            <a:r>
+              <a:rPr lang="bg-BG" dirty="0" smtClean="0"/>
+              <a:t>Архитектура</a:t>
+            </a:r>
+            <a:r>
+              <a:rPr lang="en-US" dirty="0" smtClean="0"/>
+              <a:t> </a:t>
+            </a:r>
+            <a:r>
+              <a:rPr lang="bg-BG" dirty="0" smtClean="0">
+                <a:latin typeface="Corbel" panose="020B0503020204020204" pitchFamily="34" charset="0"/>
+              </a:rPr>
+              <a:t>на ArchExtractor</a:t>
+            </a:r>
+            <a:endParaRPr lang="en-US" dirty="0" smtClean="0">
+              <a:latin typeface="Corbel" panose="020B0503020204020204" pitchFamily="34" charset="0"/>
+            </a:endParaRPr>
+          </a:p>
+          <a:p>
+            <a:r>
+              <a:rPr lang="bg-BG" dirty="0" smtClean="0">
+                <a:latin typeface="Corbel" panose="020B0503020204020204" pitchFamily="34" charset="0"/>
+              </a:rPr>
+              <a:t>Метод на разработка</a:t>
+            </a:r>
+            <a:r>
+              <a:rPr lang="en-US" dirty="0" smtClean="0">
+                <a:latin typeface="Corbel" panose="020B0503020204020204" pitchFamily="34" charset="0"/>
+              </a:rPr>
+              <a:t> </a:t>
+            </a:r>
+            <a:r>
+              <a:rPr lang="bg-BG" dirty="0">
+                <a:latin typeface="Corbel" panose="020B0503020204020204" pitchFamily="34" charset="0"/>
+              </a:rPr>
+              <a:t>на ArchExtractor</a:t>
+            </a:r>
+            <a:endParaRPr lang="bg-BG" dirty="0" smtClean="0">
+              <a:latin typeface="Corbel" panose="020B0503020204020204" pitchFamily="34" charset="0"/>
+            </a:endParaRPr>
+          </a:p>
+          <a:p>
+            <a:r>
+              <a:rPr lang="bg-BG" dirty="0" smtClean="0"/>
+              <a:t>Демонстрация</a:t>
+            </a:r>
+            <a:endParaRPr lang="en-US" dirty="0" smtClean="0"/>
+          </a:p>
+          <a:p>
+            <a:r>
+              <a:rPr lang="bg-BG" dirty="0" smtClean="0">
+                <a:latin typeface="Corbel" panose="020B0503020204020204" pitchFamily="34" charset="0"/>
+              </a:rPr>
+              <a:t>Обобщение и бъдещи насоки</a:t>
+            </a:r>
+          </a:p>
+          <a:p>
+            <a:pPr marL="82296" indent="0">
+              <a:buNone/>
+            </a:pPr>
+            <a:endParaRPr lang="en-US" dirty="0"/>
+          </a:p>
+        </p:txBody>
+      </p:sp>
+    </p:spTree>
+    <p:extLst>
+      <p:ext uri="{BB962C8B-B14F-4D97-AF65-F5344CB8AC3E}">
+        <p14:creationId xmlns:p14="http://schemas.microsoft.com/office/powerpoint/2010/main" val="1596700384"/>
+      </p:ext>
+    </p:extLst>
+  </p:cSld>
+  <p:clrMapOvr>
+    <a:masterClrMapping/>
+  </p:clrMapOvr>
+  <p:timing>
+    <p:tnLst>
+      <p:par>
+        <p:cTn id="1" dur="indefinite" restart="never" nodeType="tmRoot"/>
+      </p:par>
+    </p:tnLst>
+  </p:timing>
+</p:sld>
+</file>
+
+<file path=ppt/slides/slide20.xml><?xml version="1.0" encoding="utf-8"?>
+<p:sld xmlns:a="http://schemas.openxmlformats.org/drawingml/2006/main" xmlns:r="http://schemas.openxmlformats.org/officeDocument/2006/relationships" xmlns:p="http://schemas.openxmlformats.org/presentationml/2006/main">
+  <p:cSld>
+    <p:spTree>
+      <p:nvGrpSpPr>
+        <p:cNvPr id="1" name=""/>
+        <p:cNvGrpSpPr/>
+        <p:nvPr/>
+      </p:nvGrpSpPr>
+      <p:grpSpPr>
+        <a:xfrm>
+          <a:off x="0" y="0"/>
+          <a:ext cx="0" cy="0"/>
+          <a:chOff x="0" y="0"/>
+          <a:chExt cx="0" cy="0"/>
+        </a:xfrm>
+      </p:grpSpPr>
+      <p:sp>
+        <p:nvSpPr>
+          <p:cNvPr id="2" name="Title 1"/>
+          <p:cNvSpPr>
+            <a:spLocks noGrp="1"/>
+          </p:cNvSpPr>
+          <p:nvPr>
+            <p:ph type="title"/>
+          </p:nvPr>
+        </p:nvSpPr>
+        <p:spPr>
+          <a:xfrm>
+            <a:off x="1219200" y="221370"/>
+            <a:ext cx="7714488" cy="1143000"/>
+          </a:xfrm>
+        </p:spPr>
+        <p:txBody>
+          <a:bodyPr>
+            <a:noAutofit/>
+          </a:bodyPr>
+          <a:lstStyle/>
+          <a:p>
+            <a:r>
+              <a:rPr lang="ru-RU" sz="2800" dirty="0"/>
+              <a:t>Сравнение на Eclipse EMF инструментите за трансформация с използвания </a:t>
+            </a:r>
+            <a:r>
+              <a:rPr lang="ru-RU" sz="2800" dirty="0" smtClean="0"/>
+              <a:t>клас</a:t>
+            </a:r>
+            <a:r>
+              <a:rPr lang="en-US" sz="2800" dirty="0" smtClean="0"/>
+              <a:t> </a:t>
+            </a:r>
+            <a:r>
+              <a:rPr lang="ru-RU" sz="2800" dirty="0" smtClean="0"/>
+              <a:t>XMIConverter?</a:t>
+            </a:r>
+            <a:r>
+              <a:rPr lang="en-US" sz="2800" dirty="0" smtClean="0"/>
+              <a:t> (1)</a:t>
+            </a:r>
+            <a:endParaRPr lang="bg-BG" sz="2800" dirty="0"/>
+          </a:p>
+        </p:txBody>
+      </p:sp>
+      <p:sp>
+        <p:nvSpPr>
+          <p:cNvPr id="3" name="Content Placeholder 2"/>
+          <p:cNvSpPr>
+            <a:spLocks noGrp="1"/>
+          </p:cNvSpPr>
+          <p:nvPr>
+            <p:ph idx="1"/>
+          </p:nvPr>
+        </p:nvSpPr>
+        <p:spPr>
+          <a:xfrm>
+            <a:off x="1219200" y="1524000"/>
+            <a:ext cx="7714488" cy="5105400"/>
+          </a:xfrm>
+        </p:spPr>
+        <p:txBody>
+          <a:bodyPr>
+            <a:normAutofit/>
+          </a:bodyPr>
+          <a:lstStyle/>
+          <a:p>
+            <a:r>
+              <a:rPr lang="bg-BG" sz="1800" dirty="0" smtClean="0">
+                <a:latin typeface="Corbel" panose="020B0503020204020204" pitchFamily="34" charset="0"/>
+              </a:rPr>
+              <a:t>XMIConverter </a:t>
+            </a:r>
+            <a:r>
+              <a:rPr lang="en-US" sz="1800" dirty="0" smtClean="0">
+                <a:latin typeface="Corbel" panose="020B0503020204020204" pitchFamily="34" charset="0"/>
+              </a:rPr>
+              <a:t>е к</a:t>
+            </a:r>
+            <a:r>
+              <a:rPr lang="bg-BG" sz="1800" dirty="0" smtClean="0"/>
+              <a:t>лас </a:t>
+            </a:r>
+            <a:r>
+              <a:rPr lang="bg-BG" sz="1800" dirty="0"/>
+              <a:t>отговорен за конвертирането на архитектурното хранилище на системата към UML модел съхранен в XMI формат.</a:t>
+            </a:r>
+          </a:p>
+        </p:txBody>
+      </p:sp>
+      <p:pic>
+        <p:nvPicPr>
+          <p:cNvPr id="4" name="Picture 3"/>
+          <p:cNvPicPr/>
+          <p:nvPr/>
+        </p:nvPicPr>
+        <p:blipFill>
+          <a:blip r:embed="rId2">
+            <a:extLst>
+              <a:ext uri="{28A0092B-C50C-407E-A947-70E740481C1C}">
+                <a14:useLocalDpi xmlns:a14="http://schemas.microsoft.com/office/drawing/2010/main" val="0"/>
+              </a:ext>
+            </a:extLst>
+          </a:blip>
+          <a:stretch>
+            <a:fillRect/>
+          </a:stretch>
+        </p:blipFill>
+        <p:spPr>
+          <a:xfrm>
+            <a:off x="1371600" y="2362200"/>
+            <a:ext cx="7086600" cy="4114800"/>
+          </a:xfrm>
+          <a:prstGeom prst="rect">
+            <a:avLst/>
+          </a:prstGeom>
+        </p:spPr>
+      </p:pic>
+    </p:spTree>
+    <p:extLst>
+      <p:ext uri="{BB962C8B-B14F-4D97-AF65-F5344CB8AC3E}">
+        <p14:creationId xmlns:p14="http://schemas.microsoft.com/office/powerpoint/2010/main" val="356671770"/>
+      </p:ext>
+    </p:extLst>
+  </p:cSld>
+  <p:clrMapOvr>
+    <a:masterClrMapping/>
+  </p:clrMapOvr>
+  <p:timing>
+    <p:tnLst>
+      <p:par>
+        <p:cTn id="1" dur="indefinite" restart="never" nodeType="tmRoot"/>
+      </p:par>
+    </p:tnLst>
+  </p:timing>
+</p:sld>
+</file>
+
+<file path=ppt/slides/slide21.xml><?xml version="1.0" encoding="utf-8"?>
+<p:sld xmlns:a="http://schemas.openxmlformats.org/drawingml/2006/main" xmlns:r="http://schemas.openxmlformats.org/officeDocument/2006/relationships" xmlns:p="http://schemas.openxmlformats.org/presentationml/2006/main">
+  <p:cSld>
+    <p:spTree>
+      <p:nvGrpSpPr>
+        <p:cNvPr id="1" name=""/>
+        <p:cNvGrpSpPr/>
+        <p:nvPr/>
+      </p:nvGrpSpPr>
+      <p:grpSpPr>
+        <a:xfrm>
+          <a:off x="0" y="0"/>
+          <a:ext cx="0" cy="0"/>
+          <a:chOff x="0" y="0"/>
+          <a:chExt cx="0" cy="0"/>
+        </a:xfrm>
+      </p:grpSpPr>
+      <p:sp>
+        <p:nvSpPr>
+          <p:cNvPr id="2" name="Title 1"/>
+          <p:cNvSpPr>
+            <a:spLocks noGrp="1"/>
+          </p:cNvSpPr>
+          <p:nvPr>
+            <p:ph type="title"/>
+          </p:nvPr>
+        </p:nvSpPr>
+        <p:spPr>
+          <a:xfrm>
+            <a:off x="1435608" y="221370"/>
+            <a:ext cx="7498080" cy="1143000"/>
+          </a:xfrm>
+        </p:spPr>
+        <p:txBody>
+          <a:bodyPr>
+            <a:noAutofit/>
+          </a:bodyPr>
+          <a:lstStyle/>
+          <a:p>
+            <a:r>
+              <a:rPr lang="ru-RU" sz="2800" dirty="0"/>
+              <a:t>Сравнение на Eclipse EMF инструментите за трансформация с използвания клас</a:t>
+            </a:r>
+            <a:r>
+              <a:rPr lang="en-US" sz="2800" dirty="0"/>
+              <a:t> </a:t>
+            </a:r>
+            <a:r>
+              <a:rPr lang="ru-RU" sz="2800" dirty="0"/>
+              <a:t>XMIConverter?</a:t>
+            </a:r>
+            <a:r>
+              <a:rPr lang="en-US" sz="2800" dirty="0"/>
+              <a:t> </a:t>
+            </a:r>
+            <a:r>
+              <a:rPr lang="en-US" sz="2800" dirty="0" smtClean="0"/>
+              <a:t>(2)</a:t>
+            </a:r>
+            <a:endParaRPr lang="bg-BG" sz="2800" dirty="0"/>
+          </a:p>
+        </p:txBody>
+      </p:sp>
+      <p:sp>
+        <p:nvSpPr>
+          <p:cNvPr id="3" name="Content Placeholder 2"/>
+          <p:cNvSpPr>
+            <a:spLocks noGrp="1"/>
+          </p:cNvSpPr>
+          <p:nvPr>
+            <p:ph idx="1"/>
+          </p:nvPr>
+        </p:nvSpPr>
+        <p:spPr>
+          <a:xfrm>
+            <a:off x="1341120" y="1600200"/>
+            <a:ext cx="7498080" cy="4800600"/>
+          </a:xfrm>
+        </p:spPr>
+        <p:txBody>
+          <a:bodyPr>
+            <a:normAutofit fontScale="92500" lnSpcReduction="20000"/>
+          </a:bodyPr>
+          <a:lstStyle/>
+          <a:p>
+            <a:pPr marL="82296" indent="0">
+              <a:buNone/>
+            </a:pPr>
+            <a:r>
+              <a:rPr lang="bg-BG" dirty="0" smtClean="0">
+                <a:latin typeface="Corbel" panose="020B0503020204020204" pitchFamily="34" charset="0"/>
+              </a:rPr>
+              <a:t>Основни проекти за трансформация от тип модел към модел на </a:t>
+            </a:r>
+            <a:r>
+              <a:rPr lang="bg-BG" i="1" dirty="0" smtClean="0">
+                <a:latin typeface="Corbel" panose="020B0503020204020204" pitchFamily="34" charset="0"/>
+              </a:rPr>
+              <a:t>Eclipse Modeling Project</a:t>
+            </a:r>
+            <a:r>
+              <a:rPr lang="bg-BG" dirty="0" smtClean="0">
+                <a:latin typeface="Corbel" panose="020B0503020204020204" pitchFamily="34" charset="0"/>
+              </a:rPr>
+              <a:t>:</a:t>
+            </a:r>
+          </a:p>
+          <a:p>
+            <a:r>
+              <a:rPr lang="bg-BG" i="1" dirty="0" smtClean="0">
+                <a:latin typeface="Corbel" panose="020B0503020204020204" pitchFamily="34" charset="0"/>
+              </a:rPr>
+              <a:t>ATL Transformation Language</a:t>
+            </a:r>
+          </a:p>
+          <a:p>
+            <a:r>
+              <a:rPr lang="bg-BG" i="1" dirty="0" smtClean="0">
+                <a:latin typeface="Corbel" panose="020B0503020204020204" pitchFamily="34" charset="0"/>
+              </a:rPr>
+              <a:t>QVT Operational (Procedural) / QVTd (Declarative)</a:t>
+            </a:r>
+            <a:r>
+              <a:rPr lang="en-US" i="1" dirty="0" smtClean="0">
+                <a:latin typeface="Corbel" panose="020B0503020204020204" pitchFamily="34" charset="0"/>
+              </a:rPr>
+              <a:t> – </a:t>
+            </a:r>
+            <a:r>
+              <a:rPr lang="bg-BG" dirty="0" smtClean="0">
+                <a:latin typeface="Corbel" panose="020B0503020204020204" pitchFamily="34" charset="0"/>
+              </a:rPr>
+              <a:t>частично имплементират </a:t>
+            </a:r>
+            <a:r>
+              <a:rPr lang="en-US" i="1" dirty="0" smtClean="0">
+                <a:latin typeface="Corbel" panose="020B0503020204020204" pitchFamily="34" charset="0"/>
+              </a:rPr>
+              <a:t>OMG </a:t>
+            </a:r>
+            <a:r>
+              <a:rPr lang="en-US" i="1" dirty="0">
+                <a:latin typeface="Corbel" panose="020B0503020204020204" pitchFamily="34" charset="0"/>
+              </a:rPr>
+              <a:t>standard specification (MOF) 2.0 Query/View/Transformation</a:t>
+            </a:r>
+            <a:endParaRPr lang="bg-BG" i="1" dirty="0" smtClean="0">
+              <a:latin typeface="Corbel" panose="020B0503020204020204" pitchFamily="34" charset="0"/>
+            </a:endParaRPr>
+          </a:p>
+          <a:p>
+            <a:endParaRPr lang="bg-BG" i="1" dirty="0" smtClean="0">
+              <a:latin typeface="Corbel" panose="020B0503020204020204" pitchFamily="34" charset="0"/>
+            </a:endParaRPr>
+          </a:p>
+          <a:p>
+            <a:pPr marL="82296" indent="0">
+              <a:buNone/>
+            </a:pPr>
+            <a:r>
+              <a:rPr lang="bg-BG" dirty="0" smtClean="0">
+                <a:latin typeface="Corbel" panose="020B0503020204020204" pitchFamily="34" charset="0"/>
+              </a:rPr>
+              <a:t>Отговор:</a:t>
+            </a:r>
+            <a:r>
+              <a:rPr lang="bg-BG" i="1" dirty="0" smtClean="0">
+                <a:latin typeface="Corbel" panose="020B0503020204020204" pitchFamily="34" charset="0"/>
+              </a:rPr>
+              <a:t> Могат да трансформират всеки съвместим с EMF модел в желан модел. За разлика от XMIConverter, който е силно специализиран за ArchExtractor.</a:t>
+            </a:r>
+          </a:p>
+        </p:txBody>
+      </p:sp>
+    </p:spTree>
+    <p:extLst>
+      <p:ext uri="{BB962C8B-B14F-4D97-AF65-F5344CB8AC3E}">
+        <p14:creationId xmlns:p14="http://schemas.microsoft.com/office/powerpoint/2010/main" val="3088767702"/>
+      </p:ext>
+    </p:extLst>
+  </p:cSld>
+  <p:clrMapOvr>
+    <a:masterClrMapping/>
+  </p:clrMapOvr>
+  <p:timing>
+    <p:tnLst>
+      <p:par>
+        <p:cTn id="1" dur="indefinite" restart="never" nodeType="tmRoot"/>
+      </p:par>
+    </p:tnLst>
+  </p:timing>
+</p:sld>
+</file>
+
 <file path=ppt/slides/slide3.xml><?xml version="1.0" encoding="utf-8"?>
 <p:sld xmlns:a="http://schemas.openxmlformats.org/drawingml/2006/main" xmlns:r="http://schemas.openxmlformats.org/officeDocument/2006/relationships" xmlns:p="http://schemas.openxmlformats.org/presentationml/2006/main">
   <p:cSld>
@@ -6924,7 +9426,7 @@
         </p:nvSpPr>
         <p:spPr>
           <a:xfrm>
-            <a:off x="1143000" y="1447800"/>
+            <a:off x="1143000" y="1676400"/>
             <a:ext cx="7790688" cy="4800600"/>
           </a:xfrm>
         </p:spPr>
@@ -6953,11 +9455,7 @@
             </a:r>
             <a:r>
               <a:rPr lang="bg-BG" sz="2400" dirty="0" smtClean="0"/>
-              <a:t>разходите </a:t>
-            </a:r>
-            <a:r>
-              <a:rPr lang="bg-BG" sz="2400" dirty="0" smtClean="0"/>
-              <a:t>по софтуерен продукт произлизат от еволюции на програмите </a:t>
+              <a:t>разходите по софтуерен продукт произлизат от еволюции на програмите </a:t>
             </a:r>
             <a:endParaRPr lang="en-US" sz="2400" dirty="0" smtClean="0"/>
           </a:p>
@@ -7017,7 +9515,12 @@
             <p:ph type="title"/>
           </p:nvPr>
         </p:nvSpPr>
-        <p:spPr/>
+        <p:spPr>
+          <a:xfrm>
+            <a:off x="1295400" y="76200"/>
+            <a:ext cx="7498080" cy="1143000"/>
+          </a:xfrm>
+        </p:spPr>
         <p:txBody>
           <a:bodyPr>
             <a:normAutofit/>
@@ -7044,13 +9547,13 @@
         </p:nvSpPr>
         <p:spPr>
           <a:xfrm>
-            <a:off x="1143000" y="1447800"/>
-            <a:ext cx="7790688" cy="4800600"/>
+            <a:off x="1066800" y="1143000"/>
+            <a:ext cx="8001000" cy="5562600"/>
           </a:xfrm>
         </p:spPr>
         <p:txBody>
           <a:bodyPr>
-            <a:normAutofit fontScale="85000" lnSpcReduction="10000"/>
+            <a:normAutofit fontScale="92500" lnSpcReduction="10000"/>
           </a:bodyPr>
           <a:lstStyle/>
           <a:p>
@@ -7491,7 +9994,7 @@
           <p:nvPr/>
         </p:nvPicPr>
         <p:blipFill>
-          <a:blip r:embed="rId2"/>
+          <a:blip r:embed="rId3"/>
           <a:stretch>
             <a:fillRect/>
           </a:stretch>
@@ -7556,7 +10059,7 @@
         <p:spPr>
           <a:xfrm>
             <a:off x="1435608" y="76200"/>
-            <a:ext cx="7498080" cy="1143000"/>
+            <a:ext cx="7498080" cy="990600"/>
           </a:xfrm>
         </p:spPr>
         <p:txBody>
@@ -7594,7 +10097,7 @@
           <p:nvPr/>
         </p:nvPicPr>
         <p:blipFill>
-          <a:blip r:embed="rId2"/>
+          <a:blip r:embed="rId3"/>
           <a:stretch>
             <a:fillRect/>
           </a:stretch>
@@ -7616,7 +10119,7 @@
           <p:nvPr/>
         </p:nvPicPr>
         <p:blipFill>
-          <a:blip r:embed="rId3"/>
+          <a:blip r:embed="rId4"/>
           <a:stretch>
             <a:fillRect/>
           </a:stretch>
@@ -8248,7 +10751,7 @@
           <p:nvPr/>
         </p:nvPicPr>
         <p:blipFill>
-          <a:blip r:embed="rId2">
+          <a:blip r:embed="rId3">
             <a:extLst>
               <a:ext uri="{28A0092B-C50C-407E-A947-70E740481C1C}">
                 <a14:useLocalDpi xmlns:a14="http://schemas.microsoft.com/office/drawing/2010/main" val="0"/>
@@ -8312,7 +10815,7 @@
           <p:nvPr/>
         </p:nvPicPr>
         <p:blipFill>
-          <a:blip r:embed="rId3">
+          <a:blip r:embed="rId4">
             <a:extLst>
               <a:ext uri="{28A0092B-C50C-407E-A947-70E740481C1C}">
                 <a14:useLocalDpi xmlns:a14="http://schemas.microsoft.com/office/drawing/2010/main" val="0"/>
@@ -8376,7 +10879,7 @@
           <p:nvPr/>
         </p:nvPicPr>
         <p:blipFill>
-          <a:blip r:embed="rId4">
+          <a:blip r:embed="rId5">
             <a:extLst>
               <a:ext uri="{28A0092B-C50C-407E-A947-70E740481C1C}">
                 <a14:useLocalDpi xmlns:a14="http://schemas.microsoft.com/office/drawing/2010/main" val="0"/>
@@ -8440,7 +10943,7 @@
           <p:nvPr/>
         </p:nvPicPr>
         <p:blipFill>
-          <a:blip r:embed="rId5">
+          <a:blip r:embed="rId6">
             <a:extLst>
               <a:ext uri="{28A0092B-C50C-407E-A947-70E740481C1C}">
                 <a14:useLocalDpi xmlns:a14="http://schemas.microsoft.com/office/drawing/2010/main" val="0"/>
@@ -8504,7 +11007,7 @@
           <p:nvPr/>
         </p:nvPicPr>
         <p:blipFill>
-          <a:blip r:embed="rId6">
+          <a:blip r:embed="rId7">
             <a:extLst>
               <a:ext uri="{28A0092B-C50C-407E-A947-70E740481C1C}">
                 <a14:useLocalDpi xmlns:a14="http://schemas.microsoft.com/office/drawing/2010/main" val="0"/>
@@ -8568,7 +11071,7 @@
           <p:nvPr/>
         </p:nvPicPr>
         <p:blipFill>
-          <a:blip r:embed="rId7">
+          <a:blip r:embed="rId8">
             <a:extLst>
               <a:ext uri="{28A0092B-C50C-407E-A947-70E740481C1C}">
                 <a14:useLocalDpi xmlns:a14="http://schemas.microsoft.com/office/drawing/2010/main" val="0"/>
@@ -8743,7 +11246,15 @@
             </a:pPr>
             <a:r>
               <a:rPr lang="bg-BG" dirty="0"/>
-              <a:t>Генералната архитектура се базира на пет слоя представляващи:</a:t>
+              <a:t>Генералната архитектура се базира на </a:t>
+            </a:r>
+            <a:r>
+              <a:rPr lang="bg-BG" dirty="0" smtClean="0"/>
+              <a:t>шест </a:t>
+            </a:r>
+            <a:r>
+              <a:rPr lang="bg-BG" dirty="0"/>
+              <a:t>слоя представляващи:</a:t>
             </a:r>
             <a:endParaRPr lang="en-US" dirty="0"/>
           </a:p>
@@ -9167,4 +11678,289 @@
   <a:objectDefaults/>
   <a:extraClrSchemeLst/>
 </a:theme>
+</file>
+
+<file path=ppt/theme/theme2.xml><?xml version="1.0" encoding="utf-8"?>
+<a:theme xmlns:a="http://schemas.openxmlformats.org/drawingml/2006/main" name="Office Theme">
+  <a:themeElements>
+    <a:clrScheme name="Office">
+      <a:dk1>
+        <a:sysClr val="windowText" lastClr="000000"/>
+      </a:dk1>
+      <a:lt1>
+        <a:sysClr val="window" lastClr="FFFFFF"/>
+      </a:lt1>
+      <a:dk2>
+        <a:srgbClr val="1F497D"/>
+      </a:dk2>
+      <a:lt2>
+        <a:srgbClr val="EEECE1"/>
+      </a:lt2>
+      <a:accent1>
+        <a:srgbClr val="4F81BD"/>
+      </a:accent1>
+      <a:accent2>
+        <a:srgbClr val="C0504D"/>
+      </a:accent2>
+      <a:accent3>
+        <a:srgbClr val="9BBB59"/>
+      </a:accent3>
+      <a:accent4>
+        <a:srgbClr val="8064A2"/>
+      </a:accent4>
+      <a:accent5>
+        <a:srgbClr val="4BACC6"/>
+      </a:accent5>
+      <a:accent6>
+        <a:srgbClr val="F79646"/>
+      </a:accent6>
+      <a:hlink>
+        <a:srgbClr val="0000FF"/>
+      </a:hlink>
+      <a:folHlink>
+        <a:srgbClr val="800080"/>
+      </a:folHlink>
+    </a:clrScheme>
+    <a:fontScheme name="Office">
+      <a:majorFont>
+        <a:latin typeface="Calibri"/>
+        <a:ea typeface=""/>
+        <a:cs typeface=""/>
+        <a:font script="Jpan" typeface="ＭＳ Ｐゴシック"/>
+        <a:font script="Hang" typeface="맑은 고딕"/>
+        <a:font script="Hans" typeface="宋体"/>
+        <a:font script="Hant" typeface="新細明體"/>
+        <a:font script="Arab" typeface="Times New Roman"/>
+        <a:font script="Hebr" typeface="Times New Roman"/>
+        <a:font script="Thai" typeface="Angsana New"/>
+        <a:font script="Ethi" typeface="Nyala"/>
+        <a:font script="Beng" typeface="Vrinda"/>
+        <a:font script="Gujr" typeface="Shruti"/>
+        <a:font script="Khmr" typeface="MoolBoran"/>
+        <a:font script="Knda" typeface="Tunga"/>
+        <a:font script="Guru" typeface="Raavi"/>
+        <a:font script="Cans" typeface="Euphemia"/>
+        <a:font script="Cher" typeface="Plantagenet Cherokee"/>
+        <a:font script="Yiii" typeface="Microsoft Yi Baiti"/>
+        <a:font script="Tibt" typeface="Microsoft Himalaya"/>
+        <a:font script="Thaa" typeface="MV Boli"/>
+        <a:font script="Deva" typeface="Mangal"/>
+        <a:font script="Telu" typeface="Gautami"/>
+        <a:font script="Taml" typeface="Latha"/>
+        <a:font script="Syrc" typeface="Estrangelo Edessa"/>
+        <a:font script="Orya" typeface="Kalinga"/>
+        <a:font script="Mlym" typeface="Kartika"/>
+        <a:font script="Laoo" typeface="DokChampa"/>
+        <a:font script="Sinh" typeface="Iskoola Pota"/>
+        <a:font script="Mong" typeface="Mongolian Baiti"/>
+        <a:font script="Viet" typeface="Times New Roman"/>
+        <a:font script="Uigh" typeface="Microsoft Uighur"/>
+        <a:font script="Geor" typeface="Sylfaen"/>
+      </a:majorFont>
+      <a:minorFont>
+        <a:latin typeface="Calibri"/>
+        <a:ea typeface=""/>
+        <a:cs typeface=""/>
+        <a:font script="Jpan" typeface="ＭＳ Ｐゴシック"/>
+        <a:font script="Hang" typeface="맑은 고딕"/>
+        <a:font script="Hans" typeface="宋体"/>
+        <a:font script="Hant" typeface="新細明體"/>
+        <a:font script="Arab" typeface="Arial"/>
+        <a:font script="Hebr" typeface="Arial"/>
+        <a:font script="Thai" typeface="Cordia New"/>
+        <a:font script="Ethi" typeface="Nyala"/>
+        <a:font script="Beng" typeface="Vrinda"/>
+        <a:font script="Gujr" typeface="Shruti"/>
+        <a:font script="Khmr" typeface="DaunPenh"/>
+        <a:font script="Knda" typeface="Tunga"/>
+        <a:font script="Guru" typeface="Raavi"/>
+        <a:font script="Cans" typeface="Euphemia"/>
+        <a:font script="Cher" typeface="Plantagenet Cherokee"/>
+        <a:font script="Yiii" typeface="Microsoft Yi Baiti"/>
+        <a:font script="Tibt" typeface="Microsoft Himalaya"/>
+        <a:font script="Thaa" typeface="MV Boli"/>
+        <a:font script="Deva" typeface="Mangal"/>
+        <a:font script="Telu" typeface="Gautami"/>
+        <a:font script="Taml" typeface="Latha"/>
+        <a:font script="Syrc" typeface="Estrangelo Edessa"/>
+        <a:font script="Orya" typeface="Kalinga"/>
+        <a:font script="Mlym" typeface="Kartika"/>
+        <a:font script="Laoo" typeface="DokChampa"/>
+        <a:font script="Sinh" typeface="Iskoola Pota"/>
+        <a:font script="Mong" typeface="Mongolian Baiti"/>
+        <a:font script="Viet" typeface="Arial"/>
+        <a:font script="Uigh" typeface="Microsoft Uighur"/>
+        <a:font script="Geor" typeface="Sylfaen"/>
+      </a:minorFont>
+    </a:fontScheme>
+    <a:fmtScheme name="Office">
+      <a:fillStyleLst>
+        <a:solidFill>
+          <a:schemeClr val="phClr"/>
+        </a:solidFill>
+        <a:gradFill rotWithShape="1">
+          <a:gsLst>
+            <a:gs pos="0">
+              <a:schemeClr val="phClr">
+                <a:tint val="50000"/>
+                <a:satMod val="300000"/>
+              </a:schemeClr>
+            </a:gs>
+            <a:gs pos="35000">
+              <a:schemeClr val="phClr">
+                <a:tint val="37000"/>
+                <a:satMod val="300000"/>
+              </a:schemeClr>
+            </a:gs>
+            <a:gs pos="100000">
+              <a:schemeClr val="phClr">
+                <a:tint val="15000"/>
+                <a:satMod val="350000"/>
+              </a:schemeClr>
+            </a:gs>
+          </a:gsLst>
+          <a:lin ang="16200000" scaled="1"/>
+        </a:gradFill>
+        <a:gradFill rotWithShape="1">
+          <a:gsLst>
+            <a:gs pos="0">
+              <a:schemeClr val="phClr">
+                <a:shade val="51000"/>
+                <a:satMod val="130000"/>
+              </a:schemeClr>
+            </a:gs>
+            <a:gs pos="80000">
+              <a:schemeClr val="phClr">
+                <a:shade val="93000"/>
+                <a:satMod val="130000"/>
+              </a:schemeClr>
+            </a:gs>
+            <a:gs pos="100000">
+              <a:schemeClr val="phClr">
+                <a:shade val="94000"/>
+                <a:satMod val="135000"/>
+              </a:schemeClr>
+            </a:gs>
+          </a:gsLst>
+          <a:lin ang="16200000" scaled="0"/>
+        </a:gradFill>
+      </a:fillStyleLst>
+      <a:lnStyleLst>
+        <a:ln w="9525" cap="flat" cmpd="sng" algn="ctr">
+          <a:solidFill>
+            <a:schemeClr val="phClr">
+              <a:shade val="95000"/>
+              <a:satMod val="105000"/>
+            </a:schemeClr>
+          </a:solidFill>
+          <a:prstDash val="solid"/>
+        </a:ln>
+        <a:ln w="25400" cap="flat" cmpd="sng" algn="ctr">
+          <a:solidFill>
+            <a:schemeClr val="phClr"/>
+          </a:solidFill>
+          <a:prstDash val="solid"/>
+        </a:ln>
+        <a:ln w="38100" cap="flat" cmpd="sng" algn="ctr">
+          <a:solidFill>
+            <a:schemeClr val="phClr"/>
+          </a:solidFill>
+          <a:prstDash val="solid"/>
+        </a:ln>
+      </a:lnStyleLst>
+      <a:effectStyleLst>
+        <a:effectStyle>
+          <a:effectLst>
+            <a:outerShdw blurRad="40000" dist="20000" dir="5400000" rotWithShape="0">
+              <a:srgbClr val="000000">
+                <a:alpha val="38000"/>
+              </a:srgbClr>
+            </a:outerShdw>
+          </a:effectLst>
+        </a:effectStyle>
+        <a:effectStyle>
+          <a:effectLst>
+            <a:outerShdw blurRad="40000" dist="23000" dir="5400000" rotWithShape="0">
+              <a:srgbClr val="000000">
+                <a:alpha val="35000"/>
+              </a:srgbClr>
+            </a:outerShdw>
+          </a:effectLst>
+        </a:effectStyle>
+        <a:effectStyle>
+          <a:effectLst>
+            <a:outerShdw blurRad="40000" dist="23000" dir="5400000" rotWithShape="0">
+              <a:srgbClr val="000000">
+                <a:alpha val="35000"/>
+              </a:srgbClr>
+            </a:outerShdw>
+          </a:effectLst>
+          <a:scene3d>
+            <a:camera prst="orthographicFront">
+              <a:rot lat="0" lon="0" rev="0"/>
+            </a:camera>
+            <a:lightRig rig="threePt" dir="t">
+              <a:rot lat="0" lon="0" rev="1200000"/>
+            </a:lightRig>
+          </a:scene3d>
+          <a:sp3d>
+            <a:bevelT w="63500" h="25400"/>
+          </a:sp3d>
+        </a:effectStyle>
+      </a:effectStyleLst>
+      <a:bgFillStyleLst>
+        <a:solidFill>
+          <a:schemeClr val="phClr"/>
+        </a:solidFill>
+        <a:gradFill rotWithShape="1">
+          <a:gsLst>
+            <a:gs pos="0">
+              <a:schemeClr val="phClr">
+                <a:tint val="40000"/>
+                <a:satMod val="350000"/>
+              </a:schemeClr>
+            </a:gs>
+            <a:gs pos="40000">
+              <a:schemeClr val="phClr">
+                <a:tint val="45000"/>
+                <a:shade val="99000"/>
+                <a:satMod val="350000"/>
+              </a:schemeClr>
+            </a:gs>
+            <a:gs pos="100000">
+              <a:schemeClr val="phClr">
+                <a:shade val="20000"/>
+                <a:satMod val="255000"/>
+              </a:schemeClr>
+            </a:gs>
+          </a:gsLst>
+          <a:path path="circle">
+            <a:fillToRect l="50000" t="-80000" r="50000" b="180000"/>
+          </a:path>
+        </a:gradFill>
+        <a:gradFill rotWithShape="1">
+          <a:gsLst>
+            <a:gs pos="0">
+              <a:schemeClr val="phClr">
+                <a:tint val="80000"/>
+                <a:satMod val="300000"/>
+              </a:schemeClr>
+            </a:gs>
+            <a:gs pos="100000">
+              <a:schemeClr val="phClr">
+                <a:shade val="30000"/>
+                <a:satMod val="200000"/>
+              </a:schemeClr>
+            </a:gs>
+          </a:gsLst>
+          <a:path path="circle">
+            <a:fillToRect l="50000" t="50000" r="50000" b="50000"/>
+          </a:path>
+        </a:gradFill>
+      </a:bgFillStyleLst>
+    </a:fmtScheme>
+  </a:themeElements>
+  <a:objectDefaults/>
+  <a:extraClrSchemeLst/>
+</a:theme>
 </file>